--- a/素材.pptx
+++ b/素材.pptx
@@ -264,7 +264,7 @@
           <a:p>
             <a:fld id="{A992F66E-925A-495D-8B16-EB564F6883FB}" type="datetimeFigureOut">
               <a:rPr lang="zh-TW" altLang="en-US" smtClean="0"/>
-              <a:t>2024/3/15</a:t>
+              <a:t>2024/3/28</a:t>
             </a:fld>
             <a:endParaRPr lang="zh-TW" altLang="en-US"/>
           </a:p>
@@ -462,7 +462,7 @@
           <a:p>
             <a:fld id="{A992F66E-925A-495D-8B16-EB564F6883FB}" type="datetimeFigureOut">
               <a:rPr lang="zh-TW" altLang="en-US" smtClean="0"/>
-              <a:t>2024/3/15</a:t>
+              <a:t>2024/3/28</a:t>
             </a:fld>
             <a:endParaRPr lang="zh-TW" altLang="en-US"/>
           </a:p>
@@ -670,7 +670,7 @@
           <a:p>
             <a:fld id="{A992F66E-925A-495D-8B16-EB564F6883FB}" type="datetimeFigureOut">
               <a:rPr lang="zh-TW" altLang="en-US" smtClean="0"/>
-              <a:t>2024/3/15</a:t>
+              <a:t>2024/3/28</a:t>
             </a:fld>
             <a:endParaRPr lang="zh-TW" altLang="en-US"/>
           </a:p>
@@ -868,7 +868,7 @@
           <a:p>
             <a:fld id="{A992F66E-925A-495D-8B16-EB564F6883FB}" type="datetimeFigureOut">
               <a:rPr lang="zh-TW" altLang="en-US" smtClean="0"/>
-              <a:t>2024/3/15</a:t>
+              <a:t>2024/3/28</a:t>
             </a:fld>
             <a:endParaRPr lang="zh-TW" altLang="en-US"/>
           </a:p>
@@ -1143,7 +1143,7 @@
           <a:p>
             <a:fld id="{A992F66E-925A-495D-8B16-EB564F6883FB}" type="datetimeFigureOut">
               <a:rPr lang="zh-TW" altLang="en-US" smtClean="0"/>
-              <a:t>2024/3/15</a:t>
+              <a:t>2024/3/28</a:t>
             </a:fld>
             <a:endParaRPr lang="zh-TW" altLang="en-US"/>
           </a:p>
@@ -1408,7 +1408,7 @@
           <a:p>
             <a:fld id="{A992F66E-925A-495D-8B16-EB564F6883FB}" type="datetimeFigureOut">
               <a:rPr lang="zh-TW" altLang="en-US" smtClean="0"/>
-              <a:t>2024/3/15</a:t>
+              <a:t>2024/3/28</a:t>
             </a:fld>
             <a:endParaRPr lang="zh-TW" altLang="en-US"/>
           </a:p>
@@ -1820,7 +1820,7 @@
           <a:p>
             <a:fld id="{A992F66E-925A-495D-8B16-EB564F6883FB}" type="datetimeFigureOut">
               <a:rPr lang="zh-TW" altLang="en-US" smtClean="0"/>
-              <a:t>2024/3/15</a:t>
+              <a:t>2024/3/28</a:t>
             </a:fld>
             <a:endParaRPr lang="zh-TW" altLang="en-US"/>
           </a:p>
@@ -1961,7 +1961,7 @@
           <a:p>
             <a:fld id="{A992F66E-925A-495D-8B16-EB564F6883FB}" type="datetimeFigureOut">
               <a:rPr lang="zh-TW" altLang="en-US" smtClean="0"/>
-              <a:t>2024/3/15</a:t>
+              <a:t>2024/3/28</a:t>
             </a:fld>
             <a:endParaRPr lang="zh-TW" altLang="en-US"/>
           </a:p>
@@ -2074,7 +2074,7 @@
           <a:p>
             <a:fld id="{A992F66E-925A-495D-8B16-EB564F6883FB}" type="datetimeFigureOut">
               <a:rPr lang="zh-TW" altLang="en-US" smtClean="0"/>
-              <a:t>2024/3/15</a:t>
+              <a:t>2024/3/28</a:t>
             </a:fld>
             <a:endParaRPr lang="zh-TW" altLang="en-US"/>
           </a:p>
@@ -2385,7 +2385,7 @@
           <a:p>
             <a:fld id="{A992F66E-925A-495D-8B16-EB564F6883FB}" type="datetimeFigureOut">
               <a:rPr lang="zh-TW" altLang="en-US" smtClean="0"/>
-              <a:t>2024/3/15</a:t>
+              <a:t>2024/3/28</a:t>
             </a:fld>
             <a:endParaRPr lang="zh-TW" altLang="en-US"/>
           </a:p>
@@ -2673,7 +2673,7 @@
           <a:p>
             <a:fld id="{A992F66E-925A-495D-8B16-EB564F6883FB}" type="datetimeFigureOut">
               <a:rPr lang="zh-TW" altLang="en-US" smtClean="0"/>
-              <a:t>2024/3/15</a:t>
+              <a:t>2024/3/28</a:t>
             </a:fld>
             <a:endParaRPr lang="zh-TW" altLang="en-US"/>
           </a:p>
@@ -2914,7 +2914,7 @@
           <a:p>
             <a:fld id="{A992F66E-925A-495D-8B16-EB564F6883FB}" type="datetimeFigureOut">
               <a:rPr lang="zh-TW" altLang="en-US" smtClean="0"/>
-              <a:t>2024/3/15</a:t>
+              <a:t>2024/3/28</a:t>
             </a:fld>
             <a:endParaRPr lang="zh-TW" altLang="en-US"/>
           </a:p>
@@ -5431,6 +5431,1210 @@
               <a:extLst>
                 <a:ext uri="{FF2B5EF4-FFF2-40B4-BE49-F238E27FC236}">
                   <a16:creationId xmlns:a16="http://schemas.microsoft.com/office/drawing/2014/main" id="{E00211F6-5C53-CDA2-FEA2-43ED2467874F}"/>
+                </a:ext>
+              </a:extLst>
+            </p:cNvPr>
+            <p:cNvSpPr/>
+            <p:nvPr/>
+          </p:nvSpPr>
+          <p:spPr>
+            <a:xfrm>
+              <a:off x="2305460" y="1858885"/>
+              <a:ext cx="344368" cy="344368"/>
+            </a:xfrm>
+            <a:prstGeom prst="star5">
+              <a:avLst/>
+            </a:prstGeom>
+            <a:solidFill>
+              <a:srgbClr val="FFFF00"/>
+            </a:solidFill>
+            <a:ln>
+              <a:noFill/>
+            </a:ln>
+          </p:spPr>
+          <p:style>
+            <a:lnRef idx="2">
+              <a:schemeClr val="accent1">
+                <a:shade val="15000"/>
+              </a:schemeClr>
+            </a:lnRef>
+            <a:fillRef idx="1">
+              <a:schemeClr val="accent1"/>
+            </a:fillRef>
+            <a:effectRef idx="0">
+              <a:schemeClr val="accent1"/>
+            </a:effectRef>
+            <a:fontRef idx="minor">
+              <a:schemeClr val="lt1"/>
+            </a:fontRef>
+          </p:style>
+          <p:txBody>
+            <a:bodyPr rtlCol="0" anchor="ctr"/>
+            <a:lstStyle/>
+            <a:p>
+              <a:pPr algn="ctr"/>
+              <a:endParaRPr lang="zh-TW" altLang="en-US" sz="1400"/>
+            </a:p>
+          </p:txBody>
+        </p:sp>
+      </p:grpSp>
+      <p:grpSp>
+        <p:nvGrpSpPr>
+          <p:cNvPr id="3" name="群組 2">
+            <a:extLst>
+              <a:ext uri="{FF2B5EF4-FFF2-40B4-BE49-F238E27FC236}">
+                <a16:creationId xmlns:a16="http://schemas.microsoft.com/office/drawing/2014/main" id="{E3161DF0-B7F2-0A97-45DA-A674F1557C4D}"/>
+              </a:ext>
+            </a:extLst>
+          </p:cNvPr>
+          <p:cNvGrpSpPr/>
+          <p:nvPr/>
+        </p:nvGrpSpPr>
+        <p:grpSpPr>
+          <a:xfrm>
+            <a:off x="1325557" y="3429000"/>
+            <a:ext cx="1195968" cy="1317484"/>
+            <a:chOff x="1449543" y="1043164"/>
+            <a:chExt cx="1424940" cy="1569720"/>
+          </a:xfrm>
+        </p:grpSpPr>
+        <p:grpSp>
+          <p:nvGrpSpPr>
+            <p:cNvPr id="4" name="群組 3">
+              <a:extLst>
+                <a:ext uri="{FF2B5EF4-FFF2-40B4-BE49-F238E27FC236}">
+                  <a16:creationId xmlns:a16="http://schemas.microsoft.com/office/drawing/2014/main" id="{EBCD61EE-5EC9-0A07-32F4-175B639BEA9E}"/>
+                </a:ext>
+              </a:extLst>
+            </p:cNvPr>
+            <p:cNvGrpSpPr/>
+            <p:nvPr/>
+          </p:nvGrpSpPr>
+          <p:grpSpPr>
+            <a:xfrm>
+              <a:off x="1449543" y="1043164"/>
+              <a:ext cx="1424940" cy="1569720"/>
+              <a:chOff x="172224" y="586610"/>
+              <a:chExt cx="1424940" cy="1569720"/>
+            </a:xfrm>
+          </p:grpSpPr>
+          <p:sp>
+            <p:nvSpPr>
+              <p:cNvPr id="35" name="矩形 34">
+                <a:extLst>
+                  <a:ext uri="{FF2B5EF4-FFF2-40B4-BE49-F238E27FC236}">
+                    <a16:creationId xmlns:a16="http://schemas.microsoft.com/office/drawing/2014/main" id="{8DB704F6-7AD9-6412-02B5-3A8CA2390099}"/>
+                  </a:ext>
+                </a:extLst>
+              </p:cNvPr>
+              <p:cNvSpPr/>
+              <p:nvPr/>
+            </p:nvSpPr>
+            <p:spPr>
+              <a:xfrm>
+                <a:off x="172224" y="586610"/>
+                <a:ext cx="1424940" cy="1569720"/>
+              </a:xfrm>
+              <a:prstGeom prst="rect">
+                <a:avLst/>
+              </a:prstGeom>
+            </p:spPr>
+            <p:style>
+              <a:lnRef idx="2">
+                <a:schemeClr val="dk1">
+                  <a:shade val="15000"/>
+                </a:schemeClr>
+              </a:lnRef>
+              <a:fillRef idx="1">
+                <a:schemeClr val="dk1"/>
+              </a:fillRef>
+              <a:effectRef idx="0">
+                <a:schemeClr val="dk1"/>
+              </a:effectRef>
+              <a:fontRef idx="minor">
+                <a:schemeClr val="lt1"/>
+              </a:fontRef>
+            </p:style>
+            <p:txBody>
+              <a:bodyPr rtlCol="0" anchor="ctr"/>
+              <a:lstStyle/>
+              <a:p>
+                <a:pPr algn="ctr"/>
+                <a:endParaRPr lang="zh-TW" altLang="en-US" sz="1400"/>
+              </a:p>
+            </p:txBody>
+          </p:sp>
+          <p:sp>
+            <p:nvSpPr>
+              <p:cNvPr id="36" name="橢圓 35">
+                <a:extLst>
+                  <a:ext uri="{FF2B5EF4-FFF2-40B4-BE49-F238E27FC236}">
+                    <a16:creationId xmlns:a16="http://schemas.microsoft.com/office/drawing/2014/main" id="{B14D7FCD-16CA-FF3E-B882-38764D4018DD}"/>
+                  </a:ext>
+                </a:extLst>
+              </p:cNvPr>
+              <p:cNvSpPr/>
+              <p:nvPr/>
+            </p:nvSpPr>
+            <p:spPr>
+              <a:xfrm>
+                <a:off x="574729" y="1061505"/>
+                <a:ext cx="619931" cy="619931"/>
+              </a:xfrm>
+              <a:prstGeom prst="ellipse">
+                <a:avLst/>
+              </a:prstGeom>
+              <a:ln/>
+            </p:spPr>
+            <p:style>
+              <a:lnRef idx="1">
+                <a:schemeClr val="accent2"/>
+              </a:lnRef>
+              <a:fillRef idx="3">
+                <a:schemeClr val="accent2"/>
+              </a:fillRef>
+              <a:effectRef idx="2">
+                <a:schemeClr val="accent2"/>
+              </a:effectRef>
+              <a:fontRef idx="minor">
+                <a:schemeClr val="lt1"/>
+              </a:fontRef>
+            </p:style>
+            <p:txBody>
+              <a:bodyPr rtlCol="0" anchor="ctr"/>
+              <a:lstStyle/>
+              <a:p>
+                <a:pPr algn="ctr"/>
+                <a:r>
+                  <a:rPr lang="en-US" altLang="zh-TW" sz="2400" b="1" dirty="0">
+                    <a:solidFill>
+                      <a:schemeClr val="bg1"/>
+                    </a:solidFill>
+                  </a:rPr>
+                  <a:t>2</a:t>
+                </a:r>
+                <a:endParaRPr lang="zh-TW" altLang="en-US" sz="2400" b="1" dirty="0">
+                  <a:solidFill>
+                    <a:schemeClr val="bg1"/>
+                  </a:solidFill>
+                </a:endParaRPr>
+              </a:p>
+            </p:txBody>
+          </p:sp>
+        </p:grpSp>
+        <p:sp>
+          <p:nvSpPr>
+            <p:cNvPr id="32" name="星形: 五角 31">
+              <a:extLst>
+                <a:ext uri="{FF2B5EF4-FFF2-40B4-BE49-F238E27FC236}">
+                  <a16:creationId xmlns:a16="http://schemas.microsoft.com/office/drawing/2014/main" id="{EC3E49F5-9E09-C221-2CE3-D2555AC12153}"/>
+                </a:ext>
+              </a:extLst>
+            </p:cNvPr>
+            <p:cNvSpPr/>
+            <p:nvPr/>
+          </p:nvSpPr>
+          <p:spPr>
+            <a:xfrm>
+              <a:off x="1679864" y="1859619"/>
+              <a:ext cx="344368" cy="344368"/>
+            </a:xfrm>
+            <a:prstGeom prst="star5">
+              <a:avLst/>
+            </a:prstGeom>
+            <a:solidFill>
+              <a:schemeClr val="bg2"/>
+            </a:solidFill>
+            <a:ln>
+              <a:noFill/>
+            </a:ln>
+          </p:spPr>
+          <p:style>
+            <a:lnRef idx="2">
+              <a:schemeClr val="accent1">
+                <a:shade val="15000"/>
+              </a:schemeClr>
+            </a:lnRef>
+            <a:fillRef idx="1">
+              <a:schemeClr val="accent1"/>
+            </a:fillRef>
+            <a:effectRef idx="0">
+              <a:schemeClr val="accent1"/>
+            </a:effectRef>
+            <a:fontRef idx="minor">
+              <a:schemeClr val="lt1"/>
+            </a:fontRef>
+          </p:style>
+          <p:txBody>
+            <a:bodyPr rtlCol="0" anchor="ctr"/>
+            <a:lstStyle/>
+            <a:p>
+              <a:pPr algn="ctr"/>
+              <a:endParaRPr lang="zh-TW" altLang="en-US" sz="1400"/>
+            </a:p>
+          </p:txBody>
+        </p:sp>
+        <p:sp>
+          <p:nvSpPr>
+            <p:cNvPr id="33" name="星形: 五角 32">
+              <a:extLst>
+                <a:ext uri="{FF2B5EF4-FFF2-40B4-BE49-F238E27FC236}">
+                  <a16:creationId xmlns:a16="http://schemas.microsoft.com/office/drawing/2014/main" id="{476EC433-E3F9-1DAC-D94E-33974667BD87}"/>
+                </a:ext>
+              </a:extLst>
+            </p:cNvPr>
+            <p:cNvSpPr/>
+            <p:nvPr/>
+          </p:nvSpPr>
+          <p:spPr>
+            <a:xfrm>
+              <a:off x="1989829" y="1998805"/>
+              <a:ext cx="344368" cy="344368"/>
+            </a:xfrm>
+            <a:prstGeom prst="star5">
+              <a:avLst/>
+            </a:prstGeom>
+            <a:solidFill>
+              <a:schemeClr val="bg2"/>
+            </a:solidFill>
+            <a:ln>
+              <a:noFill/>
+            </a:ln>
+          </p:spPr>
+          <p:style>
+            <a:lnRef idx="2">
+              <a:schemeClr val="accent1">
+                <a:shade val="15000"/>
+              </a:schemeClr>
+            </a:lnRef>
+            <a:fillRef idx="1">
+              <a:schemeClr val="accent1"/>
+            </a:fillRef>
+            <a:effectRef idx="0">
+              <a:schemeClr val="accent1"/>
+            </a:effectRef>
+            <a:fontRef idx="minor">
+              <a:schemeClr val="lt1"/>
+            </a:fontRef>
+          </p:style>
+          <p:txBody>
+            <a:bodyPr rtlCol="0" anchor="ctr"/>
+            <a:lstStyle/>
+            <a:p>
+              <a:pPr algn="ctr"/>
+              <a:endParaRPr lang="zh-TW" altLang="en-US" sz="1400"/>
+            </a:p>
+          </p:txBody>
+        </p:sp>
+        <p:sp>
+          <p:nvSpPr>
+            <p:cNvPr id="34" name="星形: 五角 33">
+              <a:extLst>
+                <a:ext uri="{FF2B5EF4-FFF2-40B4-BE49-F238E27FC236}">
+                  <a16:creationId xmlns:a16="http://schemas.microsoft.com/office/drawing/2014/main" id="{5DA37C41-0C69-5406-975E-8016AB164C13}"/>
+                </a:ext>
+              </a:extLst>
+            </p:cNvPr>
+            <p:cNvSpPr/>
+            <p:nvPr/>
+          </p:nvSpPr>
+          <p:spPr>
+            <a:xfrm>
+              <a:off x="2305460" y="1858885"/>
+              <a:ext cx="344368" cy="344368"/>
+            </a:xfrm>
+            <a:prstGeom prst="star5">
+              <a:avLst/>
+            </a:prstGeom>
+            <a:solidFill>
+              <a:schemeClr val="bg2"/>
+            </a:solidFill>
+            <a:ln>
+              <a:noFill/>
+            </a:ln>
+          </p:spPr>
+          <p:style>
+            <a:lnRef idx="2">
+              <a:schemeClr val="accent1">
+                <a:shade val="15000"/>
+              </a:schemeClr>
+            </a:lnRef>
+            <a:fillRef idx="1">
+              <a:schemeClr val="accent1"/>
+            </a:fillRef>
+            <a:effectRef idx="0">
+              <a:schemeClr val="accent1"/>
+            </a:effectRef>
+            <a:fontRef idx="minor">
+              <a:schemeClr val="lt1"/>
+            </a:fontRef>
+          </p:style>
+          <p:txBody>
+            <a:bodyPr rtlCol="0" anchor="ctr"/>
+            <a:lstStyle/>
+            <a:p>
+              <a:pPr algn="ctr"/>
+              <a:endParaRPr lang="zh-TW" altLang="en-US" sz="1400"/>
+            </a:p>
+          </p:txBody>
+        </p:sp>
+      </p:grpSp>
+      <p:grpSp>
+        <p:nvGrpSpPr>
+          <p:cNvPr id="37" name="群組 36">
+            <a:extLst>
+              <a:ext uri="{FF2B5EF4-FFF2-40B4-BE49-F238E27FC236}">
+                <a16:creationId xmlns:a16="http://schemas.microsoft.com/office/drawing/2014/main" id="{EB0BE0B8-0510-E97C-83D2-CE54E50EC541}"/>
+              </a:ext>
+            </a:extLst>
+          </p:cNvPr>
+          <p:cNvGrpSpPr/>
+          <p:nvPr/>
+        </p:nvGrpSpPr>
+        <p:grpSpPr>
+          <a:xfrm>
+            <a:off x="3352477" y="3429000"/>
+            <a:ext cx="1195968" cy="1317484"/>
+            <a:chOff x="1449543" y="1043164"/>
+            <a:chExt cx="1424940" cy="1569720"/>
+          </a:xfrm>
+        </p:grpSpPr>
+        <p:grpSp>
+          <p:nvGrpSpPr>
+            <p:cNvPr id="38" name="群組 37">
+              <a:extLst>
+                <a:ext uri="{FF2B5EF4-FFF2-40B4-BE49-F238E27FC236}">
+                  <a16:creationId xmlns:a16="http://schemas.microsoft.com/office/drawing/2014/main" id="{A35DA971-8E3C-2351-106F-2B88FF79452C}"/>
+                </a:ext>
+              </a:extLst>
+            </p:cNvPr>
+            <p:cNvGrpSpPr/>
+            <p:nvPr/>
+          </p:nvGrpSpPr>
+          <p:grpSpPr>
+            <a:xfrm>
+              <a:off x="1449543" y="1043164"/>
+              <a:ext cx="1424940" cy="1569720"/>
+              <a:chOff x="172224" y="586610"/>
+              <a:chExt cx="1424940" cy="1569720"/>
+            </a:xfrm>
+          </p:grpSpPr>
+          <p:sp>
+            <p:nvSpPr>
+              <p:cNvPr id="42" name="矩形 41">
+                <a:extLst>
+                  <a:ext uri="{FF2B5EF4-FFF2-40B4-BE49-F238E27FC236}">
+                    <a16:creationId xmlns:a16="http://schemas.microsoft.com/office/drawing/2014/main" id="{84B3CF32-33A5-CE3A-4E68-593148BBB5F2}"/>
+                  </a:ext>
+                </a:extLst>
+              </p:cNvPr>
+              <p:cNvSpPr/>
+              <p:nvPr/>
+            </p:nvSpPr>
+            <p:spPr>
+              <a:xfrm>
+                <a:off x="172224" y="586610"/>
+                <a:ext cx="1424940" cy="1569720"/>
+              </a:xfrm>
+              <a:prstGeom prst="rect">
+                <a:avLst/>
+              </a:prstGeom>
+            </p:spPr>
+            <p:style>
+              <a:lnRef idx="2">
+                <a:schemeClr val="dk1">
+                  <a:shade val="15000"/>
+                </a:schemeClr>
+              </a:lnRef>
+              <a:fillRef idx="1">
+                <a:schemeClr val="dk1"/>
+              </a:fillRef>
+              <a:effectRef idx="0">
+                <a:schemeClr val="dk1"/>
+              </a:effectRef>
+              <a:fontRef idx="minor">
+                <a:schemeClr val="lt1"/>
+              </a:fontRef>
+            </p:style>
+            <p:txBody>
+              <a:bodyPr rtlCol="0" anchor="ctr"/>
+              <a:lstStyle/>
+              <a:p>
+                <a:pPr algn="ctr"/>
+                <a:endParaRPr lang="zh-TW" altLang="en-US" sz="1400"/>
+              </a:p>
+            </p:txBody>
+          </p:sp>
+          <p:sp>
+            <p:nvSpPr>
+              <p:cNvPr id="43" name="橢圓 42">
+                <a:extLst>
+                  <a:ext uri="{FF2B5EF4-FFF2-40B4-BE49-F238E27FC236}">
+                    <a16:creationId xmlns:a16="http://schemas.microsoft.com/office/drawing/2014/main" id="{3FDB49A4-54CD-60ED-7390-06A3E0645B06}"/>
+                  </a:ext>
+                </a:extLst>
+              </p:cNvPr>
+              <p:cNvSpPr/>
+              <p:nvPr/>
+            </p:nvSpPr>
+            <p:spPr>
+              <a:xfrm>
+                <a:off x="574729" y="1061505"/>
+                <a:ext cx="619931" cy="619931"/>
+              </a:xfrm>
+              <a:prstGeom prst="ellipse">
+                <a:avLst/>
+              </a:prstGeom>
+              <a:ln/>
+            </p:spPr>
+            <p:style>
+              <a:lnRef idx="1">
+                <a:schemeClr val="accent2"/>
+              </a:lnRef>
+              <a:fillRef idx="3">
+                <a:schemeClr val="accent2"/>
+              </a:fillRef>
+              <a:effectRef idx="2">
+                <a:schemeClr val="accent2"/>
+              </a:effectRef>
+              <a:fontRef idx="minor">
+                <a:schemeClr val="lt1"/>
+              </a:fontRef>
+            </p:style>
+            <p:txBody>
+              <a:bodyPr rtlCol="0" anchor="ctr"/>
+              <a:lstStyle/>
+              <a:p>
+                <a:pPr algn="ctr"/>
+                <a:r>
+                  <a:rPr lang="en-US" altLang="zh-TW" sz="2400" b="1" dirty="0">
+                    <a:solidFill>
+                      <a:schemeClr val="bg1"/>
+                    </a:solidFill>
+                  </a:rPr>
+                  <a:t>2</a:t>
+                </a:r>
+                <a:endParaRPr lang="zh-TW" altLang="en-US" sz="2400" b="1" dirty="0">
+                  <a:solidFill>
+                    <a:schemeClr val="bg1"/>
+                  </a:solidFill>
+                </a:endParaRPr>
+              </a:p>
+            </p:txBody>
+          </p:sp>
+        </p:grpSp>
+        <p:sp>
+          <p:nvSpPr>
+            <p:cNvPr id="39" name="星形: 五角 38">
+              <a:extLst>
+                <a:ext uri="{FF2B5EF4-FFF2-40B4-BE49-F238E27FC236}">
+                  <a16:creationId xmlns:a16="http://schemas.microsoft.com/office/drawing/2014/main" id="{91D5C5B1-5045-E9F0-8199-E49F4264E5D2}"/>
+                </a:ext>
+              </a:extLst>
+            </p:cNvPr>
+            <p:cNvSpPr/>
+            <p:nvPr/>
+          </p:nvSpPr>
+          <p:spPr>
+            <a:xfrm>
+              <a:off x="1679864" y="1859619"/>
+              <a:ext cx="344368" cy="344368"/>
+            </a:xfrm>
+            <a:prstGeom prst="star5">
+              <a:avLst/>
+            </a:prstGeom>
+            <a:solidFill>
+              <a:srgbClr val="FFFF00"/>
+            </a:solidFill>
+            <a:ln>
+              <a:noFill/>
+            </a:ln>
+          </p:spPr>
+          <p:style>
+            <a:lnRef idx="2">
+              <a:schemeClr val="accent1">
+                <a:shade val="15000"/>
+              </a:schemeClr>
+            </a:lnRef>
+            <a:fillRef idx="1">
+              <a:schemeClr val="accent1"/>
+            </a:fillRef>
+            <a:effectRef idx="0">
+              <a:schemeClr val="accent1"/>
+            </a:effectRef>
+            <a:fontRef idx="minor">
+              <a:schemeClr val="lt1"/>
+            </a:fontRef>
+          </p:style>
+          <p:txBody>
+            <a:bodyPr rtlCol="0" anchor="ctr"/>
+            <a:lstStyle/>
+            <a:p>
+              <a:pPr algn="ctr"/>
+              <a:endParaRPr lang="zh-TW" altLang="en-US" sz="1400"/>
+            </a:p>
+          </p:txBody>
+        </p:sp>
+        <p:sp>
+          <p:nvSpPr>
+            <p:cNvPr id="40" name="星形: 五角 39">
+              <a:extLst>
+                <a:ext uri="{FF2B5EF4-FFF2-40B4-BE49-F238E27FC236}">
+                  <a16:creationId xmlns:a16="http://schemas.microsoft.com/office/drawing/2014/main" id="{8EB35873-A42D-2ED3-60E6-B045853B4696}"/>
+                </a:ext>
+              </a:extLst>
+            </p:cNvPr>
+            <p:cNvSpPr/>
+            <p:nvPr/>
+          </p:nvSpPr>
+          <p:spPr>
+            <a:xfrm>
+              <a:off x="1989829" y="1998805"/>
+              <a:ext cx="344368" cy="344368"/>
+            </a:xfrm>
+            <a:prstGeom prst="star5">
+              <a:avLst/>
+            </a:prstGeom>
+            <a:solidFill>
+              <a:schemeClr val="bg2"/>
+            </a:solidFill>
+            <a:ln>
+              <a:noFill/>
+            </a:ln>
+          </p:spPr>
+          <p:style>
+            <a:lnRef idx="2">
+              <a:schemeClr val="accent1">
+                <a:shade val="15000"/>
+              </a:schemeClr>
+            </a:lnRef>
+            <a:fillRef idx="1">
+              <a:schemeClr val="accent1"/>
+            </a:fillRef>
+            <a:effectRef idx="0">
+              <a:schemeClr val="accent1"/>
+            </a:effectRef>
+            <a:fontRef idx="minor">
+              <a:schemeClr val="lt1"/>
+            </a:fontRef>
+          </p:style>
+          <p:txBody>
+            <a:bodyPr rtlCol="0" anchor="ctr"/>
+            <a:lstStyle/>
+            <a:p>
+              <a:pPr algn="ctr"/>
+              <a:endParaRPr lang="zh-TW" altLang="en-US" sz="1400"/>
+            </a:p>
+          </p:txBody>
+        </p:sp>
+        <p:sp>
+          <p:nvSpPr>
+            <p:cNvPr id="41" name="星形: 五角 40">
+              <a:extLst>
+                <a:ext uri="{FF2B5EF4-FFF2-40B4-BE49-F238E27FC236}">
+                  <a16:creationId xmlns:a16="http://schemas.microsoft.com/office/drawing/2014/main" id="{6F627A7C-47AC-AD82-B271-29365BA6BD31}"/>
+                </a:ext>
+              </a:extLst>
+            </p:cNvPr>
+            <p:cNvSpPr/>
+            <p:nvPr/>
+          </p:nvSpPr>
+          <p:spPr>
+            <a:xfrm>
+              <a:off x="2305460" y="1858885"/>
+              <a:ext cx="344368" cy="344368"/>
+            </a:xfrm>
+            <a:prstGeom prst="star5">
+              <a:avLst/>
+            </a:prstGeom>
+            <a:solidFill>
+              <a:schemeClr val="bg2"/>
+            </a:solidFill>
+            <a:ln>
+              <a:noFill/>
+            </a:ln>
+          </p:spPr>
+          <p:style>
+            <a:lnRef idx="2">
+              <a:schemeClr val="accent1">
+                <a:shade val="15000"/>
+              </a:schemeClr>
+            </a:lnRef>
+            <a:fillRef idx="1">
+              <a:schemeClr val="accent1"/>
+            </a:fillRef>
+            <a:effectRef idx="0">
+              <a:schemeClr val="accent1"/>
+            </a:effectRef>
+            <a:fontRef idx="minor">
+              <a:schemeClr val="lt1"/>
+            </a:fontRef>
+          </p:style>
+          <p:txBody>
+            <a:bodyPr rtlCol="0" anchor="ctr"/>
+            <a:lstStyle/>
+            <a:p>
+              <a:pPr algn="ctr"/>
+              <a:endParaRPr lang="zh-TW" altLang="en-US" sz="1400"/>
+            </a:p>
+          </p:txBody>
+        </p:sp>
+      </p:grpSp>
+      <p:grpSp>
+        <p:nvGrpSpPr>
+          <p:cNvPr id="44" name="群組 43">
+            <a:extLst>
+              <a:ext uri="{FF2B5EF4-FFF2-40B4-BE49-F238E27FC236}">
+                <a16:creationId xmlns:a16="http://schemas.microsoft.com/office/drawing/2014/main" id="{876F23F2-A462-F2A0-A00A-8859B29DD327}"/>
+              </a:ext>
+            </a:extLst>
+          </p:cNvPr>
+          <p:cNvGrpSpPr/>
+          <p:nvPr/>
+        </p:nvGrpSpPr>
+        <p:grpSpPr>
+          <a:xfrm>
+            <a:off x="5455597" y="3429000"/>
+            <a:ext cx="1195968" cy="1317484"/>
+            <a:chOff x="1449543" y="1043164"/>
+            <a:chExt cx="1424940" cy="1569720"/>
+          </a:xfrm>
+        </p:grpSpPr>
+        <p:grpSp>
+          <p:nvGrpSpPr>
+            <p:cNvPr id="45" name="群組 44">
+              <a:extLst>
+                <a:ext uri="{FF2B5EF4-FFF2-40B4-BE49-F238E27FC236}">
+                  <a16:creationId xmlns:a16="http://schemas.microsoft.com/office/drawing/2014/main" id="{CD7B665E-6FB9-2C70-6F12-D956D938DB3B}"/>
+                </a:ext>
+              </a:extLst>
+            </p:cNvPr>
+            <p:cNvGrpSpPr/>
+            <p:nvPr/>
+          </p:nvGrpSpPr>
+          <p:grpSpPr>
+            <a:xfrm>
+              <a:off x="1449543" y="1043164"/>
+              <a:ext cx="1424940" cy="1569720"/>
+              <a:chOff x="172224" y="586610"/>
+              <a:chExt cx="1424940" cy="1569720"/>
+            </a:xfrm>
+          </p:grpSpPr>
+          <p:sp>
+            <p:nvSpPr>
+              <p:cNvPr id="49" name="矩形 48">
+                <a:extLst>
+                  <a:ext uri="{FF2B5EF4-FFF2-40B4-BE49-F238E27FC236}">
+                    <a16:creationId xmlns:a16="http://schemas.microsoft.com/office/drawing/2014/main" id="{1FCE16D8-8B3B-07B1-E6D4-AEB23C5230E8}"/>
+                  </a:ext>
+                </a:extLst>
+              </p:cNvPr>
+              <p:cNvSpPr/>
+              <p:nvPr/>
+            </p:nvSpPr>
+            <p:spPr>
+              <a:xfrm>
+                <a:off x="172224" y="586610"/>
+                <a:ext cx="1424940" cy="1569720"/>
+              </a:xfrm>
+              <a:prstGeom prst="rect">
+                <a:avLst/>
+              </a:prstGeom>
+            </p:spPr>
+            <p:style>
+              <a:lnRef idx="2">
+                <a:schemeClr val="dk1">
+                  <a:shade val="15000"/>
+                </a:schemeClr>
+              </a:lnRef>
+              <a:fillRef idx="1">
+                <a:schemeClr val="dk1"/>
+              </a:fillRef>
+              <a:effectRef idx="0">
+                <a:schemeClr val="dk1"/>
+              </a:effectRef>
+              <a:fontRef idx="minor">
+                <a:schemeClr val="lt1"/>
+              </a:fontRef>
+            </p:style>
+            <p:txBody>
+              <a:bodyPr rtlCol="0" anchor="ctr"/>
+              <a:lstStyle/>
+              <a:p>
+                <a:pPr algn="ctr"/>
+                <a:endParaRPr lang="zh-TW" altLang="en-US" sz="1400"/>
+              </a:p>
+            </p:txBody>
+          </p:sp>
+          <p:sp>
+            <p:nvSpPr>
+              <p:cNvPr id="50" name="橢圓 49">
+                <a:extLst>
+                  <a:ext uri="{FF2B5EF4-FFF2-40B4-BE49-F238E27FC236}">
+                    <a16:creationId xmlns:a16="http://schemas.microsoft.com/office/drawing/2014/main" id="{F5A00994-119A-A935-C7CF-E2E8A7180A1F}"/>
+                  </a:ext>
+                </a:extLst>
+              </p:cNvPr>
+              <p:cNvSpPr/>
+              <p:nvPr/>
+            </p:nvSpPr>
+            <p:spPr>
+              <a:xfrm>
+                <a:off x="574729" y="1061505"/>
+                <a:ext cx="619931" cy="619931"/>
+              </a:xfrm>
+              <a:prstGeom prst="ellipse">
+                <a:avLst/>
+              </a:prstGeom>
+              <a:ln/>
+            </p:spPr>
+            <p:style>
+              <a:lnRef idx="1">
+                <a:schemeClr val="accent2"/>
+              </a:lnRef>
+              <a:fillRef idx="3">
+                <a:schemeClr val="accent2"/>
+              </a:fillRef>
+              <a:effectRef idx="2">
+                <a:schemeClr val="accent2"/>
+              </a:effectRef>
+              <a:fontRef idx="minor">
+                <a:schemeClr val="lt1"/>
+              </a:fontRef>
+            </p:style>
+            <p:txBody>
+              <a:bodyPr rtlCol="0" anchor="ctr"/>
+              <a:lstStyle/>
+              <a:p>
+                <a:pPr algn="ctr"/>
+                <a:r>
+                  <a:rPr lang="en-US" altLang="zh-TW" sz="2400" b="1" dirty="0">
+                    <a:solidFill>
+                      <a:schemeClr val="bg1"/>
+                    </a:solidFill>
+                  </a:rPr>
+                  <a:t>2</a:t>
+                </a:r>
+                <a:endParaRPr lang="zh-TW" altLang="en-US" sz="2400" b="1" dirty="0">
+                  <a:solidFill>
+                    <a:schemeClr val="bg1"/>
+                  </a:solidFill>
+                </a:endParaRPr>
+              </a:p>
+            </p:txBody>
+          </p:sp>
+        </p:grpSp>
+        <p:sp>
+          <p:nvSpPr>
+            <p:cNvPr id="46" name="星形: 五角 45">
+              <a:extLst>
+                <a:ext uri="{FF2B5EF4-FFF2-40B4-BE49-F238E27FC236}">
+                  <a16:creationId xmlns:a16="http://schemas.microsoft.com/office/drawing/2014/main" id="{E6BAB37A-EE8E-FA57-31FA-3BDECAB3868F}"/>
+                </a:ext>
+              </a:extLst>
+            </p:cNvPr>
+            <p:cNvSpPr/>
+            <p:nvPr/>
+          </p:nvSpPr>
+          <p:spPr>
+            <a:xfrm>
+              <a:off x="1679864" y="1859619"/>
+              <a:ext cx="344368" cy="344368"/>
+            </a:xfrm>
+            <a:prstGeom prst="star5">
+              <a:avLst/>
+            </a:prstGeom>
+            <a:solidFill>
+              <a:srgbClr val="FFFF00"/>
+            </a:solidFill>
+            <a:ln>
+              <a:noFill/>
+            </a:ln>
+          </p:spPr>
+          <p:style>
+            <a:lnRef idx="2">
+              <a:schemeClr val="accent1">
+                <a:shade val="15000"/>
+              </a:schemeClr>
+            </a:lnRef>
+            <a:fillRef idx="1">
+              <a:schemeClr val="accent1"/>
+            </a:fillRef>
+            <a:effectRef idx="0">
+              <a:schemeClr val="accent1"/>
+            </a:effectRef>
+            <a:fontRef idx="minor">
+              <a:schemeClr val="lt1"/>
+            </a:fontRef>
+          </p:style>
+          <p:txBody>
+            <a:bodyPr rtlCol="0" anchor="ctr"/>
+            <a:lstStyle/>
+            <a:p>
+              <a:pPr algn="ctr"/>
+              <a:endParaRPr lang="zh-TW" altLang="en-US" sz="1400"/>
+            </a:p>
+          </p:txBody>
+        </p:sp>
+        <p:sp>
+          <p:nvSpPr>
+            <p:cNvPr id="47" name="星形: 五角 46">
+              <a:extLst>
+                <a:ext uri="{FF2B5EF4-FFF2-40B4-BE49-F238E27FC236}">
+                  <a16:creationId xmlns:a16="http://schemas.microsoft.com/office/drawing/2014/main" id="{C9A97934-B2FD-ED64-08E0-80BA9D7CF480}"/>
+                </a:ext>
+              </a:extLst>
+            </p:cNvPr>
+            <p:cNvSpPr/>
+            <p:nvPr/>
+          </p:nvSpPr>
+          <p:spPr>
+            <a:xfrm>
+              <a:off x="1989829" y="1998805"/>
+              <a:ext cx="344368" cy="344368"/>
+            </a:xfrm>
+            <a:prstGeom prst="star5">
+              <a:avLst/>
+            </a:prstGeom>
+            <a:solidFill>
+              <a:srgbClr val="FFFF00"/>
+            </a:solidFill>
+            <a:ln>
+              <a:noFill/>
+            </a:ln>
+          </p:spPr>
+          <p:style>
+            <a:lnRef idx="2">
+              <a:schemeClr val="accent1">
+                <a:shade val="15000"/>
+              </a:schemeClr>
+            </a:lnRef>
+            <a:fillRef idx="1">
+              <a:schemeClr val="accent1"/>
+            </a:fillRef>
+            <a:effectRef idx="0">
+              <a:schemeClr val="accent1"/>
+            </a:effectRef>
+            <a:fontRef idx="minor">
+              <a:schemeClr val="lt1"/>
+            </a:fontRef>
+          </p:style>
+          <p:txBody>
+            <a:bodyPr rtlCol="0" anchor="ctr"/>
+            <a:lstStyle/>
+            <a:p>
+              <a:pPr algn="ctr"/>
+              <a:endParaRPr lang="zh-TW" altLang="en-US" sz="1400"/>
+            </a:p>
+          </p:txBody>
+        </p:sp>
+        <p:sp>
+          <p:nvSpPr>
+            <p:cNvPr id="48" name="星形: 五角 47">
+              <a:extLst>
+                <a:ext uri="{FF2B5EF4-FFF2-40B4-BE49-F238E27FC236}">
+                  <a16:creationId xmlns:a16="http://schemas.microsoft.com/office/drawing/2014/main" id="{7FD33EEE-29EB-9DF4-8FC3-48B5ED3DBCF1}"/>
+                </a:ext>
+              </a:extLst>
+            </p:cNvPr>
+            <p:cNvSpPr/>
+            <p:nvPr/>
+          </p:nvSpPr>
+          <p:spPr>
+            <a:xfrm>
+              <a:off x="2305460" y="1858885"/>
+              <a:ext cx="344368" cy="344368"/>
+            </a:xfrm>
+            <a:prstGeom prst="star5">
+              <a:avLst/>
+            </a:prstGeom>
+            <a:solidFill>
+              <a:schemeClr val="bg2"/>
+            </a:solidFill>
+            <a:ln>
+              <a:noFill/>
+            </a:ln>
+          </p:spPr>
+          <p:style>
+            <a:lnRef idx="2">
+              <a:schemeClr val="accent1">
+                <a:shade val="15000"/>
+              </a:schemeClr>
+            </a:lnRef>
+            <a:fillRef idx="1">
+              <a:schemeClr val="accent1"/>
+            </a:fillRef>
+            <a:effectRef idx="0">
+              <a:schemeClr val="accent1"/>
+            </a:effectRef>
+            <a:fontRef idx="minor">
+              <a:schemeClr val="lt1"/>
+            </a:fontRef>
+          </p:style>
+          <p:txBody>
+            <a:bodyPr rtlCol="0" anchor="ctr"/>
+            <a:lstStyle/>
+            <a:p>
+              <a:pPr algn="ctr"/>
+              <a:endParaRPr lang="zh-TW" altLang="en-US" sz="1400"/>
+            </a:p>
+          </p:txBody>
+        </p:sp>
+      </p:grpSp>
+      <p:grpSp>
+        <p:nvGrpSpPr>
+          <p:cNvPr id="51" name="群組 50">
+            <a:extLst>
+              <a:ext uri="{FF2B5EF4-FFF2-40B4-BE49-F238E27FC236}">
+                <a16:creationId xmlns:a16="http://schemas.microsoft.com/office/drawing/2014/main" id="{A62D9E45-B686-3647-F7FD-DEC0B8AC8DB8}"/>
+              </a:ext>
+            </a:extLst>
+          </p:cNvPr>
+          <p:cNvGrpSpPr/>
+          <p:nvPr/>
+        </p:nvGrpSpPr>
+        <p:grpSpPr>
+          <a:xfrm>
+            <a:off x="7238677" y="3429000"/>
+            <a:ext cx="1195968" cy="1317484"/>
+            <a:chOff x="1449543" y="1043164"/>
+            <a:chExt cx="1424940" cy="1569720"/>
+          </a:xfrm>
+        </p:grpSpPr>
+        <p:grpSp>
+          <p:nvGrpSpPr>
+            <p:cNvPr id="52" name="群組 51">
+              <a:extLst>
+                <a:ext uri="{FF2B5EF4-FFF2-40B4-BE49-F238E27FC236}">
+                  <a16:creationId xmlns:a16="http://schemas.microsoft.com/office/drawing/2014/main" id="{6301DCAA-14D2-DB27-8DDB-867C8B6D97FA}"/>
+                </a:ext>
+              </a:extLst>
+            </p:cNvPr>
+            <p:cNvGrpSpPr/>
+            <p:nvPr/>
+          </p:nvGrpSpPr>
+          <p:grpSpPr>
+            <a:xfrm>
+              <a:off x="1449543" y="1043164"/>
+              <a:ext cx="1424940" cy="1569720"/>
+              <a:chOff x="172224" y="586610"/>
+              <a:chExt cx="1424940" cy="1569720"/>
+            </a:xfrm>
+          </p:grpSpPr>
+          <p:sp>
+            <p:nvSpPr>
+              <p:cNvPr id="56" name="矩形 55">
+                <a:extLst>
+                  <a:ext uri="{FF2B5EF4-FFF2-40B4-BE49-F238E27FC236}">
+                    <a16:creationId xmlns:a16="http://schemas.microsoft.com/office/drawing/2014/main" id="{8E2D7879-0D12-84D1-886A-684D0C04E9AF}"/>
+                  </a:ext>
+                </a:extLst>
+              </p:cNvPr>
+              <p:cNvSpPr/>
+              <p:nvPr/>
+            </p:nvSpPr>
+            <p:spPr>
+              <a:xfrm>
+                <a:off x="172224" y="586610"/>
+                <a:ext cx="1424940" cy="1569720"/>
+              </a:xfrm>
+              <a:prstGeom prst="rect">
+                <a:avLst/>
+              </a:prstGeom>
+            </p:spPr>
+            <p:style>
+              <a:lnRef idx="2">
+                <a:schemeClr val="dk1">
+                  <a:shade val="15000"/>
+                </a:schemeClr>
+              </a:lnRef>
+              <a:fillRef idx="1">
+                <a:schemeClr val="dk1"/>
+              </a:fillRef>
+              <a:effectRef idx="0">
+                <a:schemeClr val="dk1"/>
+              </a:effectRef>
+              <a:fontRef idx="minor">
+                <a:schemeClr val="lt1"/>
+              </a:fontRef>
+            </p:style>
+            <p:txBody>
+              <a:bodyPr rtlCol="0" anchor="ctr"/>
+              <a:lstStyle/>
+              <a:p>
+                <a:pPr algn="ctr"/>
+                <a:endParaRPr lang="zh-TW" altLang="en-US" sz="1400"/>
+              </a:p>
+            </p:txBody>
+          </p:sp>
+          <p:sp>
+            <p:nvSpPr>
+              <p:cNvPr id="57" name="橢圓 56">
+                <a:extLst>
+                  <a:ext uri="{FF2B5EF4-FFF2-40B4-BE49-F238E27FC236}">
+                    <a16:creationId xmlns:a16="http://schemas.microsoft.com/office/drawing/2014/main" id="{3DCE9AC3-E2A2-A005-4584-FC37126283C6}"/>
+                  </a:ext>
+                </a:extLst>
+              </p:cNvPr>
+              <p:cNvSpPr/>
+              <p:nvPr/>
+            </p:nvSpPr>
+            <p:spPr>
+              <a:xfrm>
+                <a:off x="574729" y="1061505"/>
+                <a:ext cx="619931" cy="619931"/>
+              </a:xfrm>
+              <a:prstGeom prst="ellipse">
+                <a:avLst/>
+              </a:prstGeom>
+              <a:ln/>
+            </p:spPr>
+            <p:style>
+              <a:lnRef idx="1">
+                <a:schemeClr val="accent2"/>
+              </a:lnRef>
+              <a:fillRef idx="3">
+                <a:schemeClr val="accent2"/>
+              </a:fillRef>
+              <a:effectRef idx="2">
+                <a:schemeClr val="accent2"/>
+              </a:effectRef>
+              <a:fontRef idx="minor">
+                <a:schemeClr val="lt1"/>
+              </a:fontRef>
+            </p:style>
+            <p:txBody>
+              <a:bodyPr rtlCol="0" anchor="ctr"/>
+              <a:lstStyle/>
+              <a:p>
+                <a:pPr algn="ctr"/>
+                <a:r>
+                  <a:rPr lang="en-US" altLang="zh-TW" sz="2400" b="1" dirty="0">
+                    <a:solidFill>
+                      <a:schemeClr val="bg1"/>
+                    </a:solidFill>
+                  </a:rPr>
+                  <a:t>2</a:t>
+                </a:r>
+                <a:endParaRPr lang="zh-TW" altLang="en-US" sz="2400" b="1" dirty="0">
+                  <a:solidFill>
+                    <a:schemeClr val="bg1"/>
+                  </a:solidFill>
+                </a:endParaRPr>
+              </a:p>
+            </p:txBody>
+          </p:sp>
+        </p:grpSp>
+        <p:sp>
+          <p:nvSpPr>
+            <p:cNvPr id="53" name="星形: 五角 52">
+              <a:extLst>
+                <a:ext uri="{FF2B5EF4-FFF2-40B4-BE49-F238E27FC236}">
+                  <a16:creationId xmlns:a16="http://schemas.microsoft.com/office/drawing/2014/main" id="{118F67D3-D20F-F065-F4E4-7071C2BDAFDF}"/>
+                </a:ext>
+              </a:extLst>
+            </p:cNvPr>
+            <p:cNvSpPr/>
+            <p:nvPr/>
+          </p:nvSpPr>
+          <p:spPr>
+            <a:xfrm>
+              <a:off x="1679864" y="1859619"/>
+              <a:ext cx="344368" cy="344368"/>
+            </a:xfrm>
+            <a:prstGeom prst="star5">
+              <a:avLst/>
+            </a:prstGeom>
+            <a:solidFill>
+              <a:srgbClr val="FFFF00"/>
+            </a:solidFill>
+            <a:ln>
+              <a:noFill/>
+            </a:ln>
+          </p:spPr>
+          <p:style>
+            <a:lnRef idx="2">
+              <a:schemeClr val="accent1">
+                <a:shade val="15000"/>
+              </a:schemeClr>
+            </a:lnRef>
+            <a:fillRef idx="1">
+              <a:schemeClr val="accent1"/>
+            </a:fillRef>
+            <a:effectRef idx="0">
+              <a:schemeClr val="accent1"/>
+            </a:effectRef>
+            <a:fontRef idx="minor">
+              <a:schemeClr val="lt1"/>
+            </a:fontRef>
+          </p:style>
+          <p:txBody>
+            <a:bodyPr rtlCol="0" anchor="ctr"/>
+            <a:lstStyle/>
+            <a:p>
+              <a:pPr algn="ctr"/>
+              <a:endParaRPr lang="zh-TW" altLang="en-US" sz="1400"/>
+            </a:p>
+          </p:txBody>
+        </p:sp>
+        <p:sp>
+          <p:nvSpPr>
+            <p:cNvPr id="54" name="星形: 五角 53">
+              <a:extLst>
+                <a:ext uri="{FF2B5EF4-FFF2-40B4-BE49-F238E27FC236}">
+                  <a16:creationId xmlns:a16="http://schemas.microsoft.com/office/drawing/2014/main" id="{457C6109-18AE-BF7A-3862-58E628B40531}"/>
+                </a:ext>
+              </a:extLst>
+            </p:cNvPr>
+            <p:cNvSpPr/>
+            <p:nvPr/>
+          </p:nvSpPr>
+          <p:spPr>
+            <a:xfrm>
+              <a:off x="1989829" y="1998805"/>
+              <a:ext cx="344368" cy="344368"/>
+            </a:xfrm>
+            <a:prstGeom prst="star5">
+              <a:avLst/>
+            </a:prstGeom>
+            <a:solidFill>
+              <a:srgbClr val="FFFF00"/>
+            </a:solidFill>
+            <a:ln>
+              <a:noFill/>
+            </a:ln>
+          </p:spPr>
+          <p:style>
+            <a:lnRef idx="2">
+              <a:schemeClr val="accent1">
+                <a:shade val="15000"/>
+              </a:schemeClr>
+            </a:lnRef>
+            <a:fillRef idx="1">
+              <a:schemeClr val="accent1"/>
+            </a:fillRef>
+            <a:effectRef idx="0">
+              <a:schemeClr val="accent1"/>
+            </a:effectRef>
+            <a:fontRef idx="minor">
+              <a:schemeClr val="lt1"/>
+            </a:fontRef>
+          </p:style>
+          <p:txBody>
+            <a:bodyPr rtlCol="0" anchor="ctr"/>
+            <a:lstStyle/>
+            <a:p>
+              <a:pPr algn="ctr"/>
+              <a:endParaRPr lang="zh-TW" altLang="en-US" sz="1400"/>
+            </a:p>
+          </p:txBody>
+        </p:sp>
+        <p:sp>
+          <p:nvSpPr>
+            <p:cNvPr id="55" name="星形: 五角 54">
+              <a:extLst>
+                <a:ext uri="{FF2B5EF4-FFF2-40B4-BE49-F238E27FC236}">
+                  <a16:creationId xmlns:a16="http://schemas.microsoft.com/office/drawing/2014/main" id="{80EBFD52-B088-DB54-F55F-EAF325D1F3E7}"/>
                 </a:ext>
               </a:extLst>
             </p:cNvPr>

--- a/素材.pptx
+++ b/素材.pptx
@@ -4,6 +4,9 @@
   <p:sldMasterIdLst>
     <p:sldMasterId id="2147483648" r:id="rId1"/>
   </p:sldMasterIdLst>
+  <p:notesMasterIdLst>
+    <p:notesMasterId r:id="rId10"/>
+  </p:notesMasterIdLst>
   <p:sldIdLst>
     <p:sldId id="256" r:id="rId2"/>
     <p:sldId id="257" r:id="rId3"/>
@@ -11,6 +14,8 @@
     <p:sldId id="259" r:id="rId5"/>
     <p:sldId id="260" r:id="rId6"/>
     <p:sldId id="261" r:id="rId7"/>
+    <p:sldId id="262" r:id="rId8"/>
+    <p:sldId id="263" r:id="rId9"/>
   </p:sldIdLst>
   <p:sldSz cx="12192000" cy="6858000"/>
   <p:notesSz cx="6858000" cy="9144000"/>
@@ -117,6 +122,523 @@
 </p:presentation>
 </file>
 
+<file path=ppt/notesMasters/notesMaster1.xml><?xml version="1.0" encoding="utf-8"?>
+<p:notesMaster xmlns:a="http://schemas.openxmlformats.org/drawingml/2006/main" xmlns:r="http://schemas.openxmlformats.org/officeDocument/2006/relationships" xmlns:p="http://schemas.openxmlformats.org/presentationml/2006/main">
+  <p:cSld>
+    <p:bg>
+      <p:bgRef idx="1001">
+        <a:schemeClr val="bg1"/>
+      </p:bgRef>
+    </p:bg>
+    <p:spTree>
+      <p:nvGrpSpPr>
+        <p:cNvPr id="1" name=""/>
+        <p:cNvGrpSpPr/>
+        <p:nvPr/>
+      </p:nvGrpSpPr>
+      <p:grpSpPr>
+        <a:xfrm>
+          <a:off x="0" y="0"/>
+          <a:ext cx="0" cy="0"/>
+          <a:chOff x="0" y="0"/>
+          <a:chExt cx="0" cy="0"/>
+        </a:xfrm>
+      </p:grpSpPr>
+      <p:sp>
+        <p:nvSpPr>
+          <p:cNvPr id="2" name="頁首版面配置區 1"/>
+          <p:cNvSpPr>
+            <a:spLocks noGrp="1"/>
+          </p:cNvSpPr>
+          <p:nvPr>
+            <p:ph type="hdr" sz="quarter"/>
+          </p:nvPr>
+        </p:nvSpPr>
+        <p:spPr>
+          <a:xfrm>
+            <a:off x="0" y="0"/>
+            <a:ext cx="2971800" cy="458788"/>
+          </a:xfrm>
+          <a:prstGeom prst="rect">
+            <a:avLst/>
+          </a:prstGeom>
+        </p:spPr>
+        <p:txBody>
+          <a:bodyPr vert="horz" lIns="91440" tIns="45720" rIns="91440" bIns="45720" rtlCol="0"/>
+          <a:lstStyle>
+            <a:lvl1pPr algn="l">
+              <a:defRPr sz="1200"/>
+            </a:lvl1pPr>
+          </a:lstStyle>
+          <a:p>
+            <a:endParaRPr lang="zh-TW" altLang="en-US"/>
+          </a:p>
+        </p:txBody>
+      </p:sp>
+      <p:sp>
+        <p:nvSpPr>
+          <p:cNvPr id="3" name="日期版面配置區 2"/>
+          <p:cNvSpPr>
+            <a:spLocks noGrp="1"/>
+          </p:cNvSpPr>
+          <p:nvPr>
+            <p:ph type="dt" idx="1"/>
+          </p:nvPr>
+        </p:nvSpPr>
+        <p:spPr>
+          <a:xfrm>
+            <a:off x="3884613" y="0"/>
+            <a:ext cx="2971800" cy="458788"/>
+          </a:xfrm>
+          <a:prstGeom prst="rect">
+            <a:avLst/>
+          </a:prstGeom>
+        </p:spPr>
+        <p:txBody>
+          <a:bodyPr vert="horz" lIns="91440" tIns="45720" rIns="91440" bIns="45720" rtlCol="0"/>
+          <a:lstStyle>
+            <a:lvl1pPr algn="r">
+              <a:defRPr sz="1200"/>
+            </a:lvl1pPr>
+          </a:lstStyle>
+          <a:p>
+            <a:fld id="{029E3BF1-63DD-46B2-AFB6-146B565DB00E}" type="datetimeFigureOut">
+              <a:rPr lang="zh-TW" altLang="en-US" smtClean="0"/>
+              <a:t>2024/3/29</a:t>
+            </a:fld>
+            <a:endParaRPr lang="zh-TW" altLang="en-US"/>
+          </a:p>
+        </p:txBody>
+      </p:sp>
+      <p:sp>
+        <p:nvSpPr>
+          <p:cNvPr id="4" name="投影片影像版面配置區 3"/>
+          <p:cNvSpPr>
+            <a:spLocks noGrp="1" noRot="1" noChangeAspect="1"/>
+          </p:cNvSpPr>
+          <p:nvPr>
+            <p:ph type="sldImg" idx="2"/>
+          </p:nvPr>
+        </p:nvSpPr>
+        <p:spPr>
+          <a:xfrm>
+            <a:off x="685800" y="1143000"/>
+            <a:ext cx="5486400" cy="3086100"/>
+          </a:xfrm>
+          <a:prstGeom prst="rect">
+            <a:avLst/>
+          </a:prstGeom>
+          <a:noFill/>
+          <a:ln w="12700">
+            <a:solidFill>
+              <a:prstClr val="black"/>
+            </a:solidFill>
+          </a:ln>
+        </p:spPr>
+        <p:txBody>
+          <a:bodyPr vert="horz" lIns="91440" tIns="45720" rIns="91440" bIns="45720" rtlCol="0" anchor="ctr"/>
+          <a:lstStyle/>
+          <a:p>
+            <a:endParaRPr lang="zh-TW" altLang="en-US"/>
+          </a:p>
+        </p:txBody>
+      </p:sp>
+      <p:sp>
+        <p:nvSpPr>
+          <p:cNvPr id="5" name="備忘稿版面配置區 4"/>
+          <p:cNvSpPr>
+            <a:spLocks noGrp="1"/>
+          </p:cNvSpPr>
+          <p:nvPr>
+            <p:ph type="body" sz="quarter" idx="3"/>
+          </p:nvPr>
+        </p:nvSpPr>
+        <p:spPr>
+          <a:xfrm>
+            <a:off x="685800" y="4400550"/>
+            <a:ext cx="5486400" cy="3600450"/>
+          </a:xfrm>
+          <a:prstGeom prst="rect">
+            <a:avLst/>
+          </a:prstGeom>
+        </p:spPr>
+        <p:txBody>
+          <a:bodyPr vert="horz" lIns="91440" tIns="45720" rIns="91440" bIns="45720" rtlCol="0"/>
+          <a:lstStyle/>
+          <a:p>
+            <a:pPr lvl="0"/>
+            <a:r>
+              <a:rPr lang="zh-TW" altLang="en-US"/>
+              <a:t>按一下以編輯母片文字樣式</a:t>
+            </a:r>
+          </a:p>
+          <a:p>
+            <a:pPr lvl="1"/>
+            <a:r>
+              <a:rPr lang="zh-TW" altLang="en-US"/>
+              <a:t>第二層</a:t>
+            </a:r>
+          </a:p>
+          <a:p>
+            <a:pPr lvl="2"/>
+            <a:r>
+              <a:rPr lang="zh-TW" altLang="en-US"/>
+              <a:t>第三層</a:t>
+            </a:r>
+          </a:p>
+          <a:p>
+            <a:pPr lvl="3"/>
+            <a:r>
+              <a:rPr lang="zh-TW" altLang="en-US"/>
+              <a:t>第四層</a:t>
+            </a:r>
+          </a:p>
+          <a:p>
+            <a:pPr lvl="4"/>
+            <a:r>
+              <a:rPr lang="zh-TW" altLang="en-US"/>
+              <a:t>第五層</a:t>
+            </a:r>
+          </a:p>
+        </p:txBody>
+      </p:sp>
+      <p:sp>
+        <p:nvSpPr>
+          <p:cNvPr id="6" name="頁尾版面配置區 5"/>
+          <p:cNvSpPr>
+            <a:spLocks noGrp="1"/>
+          </p:cNvSpPr>
+          <p:nvPr>
+            <p:ph type="ftr" sz="quarter" idx="4"/>
+          </p:nvPr>
+        </p:nvSpPr>
+        <p:spPr>
+          <a:xfrm>
+            <a:off x="0" y="8685213"/>
+            <a:ext cx="2971800" cy="458787"/>
+          </a:xfrm>
+          <a:prstGeom prst="rect">
+            <a:avLst/>
+          </a:prstGeom>
+        </p:spPr>
+        <p:txBody>
+          <a:bodyPr vert="horz" lIns="91440" tIns="45720" rIns="91440" bIns="45720" rtlCol="0" anchor="b"/>
+          <a:lstStyle>
+            <a:lvl1pPr algn="l">
+              <a:defRPr sz="1200"/>
+            </a:lvl1pPr>
+          </a:lstStyle>
+          <a:p>
+            <a:endParaRPr lang="zh-TW" altLang="en-US"/>
+          </a:p>
+        </p:txBody>
+      </p:sp>
+      <p:sp>
+        <p:nvSpPr>
+          <p:cNvPr id="7" name="投影片編號版面配置區 6"/>
+          <p:cNvSpPr>
+            <a:spLocks noGrp="1"/>
+          </p:cNvSpPr>
+          <p:nvPr>
+            <p:ph type="sldNum" sz="quarter" idx="5"/>
+          </p:nvPr>
+        </p:nvSpPr>
+        <p:spPr>
+          <a:xfrm>
+            <a:off x="3884613" y="8685213"/>
+            <a:ext cx="2971800" cy="458787"/>
+          </a:xfrm>
+          <a:prstGeom prst="rect">
+            <a:avLst/>
+          </a:prstGeom>
+        </p:spPr>
+        <p:txBody>
+          <a:bodyPr vert="horz" lIns="91440" tIns="45720" rIns="91440" bIns="45720" rtlCol="0" anchor="b"/>
+          <a:lstStyle>
+            <a:lvl1pPr algn="r">
+              <a:defRPr sz="1200"/>
+            </a:lvl1pPr>
+          </a:lstStyle>
+          <a:p>
+            <a:fld id="{15EA52F9-D6E6-4389-9064-CBAA73DB3EBF}" type="slidenum">
+              <a:rPr lang="zh-TW" altLang="en-US" smtClean="0"/>
+              <a:t>‹#›</a:t>
+            </a:fld>
+            <a:endParaRPr lang="zh-TW" altLang="en-US"/>
+          </a:p>
+        </p:txBody>
+      </p:sp>
+    </p:spTree>
+    <p:extLst>
+      <p:ext uri="{BB962C8B-B14F-4D97-AF65-F5344CB8AC3E}">
+        <p14:creationId xmlns:p14="http://schemas.microsoft.com/office/powerpoint/2010/main" val="1708817286"/>
+      </p:ext>
+    </p:extLst>
+  </p:cSld>
+  <p:clrMap bg1="lt1" tx1="dk1" bg2="lt2" tx2="dk2" accent1="accent1" accent2="accent2" accent3="accent3" accent4="accent4" accent5="accent5" accent6="accent6" hlink="hlink" folHlink="folHlink"/>
+  <p:notesStyle>
+    <a:lvl1pPr marL="0" algn="l" defTabSz="914400" rtl="0" eaLnBrk="1" latinLnBrk="0" hangingPunct="1">
+      <a:defRPr sz="1200" kern="1200">
+        <a:solidFill>
+          <a:schemeClr val="tx1"/>
+        </a:solidFill>
+        <a:latin typeface="+mn-lt"/>
+        <a:ea typeface="+mn-ea"/>
+        <a:cs typeface="+mn-cs"/>
+      </a:defRPr>
+    </a:lvl1pPr>
+    <a:lvl2pPr marL="457200" algn="l" defTabSz="914400" rtl="0" eaLnBrk="1" latinLnBrk="0" hangingPunct="1">
+      <a:defRPr sz="1200" kern="1200">
+        <a:solidFill>
+          <a:schemeClr val="tx1"/>
+        </a:solidFill>
+        <a:latin typeface="+mn-lt"/>
+        <a:ea typeface="+mn-ea"/>
+        <a:cs typeface="+mn-cs"/>
+      </a:defRPr>
+    </a:lvl2pPr>
+    <a:lvl3pPr marL="914400" algn="l" defTabSz="914400" rtl="0" eaLnBrk="1" latinLnBrk="0" hangingPunct="1">
+      <a:defRPr sz="1200" kern="1200">
+        <a:solidFill>
+          <a:schemeClr val="tx1"/>
+        </a:solidFill>
+        <a:latin typeface="+mn-lt"/>
+        <a:ea typeface="+mn-ea"/>
+        <a:cs typeface="+mn-cs"/>
+      </a:defRPr>
+    </a:lvl3pPr>
+    <a:lvl4pPr marL="1371600" algn="l" defTabSz="914400" rtl="0" eaLnBrk="1" latinLnBrk="0" hangingPunct="1">
+      <a:defRPr sz="1200" kern="1200">
+        <a:solidFill>
+          <a:schemeClr val="tx1"/>
+        </a:solidFill>
+        <a:latin typeface="+mn-lt"/>
+        <a:ea typeface="+mn-ea"/>
+        <a:cs typeface="+mn-cs"/>
+      </a:defRPr>
+    </a:lvl4pPr>
+    <a:lvl5pPr marL="1828800" algn="l" defTabSz="914400" rtl="0" eaLnBrk="1" latinLnBrk="0" hangingPunct="1">
+      <a:defRPr sz="1200" kern="1200">
+        <a:solidFill>
+          <a:schemeClr val="tx1"/>
+        </a:solidFill>
+        <a:latin typeface="+mn-lt"/>
+        <a:ea typeface="+mn-ea"/>
+        <a:cs typeface="+mn-cs"/>
+      </a:defRPr>
+    </a:lvl5pPr>
+    <a:lvl6pPr marL="2286000" algn="l" defTabSz="914400" rtl="0" eaLnBrk="1" latinLnBrk="0" hangingPunct="1">
+      <a:defRPr sz="1200" kern="1200">
+        <a:solidFill>
+          <a:schemeClr val="tx1"/>
+        </a:solidFill>
+        <a:latin typeface="+mn-lt"/>
+        <a:ea typeface="+mn-ea"/>
+        <a:cs typeface="+mn-cs"/>
+      </a:defRPr>
+    </a:lvl6pPr>
+    <a:lvl7pPr marL="2743200" algn="l" defTabSz="914400" rtl="0" eaLnBrk="1" latinLnBrk="0" hangingPunct="1">
+      <a:defRPr sz="1200" kern="1200">
+        <a:solidFill>
+          <a:schemeClr val="tx1"/>
+        </a:solidFill>
+        <a:latin typeface="+mn-lt"/>
+        <a:ea typeface="+mn-ea"/>
+        <a:cs typeface="+mn-cs"/>
+      </a:defRPr>
+    </a:lvl7pPr>
+    <a:lvl8pPr marL="3200400" algn="l" defTabSz="914400" rtl="0" eaLnBrk="1" latinLnBrk="0" hangingPunct="1">
+      <a:defRPr sz="1200" kern="1200">
+        <a:solidFill>
+          <a:schemeClr val="tx1"/>
+        </a:solidFill>
+        <a:latin typeface="+mn-lt"/>
+        <a:ea typeface="+mn-ea"/>
+        <a:cs typeface="+mn-cs"/>
+      </a:defRPr>
+    </a:lvl8pPr>
+    <a:lvl9pPr marL="3657600" algn="l" defTabSz="914400" rtl="0" eaLnBrk="1" latinLnBrk="0" hangingPunct="1">
+      <a:defRPr sz="1200" kern="1200">
+        <a:solidFill>
+          <a:schemeClr val="tx1"/>
+        </a:solidFill>
+        <a:latin typeface="+mn-lt"/>
+        <a:ea typeface="+mn-ea"/>
+        <a:cs typeface="+mn-cs"/>
+      </a:defRPr>
+    </a:lvl9pPr>
+  </p:notesStyle>
+</p:notesMaster>
+</file>
+
+<file path=ppt/notesSlides/notesSlide1.xml><?xml version="1.0" encoding="utf-8"?>
+<p:notes xmlns:a="http://schemas.openxmlformats.org/drawingml/2006/main" xmlns:r="http://schemas.openxmlformats.org/officeDocument/2006/relationships" xmlns:p="http://schemas.openxmlformats.org/presentationml/2006/main">
+  <p:cSld>
+    <p:spTree>
+      <p:nvGrpSpPr>
+        <p:cNvPr id="1" name=""/>
+        <p:cNvGrpSpPr/>
+        <p:nvPr/>
+      </p:nvGrpSpPr>
+      <p:grpSpPr>
+        <a:xfrm>
+          <a:off x="0" y="0"/>
+          <a:ext cx="0" cy="0"/>
+          <a:chOff x="0" y="0"/>
+          <a:chExt cx="0" cy="0"/>
+        </a:xfrm>
+      </p:grpSpPr>
+      <p:sp>
+        <p:nvSpPr>
+          <p:cNvPr id="2" name="投影片影像版面配置區 1"/>
+          <p:cNvSpPr>
+            <a:spLocks noGrp="1" noRot="1" noChangeAspect="1"/>
+          </p:cNvSpPr>
+          <p:nvPr>
+            <p:ph type="sldImg"/>
+          </p:nvPr>
+        </p:nvSpPr>
+        <p:spPr/>
+      </p:sp>
+      <p:sp>
+        <p:nvSpPr>
+          <p:cNvPr id="3" name="備忘稿版面配置區 2"/>
+          <p:cNvSpPr>
+            <a:spLocks noGrp="1"/>
+          </p:cNvSpPr>
+          <p:nvPr>
+            <p:ph type="body" idx="1"/>
+          </p:nvPr>
+        </p:nvSpPr>
+        <p:spPr/>
+        <p:txBody>
+          <a:bodyPr/>
+          <a:lstStyle/>
+          <a:p>
+            <a:endParaRPr lang="zh-TW" altLang="en-US" dirty="0"/>
+          </a:p>
+        </p:txBody>
+      </p:sp>
+      <p:sp>
+        <p:nvSpPr>
+          <p:cNvPr id="4" name="投影片編號版面配置區 3"/>
+          <p:cNvSpPr>
+            <a:spLocks noGrp="1"/>
+          </p:cNvSpPr>
+          <p:nvPr>
+            <p:ph type="sldNum" sz="quarter" idx="5"/>
+          </p:nvPr>
+        </p:nvSpPr>
+        <p:spPr/>
+        <p:txBody>
+          <a:bodyPr/>
+          <a:lstStyle/>
+          <a:p>
+            <a:fld id="{15EA52F9-D6E6-4389-9064-CBAA73DB3EBF}" type="slidenum">
+              <a:rPr lang="zh-TW" altLang="en-US" smtClean="0"/>
+              <a:t>7</a:t>
+            </a:fld>
+            <a:endParaRPr lang="zh-TW" altLang="en-US"/>
+          </a:p>
+        </p:txBody>
+      </p:sp>
+    </p:spTree>
+    <p:extLst>
+      <p:ext uri="{BB962C8B-B14F-4D97-AF65-F5344CB8AC3E}">
+        <p14:creationId xmlns:p14="http://schemas.microsoft.com/office/powerpoint/2010/main" val="1593891214"/>
+      </p:ext>
+    </p:extLst>
+  </p:cSld>
+  <p:clrMapOvr>
+    <a:masterClrMapping/>
+  </p:clrMapOvr>
+</p:notes>
+</file>
+
+<file path=ppt/notesSlides/notesSlide2.xml><?xml version="1.0" encoding="utf-8"?>
+<p:notes xmlns:a="http://schemas.openxmlformats.org/drawingml/2006/main" xmlns:r="http://schemas.openxmlformats.org/officeDocument/2006/relationships" xmlns:p="http://schemas.openxmlformats.org/presentationml/2006/main">
+  <p:cSld>
+    <p:spTree>
+      <p:nvGrpSpPr>
+        <p:cNvPr id="1" name=""/>
+        <p:cNvGrpSpPr/>
+        <p:nvPr/>
+      </p:nvGrpSpPr>
+      <p:grpSpPr>
+        <a:xfrm>
+          <a:off x="0" y="0"/>
+          <a:ext cx="0" cy="0"/>
+          <a:chOff x="0" y="0"/>
+          <a:chExt cx="0" cy="0"/>
+        </a:xfrm>
+      </p:grpSpPr>
+      <p:sp>
+        <p:nvSpPr>
+          <p:cNvPr id="2" name="投影片影像版面配置區 1"/>
+          <p:cNvSpPr>
+            <a:spLocks noGrp="1" noRot="1" noChangeAspect="1"/>
+          </p:cNvSpPr>
+          <p:nvPr>
+            <p:ph type="sldImg"/>
+          </p:nvPr>
+        </p:nvSpPr>
+        <p:spPr/>
+      </p:sp>
+      <p:sp>
+        <p:nvSpPr>
+          <p:cNvPr id="3" name="備忘稿版面配置區 2"/>
+          <p:cNvSpPr>
+            <a:spLocks noGrp="1"/>
+          </p:cNvSpPr>
+          <p:nvPr>
+            <p:ph type="body" idx="1"/>
+          </p:nvPr>
+        </p:nvSpPr>
+        <p:spPr/>
+        <p:txBody>
+          <a:bodyPr/>
+          <a:lstStyle/>
+          <a:p>
+            <a:endParaRPr lang="zh-TW" altLang="en-US" dirty="0"/>
+          </a:p>
+        </p:txBody>
+      </p:sp>
+      <p:sp>
+        <p:nvSpPr>
+          <p:cNvPr id="4" name="投影片編號版面配置區 3"/>
+          <p:cNvSpPr>
+            <a:spLocks noGrp="1"/>
+          </p:cNvSpPr>
+          <p:nvPr>
+            <p:ph type="sldNum" sz="quarter" idx="5"/>
+          </p:nvPr>
+        </p:nvSpPr>
+        <p:spPr/>
+        <p:txBody>
+          <a:bodyPr/>
+          <a:lstStyle/>
+          <a:p>
+            <a:fld id="{15EA52F9-D6E6-4389-9064-CBAA73DB3EBF}" type="slidenum">
+              <a:rPr lang="zh-TW" altLang="en-US" smtClean="0"/>
+              <a:t>8</a:t>
+            </a:fld>
+            <a:endParaRPr lang="zh-TW" altLang="en-US"/>
+          </a:p>
+        </p:txBody>
+      </p:sp>
+    </p:spTree>
+    <p:extLst>
+      <p:ext uri="{BB962C8B-B14F-4D97-AF65-F5344CB8AC3E}">
+        <p14:creationId xmlns:p14="http://schemas.microsoft.com/office/powerpoint/2010/main" val="253266689"/>
+      </p:ext>
+    </p:extLst>
+  </p:cSld>
+  <p:clrMapOvr>
+    <a:masterClrMapping/>
+  </p:clrMapOvr>
+</p:notes>
+</file>
+
 <file path=ppt/slideLayouts/slideLayout1.xml><?xml version="1.0" encoding="utf-8"?>
 <p:sldLayout xmlns:a="http://schemas.openxmlformats.org/drawingml/2006/main" xmlns:r="http://schemas.openxmlformats.org/officeDocument/2006/relationships" xmlns:p="http://schemas.openxmlformats.org/presentationml/2006/main" type="title" preserve="1">
   <p:cSld name="標題投影片">
@@ -264,7 +786,7 @@
           <a:p>
             <a:fld id="{A992F66E-925A-495D-8B16-EB564F6883FB}" type="datetimeFigureOut">
               <a:rPr lang="zh-TW" altLang="en-US" smtClean="0"/>
-              <a:t>2024/3/28</a:t>
+              <a:t>2024/3/29</a:t>
             </a:fld>
             <a:endParaRPr lang="zh-TW" altLang="en-US"/>
           </a:p>
@@ -462,7 +984,7 @@
           <a:p>
             <a:fld id="{A992F66E-925A-495D-8B16-EB564F6883FB}" type="datetimeFigureOut">
               <a:rPr lang="zh-TW" altLang="en-US" smtClean="0"/>
-              <a:t>2024/3/28</a:t>
+              <a:t>2024/3/29</a:t>
             </a:fld>
             <a:endParaRPr lang="zh-TW" altLang="en-US"/>
           </a:p>
@@ -670,7 +1192,7 @@
           <a:p>
             <a:fld id="{A992F66E-925A-495D-8B16-EB564F6883FB}" type="datetimeFigureOut">
               <a:rPr lang="zh-TW" altLang="en-US" smtClean="0"/>
-              <a:t>2024/3/28</a:t>
+              <a:t>2024/3/29</a:t>
             </a:fld>
             <a:endParaRPr lang="zh-TW" altLang="en-US"/>
           </a:p>
@@ -868,7 +1390,7 @@
           <a:p>
             <a:fld id="{A992F66E-925A-495D-8B16-EB564F6883FB}" type="datetimeFigureOut">
               <a:rPr lang="zh-TW" altLang="en-US" smtClean="0"/>
-              <a:t>2024/3/28</a:t>
+              <a:t>2024/3/29</a:t>
             </a:fld>
             <a:endParaRPr lang="zh-TW" altLang="en-US"/>
           </a:p>
@@ -1143,7 +1665,7 @@
           <a:p>
             <a:fld id="{A992F66E-925A-495D-8B16-EB564F6883FB}" type="datetimeFigureOut">
               <a:rPr lang="zh-TW" altLang="en-US" smtClean="0"/>
-              <a:t>2024/3/28</a:t>
+              <a:t>2024/3/29</a:t>
             </a:fld>
             <a:endParaRPr lang="zh-TW" altLang="en-US"/>
           </a:p>
@@ -1408,7 +1930,7 @@
           <a:p>
             <a:fld id="{A992F66E-925A-495D-8B16-EB564F6883FB}" type="datetimeFigureOut">
               <a:rPr lang="zh-TW" altLang="en-US" smtClean="0"/>
-              <a:t>2024/3/28</a:t>
+              <a:t>2024/3/29</a:t>
             </a:fld>
             <a:endParaRPr lang="zh-TW" altLang="en-US"/>
           </a:p>
@@ -1820,7 +2342,7 @@
           <a:p>
             <a:fld id="{A992F66E-925A-495D-8B16-EB564F6883FB}" type="datetimeFigureOut">
               <a:rPr lang="zh-TW" altLang="en-US" smtClean="0"/>
-              <a:t>2024/3/28</a:t>
+              <a:t>2024/3/29</a:t>
             </a:fld>
             <a:endParaRPr lang="zh-TW" altLang="en-US"/>
           </a:p>
@@ -1961,7 +2483,7 @@
           <a:p>
             <a:fld id="{A992F66E-925A-495D-8B16-EB564F6883FB}" type="datetimeFigureOut">
               <a:rPr lang="zh-TW" altLang="en-US" smtClean="0"/>
-              <a:t>2024/3/28</a:t>
+              <a:t>2024/3/29</a:t>
             </a:fld>
             <a:endParaRPr lang="zh-TW" altLang="en-US"/>
           </a:p>
@@ -2074,7 +2596,7 @@
           <a:p>
             <a:fld id="{A992F66E-925A-495D-8B16-EB564F6883FB}" type="datetimeFigureOut">
               <a:rPr lang="zh-TW" altLang="en-US" smtClean="0"/>
-              <a:t>2024/3/28</a:t>
+              <a:t>2024/3/29</a:t>
             </a:fld>
             <a:endParaRPr lang="zh-TW" altLang="en-US"/>
           </a:p>
@@ -2385,7 +2907,7 @@
           <a:p>
             <a:fld id="{A992F66E-925A-495D-8B16-EB564F6883FB}" type="datetimeFigureOut">
               <a:rPr lang="zh-TW" altLang="en-US" smtClean="0"/>
-              <a:t>2024/3/28</a:t>
+              <a:t>2024/3/29</a:t>
             </a:fld>
             <a:endParaRPr lang="zh-TW" altLang="en-US"/>
           </a:p>
@@ -2673,7 +3195,7 @@
           <a:p>
             <a:fld id="{A992F66E-925A-495D-8B16-EB564F6883FB}" type="datetimeFigureOut">
               <a:rPr lang="zh-TW" altLang="en-US" smtClean="0"/>
-              <a:t>2024/3/28</a:t>
+              <a:t>2024/3/29</a:t>
             </a:fld>
             <a:endParaRPr lang="zh-TW" altLang="en-US"/>
           </a:p>
@@ -2914,7 +3436,7 @@
           <a:p>
             <a:fld id="{A992F66E-925A-495D-8B16-EB564F6883FB}" type="datetimeFigureOut">
               <a:rPr lang="zh-TW" altLang="en-US" smtClean="0"/>
-              <a:t>2024/3/28</a:t>
+              <a:t>2024/3/29</a:t>
             </a:fld>
             <a:endParaRPr lang="zh-TW" altLang="en-US"/>
           </a:p>
@@ -4288,7 +4810,7 @@
         </p:nvGrpSpPr>
         <p:grpSpPr>
           <a:xfrm>
-            <a:off x="1449543" y="1295400"/>
+            <a:off x="767371" y="-852714"/>
             <a:ext cx="1195968" cy="1317484"/>
             <a:chOff x="1449543" y="1043164"/>
             <a:chExt cx="1424940" cy="1569720"/>
@@ -4589,7 +5111,7 @@
         </p:nvGrpSpPr>
         <p:grpSpPr>
           <a:xfrm>
-            <a:off x="3476463" y="1295400"/>
+            <a:off x="2794291" y="-852714"/>
             <a:ext cx="1195968" cy="1317484"/>
             <a:chOff x="1449543" y="1043164"/>
             <a:chExt cx="1424940" cy="1569720"/>
@@ -4890,7 +5412,7 @@
         </p:nvGrpSpPr>
         <p:grpSpPr>
           <a:xfrm>
-            <a:off x="5579583" y="1295400"/>
+            <a:off x="4897411" y="-852714"/>
             <a:ext cx="1195968" cy="1317484"/>
             <a:chOff x="1449543" y="1043164"/>
             <a:chExt cx="1424940" cy="1569720"/>
@@ -5191,7 +5713,7 @@
         </p:nvGrpSpPr>
         <p:grpSpPr>
           <a:xfrm>
-            <a:off x="7362663" y="1295400"/>
+            <a:off x="6680491" y="-852714"/>
             <a:ext cx="1195968" cy="1317484"/>
             <a:chOff x="1449543" y="1043164"/>
             <a:chExt cx="1424940" cy="1569720"/>
@@ -5492,7 +6014,7 @@
         </p:nvGrpSpPr>
         <p:grpSpPr>
           <a:xfrm>
-            <a:off x="1325557" y="3429000"/>
+            <a:off x="643385" y="1280886"/>
             <a:ext cx="1195968" cy="1317484"/>
             <a:chOff x="1449543" y="1043164"/>
             <a:chExt cx="1424940" cy="1569720"/>
@@ -5793,7 +6315,7 @@
         </p:nvGrpSpPr>
         <p:grpSpPr>
           <a:xfrm>
-            <a:off x="3352477" y="3429000"/>
+            <a:off x="2670305" y="1280886"/>
             <a:ext cx="1195968" cy="1317484"/>
             <a:chOff x="1449543" y="1043164"/>
             <a:chExt cx="1424940" cy="1569720"/>
@@ -6094,7 +6616,7 @@
         </p:nvGrpSpPr>
         <p:grpSpPr>
           <a:xfrm>
-            <a:off x="5455597" y="3429000"/>
+            <a:off x="4773425" y="1280886"/>
             <a:ext cx="1195968" cy="1317484"/>
             <a:chOff x="1449543" y="1043164"/>
             <a:chExt cx="1424940" cy="1569720"/>
@@ -6395,7 +6917,7 @@
         </p:nvGrpSpPr>
         <p:grpSpPr>
           <a:xfrm>
-            <a:off x="7238677" y="3429000"/>
+            <a:off x="6556505" y="1280886"/>
             <a:ext cx="1195968" cy="1317484"/>
             <a:chOff x="1449543" y="1043164"/>
             <a:chExt cx="1424940" cy="1569720"/>
@@ -6682,6 +7204,2422 @@
           </p:txBody>
         </p:sp>
       </p:grpSp>
+      <p:grpSp>
+        <p:nvGrpSpPr>
+          <p:cNvPr id="58" name="群組 57">
+            <a:extLst>
+              <a:ext uri="{FF2B5EF4-FFF2-40B4-BE49-F238E27FC236}">
+                <a16:creationId xmlns:a16="http://schemas.microsoft.com/office/drawing/2014/main" id="{E76E3D3E-AA81-ED5D-3AD7-3BD8E6461ED7}"/>
+              </a:ext>
+            </a:extLst>
+          </p:cNvPr>
+          <p:cNvGrpSpPr/>
+          <p:nvPr/>
+        </p:nvGrpSpPr>
+        <p:grpSpPr>
+          <a:xfrm>
+            <a:off x="825710" y="2939206"/>
+            <a:ext cx="1195968" cy="1317484"/>
+            <a:chOff x="1449543" y="1043164"/>
+            <a:chExt cx="1424940" cy="1569720"/>
+          </a:xfrm>
+        </p:grpSpPr>
+        <p:grpSp>
+          <p:nvGrpSpPr>
+            <p:cNvPr id="59" name="群組 58">
+              <a:extLst>
+                <a:ext uri="{FF2B5EF4-FFF2-40B4-BE49-F238E27FC236}">
+                  <a16:creationId xmlns:a16="http://schemas.microsoft.com/office/drawing/2014/main" id="{6150E59D-0CAD-1A53-EDF6-B13A70DBD40D}"/>
+                </a:ext>
+              </a:extLst>
+            </p:cNvPr>
+            <p:cNvGrpSpPr/>
+            <p:nvPr/>
+          </p:nvGrpSpPr>
+          <p:grpSpPr>
+            <a:xfrm>
+              <a:off x="1449543" y="1043164"/>
+              <a:ext cx="1424940" cy="1569720"/>
+              <a:chOff x="172224" y="586610"/>
+              <a:chExt cx="1424940" cy="1569720"/>
+            </a:xfrm>
+          </p:grpSpPr>
+          <p:sp>
+            <p:nvSpPr>
+              <p:cNvPr id="63" name="矩形 62">
+                <a:extLst>
+                  <a:ext uri="{FF2B5EF4-FFF2-40B4-BE49-F238E27FC236}">
+                    <a16:creationId xmlns:a16="http://schemas.microsoft.com/office/drawing/2014/main" id="{9A638B78-B7A2-6C24-41B8-EF8A639AB046}"/>
+                  </a:ext>
+                </a:extLst>
+              </p:cNvPr>
+              <p:cNvSpPr/>
+              <p:nvPr/>
+            </p:nvSpPr>
+            <p:spPr>
+              <a:xfrm>
+                <a:off x="172224" y="586610"/>
+                <a:ext cx="1424940" cy="1569720"/>
+              </a:xfrm>
+              <a:prstGeom prst="rect">
+                <a:avLst/>
+              </a:prstGeom>
+              <a:noFill/>
+              <a:ln>
+                <a:noFill/>
+              </a:ln>
+            </p:spPr>
+            <p:style>
+              <a:lnRef idx="2">
+                <a:schemeClr val="dk1">
+                  <a:shade val="15000"/>
+                </a:schemeClr>
+              </a:lnRef>
+              <a:fillRef idx="1">
+                <a:schemeClr val="dk1"/>
+              </a:fillRef>
+              <a:effectRef idx="0">
+                <a:schemeClr val="dk1"/>
+              </a:effectRef>
+              <a:fontRef idx="minor">
+                <a:schemeClr val="lt1"/>
+              </a:fontRef>
+            </p:style>
+            <p:txBody>
+              <a:bodyPr rtlCol="0" anchor="ctr"/>
+              <a:lstStyle/>
+              <a:p>
+                <a:pPr algn="ctr"/>
+                <a:endParaRPr lang="zh-TW" altLang="en-US" sz="1400"/>
+              </a:p>
+            </p:txBody>
+          </p:sp>
+          <p:sp>
+            <p:nvSpPr>
+              <p:cNvPr id="64" name="矩形: 圓角 63">
+                <a:extLst>
+                  <a:ext uri="{FF2B5EF4-FFF2-40B4-BE49-F238E27FC236}">
+                    <a16:creationId xmlns:a16="http://schemas.microsoft.com/office/drawing/2014/main" id="{21C01A89-A80C-F520-7845-A5DFE19E5C08}"/>
+                  </a:ext>
+                </a:extLst>
+              </p:cNvPr>
+              <p:cNvSpPr/>
+              <p:nvPr/>
+            </p:nvSpPr>
+            <p:spPr>
+              <a:xfrm>
+                <a:off x="574729" y="1061505"/>
+                <a:ext cx="619931" cy="619931"/>
+              </a:xfrm>
+              <a:prstGeom prst="roundRect">
+                <a:avLst/>
+              </a:prstGeom>
+              <a:solidFill>
+                <a:srgbClr val="C00000"/>
+              </a:solidFill>
+              <a:ln>
+                <a:noFill/>
+              </a:ln>
+            </p:spPr>
+            <p:style>
+              <a:lnRef idx="1">
+                <a:schemeClr val="dk1"/>
+              </a:lnRef>
+              <a:fillRef idx="3">
+                <a:schemeClr val="dk1"/>
+              </a:fillRef>
+              <a:effectRef idx="2">
+                <a:schemeClr val="dk1"/>
+              </a:effectRef>
+              <a:fontRef idx="minor">
+                <a:schemeClr val="lt1"/>
+              </a:fontRef>
+            </p:style>
+            <p:txBody>
+              <a:bodyPr rtlCol="0" anchor="ctr"/>
+              <a:lstStyle/>
+              <a:p>
+                <a:pPr algn="ctr"/>
+                <a:endParaRPr lang="zh-TW" altLang="en-US" sz="2400" b="1" dirty="0">
+                  <a:solidFill>
+                    <a:schemeClr val="bg1"/>
+                  </a:solidFill>
+                </a:endParaRPr>
+              </a:p>
+            </p:txBody>
+          </p:sp>
+        </p:grpSp>
+        <p:sp>
+          <p:nvSpPr>
+            <p:cNvPr id="60" name="星形: 五角 59">
+              <a:extLst>
+                <a:ext uri="{FF2B5EF4-FFF2-40B4-BE49-F238E27FC236}">
+                  <a16:creationId xmlns:a16="http://schemas.microsoft.com/office/drawing/2014/main" id="{996380BA-E673-9D51-3F2D-9E595B3E9569}"/>
+                </a:ext>
+              </a:extLst>
+            </p:cNvPr>
+            <p:cNvSpPr/>
+            <p:nvPr/>
+          </p:nvSpPr>
+          <p:spPr>
+            <a:xfrm>
+              <a:off x="1679864" y="1859619"/>
+              <a:ext cx="344368" cy="344368"/>
+            </a:xfrm>
+            <a:prstGeom prst="star5">
+              <a:avLst/>
+            </a:prstGeom>
+            <a:solidFill>
+              <a:schemeClr val="tx1"/>
+            </a:solidFill>
+            <a:ln>
+              <a:noFill/>
+            </a:ln>
+          </p:spPr>
+          <p:style>
+            <a:lnRef idx="2">
+              <a:schemeClr val="accent1">
+                <a:shade val="15000"/>
+              </a:schemeClr>
+            </a:lnRef>
+            <a:fillRef idx="1">
+              <a:schemeClr val="accent1"/>
+            </a:fillRef>
+            <a:effectRef idx="0">
+              <a:schemeClr val="accent1"/>
+            </a:effectRef>
+            <a:fontRef idx="minor">
+              <a:schemeClr val="lt1"/>
+            </a:fontRef>
+          </p:style>
+          <p:txBody>
+            <a:bodyPr rtlCol="0" anchor="ctr"/>
+            <a:lstStyle/>
+            <a:p>
+              <a:pPr algn="ctr"/>
+              <a:endParaRPr lang="zh-TW" altLang="en-US" sz="1400"/>
+            </a:p>
+          </p:txBody>
+        </p:sp>
+        <p:sp>
+          <p:nvSpPr>
+            <p:cNvPr id="61" name="星形: 五角 60">
+              <a:extLst>
+                <a:ext uri="{FF2B5EF4-FFF2-40B4-BE49-F238E27FC236}">
+                  <a16:creationId xmlns:a16="http://schemas.microsoft.com/office/drawing/2014/main" id="{E0571003-3D62-5097-A3DA-EC24B09667B7}"/>
+                </a:ext>
+              </a:extLst>
+            </p:cNvPr>
+            <p:cNvSpPr/>
+            <p:nvPr/>
+          </p:nvSpPr>
+          <p:spPr>
+            <a:xfrm>
+              <a:off x="1989829" y="1998805"/>
+              <a:ext cx="344368" cy="344368"/>
+            </a:xfrm>
+            <a:prstGeom prst="star5">
+              <a:avLst/>
+            </a:prstGeom>
+            <a:solidFill>
+              <a:schemeClr val="tx1"/>
+            </a:solidFill>
+            <a:ln>
+              <a:noFill/>
+            </a:ln>
+          </p:spPr>
+          <p:style>
+            <a:lnRef idx="2">
+              <a:schemeClr val="accent1">
+                <a:shade val="15000"/>
+              </a:schemeClr>
+            </a:lnRef>
+            <a:fillRef idx="1">
+              <a:schemeClr val="accent1"/>
+            </a:fillRef>
+            <a:effectRef idx="0">
+              <a:schemeClr val="accent1"/>
+            </a:effectRef>
+            <a:fontRef idx="minor">
+              <a:schemeClr val="lt1"/>
+            </a:fontRef>
+          </p:style>
+          <p:txBody>
+            <a:bodyPr rtlCol="0" anchor="ctr"/>
+            <a:lstStyle/>
+            <a:p>
+              <a:pPr algn="ctr"/>
+              <a:endParaRPr lang="zh-TW" altLang="en-US" sz="1400"/>
+            </a:p>
+          </p:txBody>
+        </p:sp>
+        <p:sp>
+          <p:nvSpPr>
+            <p:cNvPr id="62" name="星形: 五角 61">
+              <a:extLst>
+                <a:ext uri="{FF2B5EF4-FFF2-40B4-BE49-F238E27FC236}">
+                  <a16:creationId xmlns:a16="http://schemas.microsoft.com/office/drawing/2014/main" id="{4D7700AB-71DA-8F94-D8C0-C0A60D6FF49F}"/>
+                </a:ext>
+              </a:extLst>
+            </p:cNvPr>
+            <p:cNvSpPr/>
+            <p:nvPr/>
+          </p:nvSpPr>
+          <p:spPr>
+            <a:xfrm>
+              <a:off x="2305460" y="1858885"/>
+              <a:ext cx="344368" cy="344368"/>
+            </a:xfrm>
+            <a:prstGeom prst="star5">
+              <a:avLst/>
+            </a:prstGeom>
+            <a:solidFill>
+              <a:schemeClr val="tx1"/>
+            </a:solidFill>
+            <a:ln>
+              <a:noFill/>
+            </a:ln>
+          </p:spPr>
+          <p:style>
+            <a:lnRef idx="2">
+              <a:schemeClr val="accent1">
+                <a:shade val="15000"/>
+              </a:schemeClr>
+            </a:lnRef>
+            <a:fillRef idx="1">
+              <a:schemeClr val="accent1"/>
+            </a:fillRef>
+            <a:effectRef idx="0">
+              <a:schemeClr val="accent1"/>
+            </a:effectRef>
+            <a:fontRef idx="minor">
+              <a:schemeClr val="lt1"/>
+            </a:fontRef>
+          </p:style>
+          <p:txBody>
+            <a:bodyPr rtlCol="0" anchor="ctr"/>
+            <a:lstStyle/>
+            <a:p>
+              <a:pPr algn="ctr"/>
+              <a:endParaRPr lang="zh-TW" altLang="en-US" sz="1400"/>
+            </a:p>
+          </p:txBody>
+        </p:sp>
+      </p:grpSp>
+      <p:grpSp>
+        <p:nvGrpSpPr>
+          <p:cNvPr id="65" name="群組 64">
+            <a:extLst>
+              <a:ext uri="{FF2B5EF4-FFF2-40B4-BE49-F238E27FC236}">
+                <a16:creationId xmlns:a16="http://schemas.microsoft.com/office/drawing/2014/main" id="{0FC3BA2F-5546-7C94-EC4D-91F10484509C}"/>
+              </a:ext>
+            </a:extLst>
+          </p:cNvPr>
+          <p:cNvGrpSpPr/>
+          <p:nvPr/>
+        </p:nvGrpSpPr>
+        <p:grpSpPr>
+          <a:xfrm>
+            <a:off x="2283521" y="2939206"/>
+            <a:ext cx="1195968" cy="1317484"/>
+            <a:chOff x="1449543" y="1043164"/>
+            <a:chExt cx="1424940" cy="1569720"/>
+          </a:xfrm>
+        </p:grpSpPr>
+        <p:grpSp>
+          <p:nvGrpSpPr>
+            <p:cNvPr id="66" name="群組 65">
+              <a:extLst>
+                <a:ext uri="{FF2B5EF4-FFF2-40B4-BE49-F238E27FC236}">
+                  <a16:creationId xmlns:a16="http://schemas.microsoft.com/office/drawing/2014/main" id="{9891E15A-0CEA-147A-9680-E2DE8F05BDAB}"/>
+                </a:ext>
+              </a:extLst>
+            </p:cNvPr>
+            <p:cNvGrpSpPr/>
+            <p:nvPr/>
+          </p:nvGrpSpPr>
+          <p:grpSpPr>
+            <a:xfrm>
+              <a:off x="1449543" y="1043164"/>
+              <a:ext cx="1424940" cy="1569720"/>
+              <a:chOff x="172224" y="586610"/>
+              <a:chExt cx="1424940" cy="1569720"/>
+            </a:xfrm>
+          </p:grpSpPr>
+          <p:sp>
+            <p:nvSpPr>
+              <p:cNvPr id="70" name="矩形 69">
+                <a:extLst>
+                  <a:ext uri="{FF2B5EF4-FFF2-40B4-BE49-F238E27FC236}">
+                    <a16:creationId xmlns:a16="http://schemas.microsoft.com/office/drawing/2014/main" id="{E7B12CCC-EAFC-3CFD-0B35-431885F987F2}"/>
+                  </a:ext>
+                </a:extLst>
+              </p:cNvPr>
+              <p:cNvSpPr/>
+              <p:nvPr/>
+            </p:nvSpPr>
+            <p:spPr>
+              <a:xfrm>
+                <a:off x="172224" y="586610"/>
+                <a:ext cx="1424940" cy="1569720"/>
+              </a:xfrm>
+              <a:prstGeom prst="rect">
+                <a:avLst/>
+              </a:prstGeom>
+              <a:noFill/>
+              <a:ln>
+                <a:noFill/>
+              </a:ln>
+            </p:spPr>
+            <p:style>
+              <a:lnRef idx="2">
+                <a:schemeClr val="dk1">
+                  <a:shade val="15000"/>
+                </a:schemeClr>
+              </a:lnRef>
+              <a:fillRef idx="1">
+                <a:schemeClr val="dk1"/>
+              </a:fillRef>
+              <a:effectRef idx="0">
+                <a:schemeClr val="dk1"/>
+              </a:effectRef>
+              <a:fontRef idx="minor">
+                <a:schemeClr val="lt1"/>
+              </a:fontRef>
+            </p:style>
+            <p:txBody>
+              <a:bodyPr rtlCol="0" anchor="ctr"/>
+              <a:lstStyle/>
+              <a:p>
+                <a:pPr algn="ctr"/>
+                <a:endParaRPr lang="zh-TW" altLang="en-US" sz="1400"/>
+              </a:p>
+            </p:txBody>
+          </p:sp>
+          <p:sp>
+            <p:nvSpPr>
+              <p:cNvPr id="71" name="矩形: 圓角 70">
+                <a:extLst>
+                  <a:ext uri="{FF2B5EF4-FFF2-40B4-BE49-F238E27FC236}">
+                    <a16:creationId xmlns:a16="http://schemas.microsoft.com/office/drawing/2014/main" id="{97274985-C1F2-B65F-B065-9885284C7334}"/>
+                  </a:ext>
+                </a:extLst>
+              </p:cNvPr>
+              <p:cNvSpPr/>
+              <p:nvPr/>
+            </p:nvSpPr>
+            <p:spPr>
+              <a:xfrm>
+                <a:off x="574729" y="1061505"/>
+                <a:ext cx="619931" cy="619931"/>
+              </a:xfrm>
+              <a:prstGeom prst="roundRect">
+                <a:avLst/>
+              </a:prstGeom>
+              <a:solidFill>
+                <a:srgbClr val="C00000"/>
+              </a:solidFill>
+              <a:ln>
+                <a:noFill/>
+              </a:ln>
+            </p:spPr>
+            <p:style>
+              <a:lnRef idx="1">
+                <a:schemeClr val="dk1"/>
+              </a:lnRef>
+              <a:fillRef idx="3">
+                <a:schemeClr val="dk1"/>
+              </a:fillRef>
+              <a:effectRef idx="2">
+                <a:schemeClr val="dk1"/>
+              </a:effectRef>
+              <a:fontRef idx="minor">
+                <a:schemeClr val="lt1"/>
+              </a:fontRef>
+            </p:style>
+            <p:txBody>
+              <a:bodyPr rtlCol="0" anchor="ctr"/>
+              <a:lstStyle/>
+              <a:p>
+                <a:pPr algn="ctr"/>
+                <a:endParaRPr lang="zh-TW" altLang="en-US" sz="2400" b="1" dirty="0">
+                  <a:solidFill>
+                    <a:schemeClr val="bg1"/>
+                  </a:solidFill>
+                </a:endParaRPr>
+              </a:p>
+            </p:txBody>
+          </p:sp>
+        </p:grpSp>
+        <p:sp>
+          <p:nvSpPr>
+            <p:cNvPr id="67" name="星形: 五角 66">
+              <a:extLst>
+                <a:ext uri="{FF2B5EF4-FFF2-40B4-BE49-F238E27FC236}">
+                  <a16:creationId xmlns:a16="http://schemas.microsoft.com/office/drawing/2014/main" id="{52F1E8A1-FC05-14FD-4AA8-6D4C26E5D939}"/>
+                </a:ext>
+              </a:extLst>
+            </p:cNvPr>
+            <p:cNvSpPr/>
+            <p:nvPr/>
+          </p:nvSpPr>
+          <p:spPr>
+            <a:xfrm>
+              <a:off x="1679864" y="1859619"/>
+              <a:ext cx="344368" cy="344368"/>
+            </a:xfrm>
+            <a:prstGeom prst="star5">
+              <a:avLst/>
+            </a:prstGeom>
+            <a:solidFill>
+              <a:srgbClr val="00B0F0"/>
+            </a:solidFill>
+            <a:ln>
+              <a:noFill/>
+            </a:ln>
+          </p:spPr>
+          <p:style>
+            <a:lnRef idx="2">
+              <a:schemeClr val="accent1">
+                <a:shade val="15000"/>
+              </a:schemeClr>
+            </a:lnRef>
+            <a:fillRef idx="1">
+              <a:schemeClr val="accent1"/>
+            </a:fillRef>
+            <a:effectRef idx="0">
+              <a:schemeClr val="accent1"/>
+            </a:effectRef>
+            <a:fontRef idx="minor">
+              <a:schemeClr val="lt1"/>
+            </a:fontRef>
+          </p:style>
+          <p:txBody>
+            <a:bodyPr rtlCol="0" anchor="ctr"/>
+            <a:lstStyle/>
+            <a:p>
+              <a:pPr algn="ctr"/>
+              <a:endParaRPr lang="zh-TW" altLang="en-US" sz="1400"/>
+            </a:p>
+          </p:txBody>
+        </p:sp>
+        <p:sp>
+          <p:nvSpPr>
+            <p:cNvPr id="68" name="星形: 五角 67">
+              <a:extLst>
+                <a:ext uri="{FF2B5EF4-FFF2-40B4-BE49-F238E27FC236}">
+                  <a16:creationId xmlns:a16="http://schemas.microsoft.com/office/drawing/2014/main" id="{64BD3141-79CC-79E9-6C89-61B381D6BC81}"/>
+                </a:ext>
+              </a:extLst>
+            </p:cNvPr>
+            <p:cNvSpPr/>
+            <p:nvPr/>
+          </p:nvSpPr>
+          <p:spPr>
+            <a:xfrm>
+              <a:off x="1989829" y="1998805"/>
+              <a:ext cx="344368" cy="344368"/>
+            </a:xfrm>
+            <a:prstGeom prst="star5">
+              <a:avLst/>
+            </a:prstGeom>
+            <a:solidFill>
+              <a:schemeClr val="tx1"/>
+            </a:solidFill>
+            <a:ln>
+              <a:noFill/>
+            </a:ln>
+          </p:spPr>
+          <p:style>
+            <a:lnRef idx="2">
+              <a:schemeClr val="accent1">
+                <a:shade val="15000"/>
+              </a:schemeClr>
+            </a:lnRef>
+            <a:fillRef idx="1">
+              <a:schemeClr val="accent1"/>
+            </a:fillRef>
+            <a:effectRef idx="0">
+              <a:schemeClr val="accent1"/>
+            </a:effectRef>
+            <a:fontRef idx="minor">
+              <a:schemeClr val="lt1"/>
+            </a:fontRef>
+          </p:style>
+          <p:txBody>
+            <a:bodyPr rtlCol="0" anchor="ctr"/>
+            <a:lstStyle/>
+            <a:p>
+              <a:pPr algn="ctr"/>
+              <a:endParaRPr lang="zh-TW" altLang="en-US" sz="1400"/>
+            </a:p>
+          </p:txBody>
+        </p:sp>
+        <p:sp>
+          <p:nvSpPr>
+            <p:cNvPr id="69" name="星形: 五角 68">
+              <a:extLst>
+                <a:ext uri="{FF2B5EF4-FFF2-40B4-BE49-F238E27FC236}">
+                  <a16:creationId xmlns:a16="http://schemas.microsoft.com/office/drawing/2014/main" id="{937153ED-EE1D-989F-19B9-D20EB5E40C41}"/>
+                </a:ext>
+              </a:extLst>
+            </p:cNvPr>
+            <p:cNvSpPr/>
+            <p:nvPr/>
+          </p:nvSpPr>
+          <p:spPr>
+            <a:xfrm>
+              <a:off x="2305460" y="1858885"/>
+              <a:ext cx="344368" cy="344368"/>
+            </a:xfrm>
+            <a:prstGeom prst="star5">
+              <a:avLst/>
+            </a:prstGeom>
+            <a:solidFill>
+              <a:schemeClr val="tx1"/>
+            </a:solidFill>
+            <a:ln>
+              <a:noFill/>
+            </a:ln>
+          </p:spPr>
+          <p:style>
+            <a:lnRef idx="2">
+              <a:schemeClr val="accent1">
+                <a:shade val="15000"/>
+              </a:schemeClr>
+            </a:lnRef>
+            <a:fillRef idx="1">
+              <a:schemeClr val="accent1"/>
+            </a:fillRef>
+            <a:effectRef idx="0">
+              <a:schemeClr val="accent1"/>
+            </a:effectRef>
+            <a:fontRef idx="minor">
+              <a:schemeClr val="lt1"/>
+            </a:fontRef>
+          </p:style>
+          <p:txBody>
+            <a:bodyPr rtlCol="0" anchor="ctr"/>
+            <a:lstStyle/>
+            <a:p>
+              <a:pPr algn="ctr"/>
+              <a:endParaRPr lang="zh-TW" altLang="en-US" sz="1400"/>
+            </a:p>
+          </p:txBody>
+        </p:sp>
+      </p:grpSp>
+      <p:grpSp>
+        <p:nvGrpSpPr>
+          <p:cNvPr id="72" name="群組 71">
+            <a:extLst>
+              <a:ext uri="{FF2B5EF4-FFF2-40B4-BE49-F238E27FC236}">
+                <a16:creationId xmlns:a16="http://schemas.microsoft.com/office/drawing/2014/main" id="{FEC834B6-6FAE-C2F0-6A33-9E67D3C52AE1}"/>
+              </a:ext>
+            </a:extLst>
+          </p:cNvPr>
+          <p:cNvGrpSpPr/>
+          <p:nvPr/>
+        </p:nvGrpSpPr>
+        <p:grpSpPr>
+          <a:xfrm>
+            <a:off x="3898495" y="2939206"/>
+            <a:ext cx="1195968" cy="1317484"/>
+            <a:chOff x="1449543" y="1043164"/>
+            <a:chExt cx="1424940" cy="1569720"/>
+          </a:xfrm>
+        </p:grpSpPr>
+        <p:grpSp>
+          <p:nvGrpSpPr>
+            <p:cNvPr id="73" name="群組 72">
+              <a:extLst>
+                <a:ext uri="{FF2B5EF4-FFF2-40B4-BE49-F238E27FC236}">
+                  <a16:creationId xmlns:a16="http://schemas.microsoft.com/office/drawing/2014/main" id="{6E1DB12A-E329-5D21-FD8A-F5EE50885862}"/>
+                </a:ext>
+              </a:extLst>
+            </p:cNvPr>
+            <p:cNvGrpSpPr/>
+            <p:nvPr/>
+          </p:nvGrpSpPr>
+          <p:grpSpPr>
+            <a:xfrm>
+              <a:off x="1449543" y="1043164"/>
+              <a:ext cx="1424940" cy="1569720"/>
+              <a:chOff x="172224" y="586610"/>
+              <a:chExt cx="1424940" cy="1569720"/>
+            </a:xfrm>
+          </p:grpSpPr>
+          <p:sp>
+            <p:nvSpPr>
+              <p:cNvPr id="77" name="矩形 76">
+                <a:extLst>
+                  <a:ext uri="{FF2B5EF4-FFF2-40B4-BE49-F238E27FC236}">
+                    <a16:creationId xmlns:a16="http://schemas.microsoft.com/office/drawing/2014/main" id="{9C2434F4-136D-A0FF-0AE3-72AC99D85BC3}"/>
+                  </a:ext>
+                </a:extLst>
+              </p:cNvPr>
+              <p:cNvSpPr/>
+              <p:nvPr/>
+            </p:nvSpPr>
+            <p:spPr>
+              <a:xfrm>
+                <a:off x="172224" y="586610"/>
+                <a:ext cx="1424940" cy="1569720"/>
+              </a:xfrm>
+              <a:prstGeom prst="rect">
+                <a:avLst/>
+              </a:prstGeom>
+              <a:noFill/>
+              <a:ln>
+                <a:noFill/>
+              </a:ln>
+            </p:spPr>
+            <p:style>
+              <a:lnRef idx="2">
+                <a:schemeClr val="dk1">
+                  <a:shade val="15000"/>
+                </a:schemeClr>
+              </a:lnRef>
+              <a:fillRef idx="1">
+                <a:schemeClr val="dk1"/>
+              </a:fillRef>
+              <a:effectRef idx="0">
+                <a:schemeClr val="dk1"/>
+              </a:effectRef>
+              <a:fontRef idx="minor">
+                <a:schemeClr val="lt1"/>
+              </a:fontRef>
+            </p:style>
+            <p:txBody>
+              <a:bodyPr rtlCol="0" anchor="ctr"/>
+              <a:lstStyle/>
+              <a:p>
+                <a:pPr algn="ctr"/>
+                <a:endParaRPr lang="zh-TW" altLang="en-US" sz="1400"/>
+              </a:p>
+            </p:txBody>
+          </p:sp>
+          <p:sp>
+            <p:nvSpPr>
+              <p:cNvPr id="78" name="矩形: 圓角 77">
+                <a:extLst>
+                  <a:ext uri="{FF2B5EF4-FFF2-40B4-BE49-F238E27FC236}">
+                    <a16:creationId xmlns:a16="http://schemas.microsoft.com/office/drawing/2014/main" id="{98FC2B5F-4826-BF7B-38DC-75CDFD62C348}"/>
+                  </a:ext>
+                </a:extLst>
+              </p:cNvPr>
+              <p:cNvSpPr/>
+              <p:nvPr/>
+            </p:nvSpPr>
+            <p:spPr>
+              <a:xfrm>
+                <a:off x="574729" y="1061505"/>
+                <a:ext cx="619931" cy="619931"/>
+              </a:xfrm>
+              <a:prstGeom prst="roundRect">
+                <a:avLst/>
+              </a:prstGeom>
+              <a:solidFill>
+                <a:srgbClr val="C00000"/>
+              </a:solidFill>
+              <a:ln>
+                <a:noFill/>
+              </a:ln>
+            </p:spPr>
+            <p:style>
+              <a:lnRef idx="1">
+                <a:schemeClr val="dk1"/>
+              </a:lnRef>
+              <a:fillRef idx="3">
+                <a:schemeClr val="dk1"/>
+              </a:fillRef>
+              <a:effectRef idx="2">
+                <a:schemeClr val="dk1"/>
+              </a:effectRef>
+              <a:fontRef idx="minor">
+                <a:schemeClr val="lt1"/>
+              </a:fontRef>
+            </p:style>
+            <p:txBody>
+              <a:bodyPr rtlCol="0" anchor="ctr"/>
+              <a:lstStyle/>
+              <a:p>
+                <a:pPr algn="ctr"/>
+                <a:endParaRPr lang="zh-TW" altLang="en-US" sz="2400" b="1" dirty="0">
+                  <a:solidFill>
+                    <a:schemeClr val="bg1"/>
+                  </a:solidFill>
+                </a:endParaRPr>
+              </a:p>
+            </p:txBody>
+          </p:sp>
+        </p:grpSp>
+        <p:sp>
+          <p:nvSpPr>
+            <p:cNvPr id="74" name="星形: 五角 73">
+              <a:extLst>
+                <a:ext uri="{FF2B5EF4-FFF2-40B4-BE49-F238E27FC236}">
+                  <a16:creationId xmlns:a16="http://schemas.microsoft.com/office/drawing/2014/main" id="{D5FEBAE8-899B-CFA7-1C8D-27165567F1C7}"/>
+                </a:ext>
+              </a:extLst>
+            </p:cNvPr>
+            <p:cNvSpPr/>
+            <p:nvPr/>
+          </p:nvSpPr>
+          <p:spPr>
+            <a:xfrm>
+              <a:off x="1679864" y="1859619"/>
+              <a:ext cx="344368" cy="344368"/>
+            </a:xfrm>
+            <a:prstGeom prst="star5">
+              <a:avLst/>
+            </a:prstGeom>
+            <a:solidFill>
+              <a:schemeClr val="tx1"/>
+            </a:solidFill>
+            <a:ln>
+              <a:noFill/>
+            </a:ln>
+          </p:spPr>
+          <p:style>
+            <a:lnRef idx="2">
+              <a:schemeClr val="accent1">
+                <a:shade val="15000"/>
+              </a:schemeClr>
+            </a:lnRef>
+            <a:fillRef idx="1">
+              <a:schemeClr val="accent1"/>
+            </a:fillRef>
+            <a:effectRef idx="0">
+              <a:schemeClr val="accent1"/>
+            </a:effectRef>
+            <a:fontRef idx="minor">
+              <a:schemeClr val="lt1"/>
+            </a:fontRef>
+          </p:style>
+          <p:txBody>
+            <a:bodyPr rtlCol="0" anchor="ctr"/>
+            <a:lstStyle/>
+            <a:p>
+              <a:pPr algn="ctr"/>
+              <a:endParaRPr lang="zh-TW" altLang="en-US" sz="1400"/>
+            </a:p>
+          </p:txBody>
+        </p:sp>
+        <p:sp>
+          <p:nvSpPr>
+            <p:cNvPr id="75" name="星形: 五角 74">
+              <a:extLst>
+                <a:ext uri="{FF2B5EF4-FFF2-40B4-BE49-F238E27FC236}">
+                  <a16:creationId xmlns:a16="http://schemas.microsoft.com/office/drawing/2014/main" id="{9B2E8E83-9CCF-BA19-C19A-74D9867401AE}"/>
+                </a:ext>
+              </a:extLst>
+            </p:cNvPr>
+            <p:cNvSpPr/>
+            <p:nvPr/>
+          </p:nvSpPr>
+          <p:spPr>
+            <a:xfrm>
+              <a:off x="1989829" y="1998805"/>
+              <a:ext cx="344368" cy="344368"/>
+            </a:xfrm>
+            <a:prstGeom prst="star5">
+              <a:avLst/>
+            </a:prstGeom>
+            <a:solidFill>
+              <a:schemeClr val="tx1"/>
+            </a:solidFill>
+            <a:ln>
+              <a:noFill/>
+            </a:ln>
+          </p:spPr>
+          <p:style>
+            <a:lnRef idx="2">
+              <a:schemeClr val="accent1">
+                <a:shade val="15000"/>
+              </a:schemeClr>
+            </a:lnRef>
+            <a:fillRef idx="1">
+              <a:schemeClr val="accent1"/>
+            </a:fillRef>
+            <a:effectRef idx="0">
+              <a:schemeClr val="accent1"/>
+            </a:effectRef>
+            <a:fontRef idx="minor">
+              <a:schemeClr val="lt1"/>
+            </a:fontRef>
+          </p:style>
+          <p:txBody>
+            <a:bodyPr rtlCol="0" anchor="ctr"/>
+            <a:lstStyle/>
+            <a:p>
+              <a:pPr algn="ctr"/>
+              <a:endParaRPr lang="zh-TW" altLang="en-US" sz="1400"/>
+            </a:p>
+          </p:txBody>
+        </p:sp>
+        <p:sp>
+          <p:nvSpPr>
+            <p:cNvPr id="76" name="星形: 五角 75">
+              <a:extLst>
+                <a:ext uri="{FF2B5EF4-FFF2-40B4-BE49-F238E27FC236}">
+                  <a16:creationId xmlns:a16="http://schemas.microsoft.com/office/drawing/2014/main" id="{50E29A95-4DEC-A616-D683-788456A96EFD}"/>
+                </a:ext>
+              </a:extLst>
+            </p:cNvPr>
+            <p:cNvSpPr/>
+            <p:nvPr/>
+          </p:nvSpPr>
+          <p:spPr>
+            <a:xfrm>
+              <a:off x="2305460" y="1858885"/>
+              <a:ext cx="344368" cy="344368"/>
+            </a:xfrm>
+            <a:prstGeom prst="star5">
+              <a:avLst/>
+            </a:prstGeom>
+            <a:solidFill>
+              <a:schemeClr val="tx1"/>
+            </a:solidFill>
+            <a:ln>
+              <a:noFill/>
+            </a:ln>
+          </p:spPr>
+          <p:style>
+            <a:lnRef idx="2">
+              <a:schemeClr val="accent1">
+                <a:shade val="15000"/>
+              </a:schemeClr>
+            </a:lnRef>
+            <a:fillRef idx="1">
+              <a:schemeClr val="accent1"/>
+            </a:fillRef>
+            <a:effectRef idx="0">
+              <a:schemeClr val="accent1"/>
+            </a:effectRef>
+            <a:fontRef idx="minor">
+              <a:schemeClr val="lt1"/>
+            </a:fontRef>
+          </p:style>
+          <p:txBody>
+            <a:bodyPr rtlCol="0" anchor="ctr"/>
+            <a:lstStyle/>
+            <a:p>
+              <a:pPr algn="ctr"/>
+              <a:endParaRPr lang="zh-TW" altLang="en-US" sz="1400"/>
+            </a:p>
+          </p:txBody>
+        </p:sp>
+      </p:grpSp>
+      <p:grpSp>
+        <p:nvGrpSpPr>
+          <p:cNvPr id="79" name="群組 78">
+            <a:extLst>
+              <a:ext uri="{FF2B5EF4-FFF2-40B4-BE49-F238E27FC236}">
+                <a16:creationId xmlns:a16="http://schemas.microsoft.com/office/drawing/2014/main" id="{E19FFBD4-BEF0-012F-8939-A5344F83D182}"/>
+              </a:ext>
+            </a:extLst>
+          </p:cNvPr>
+          <p:cNvGrpSpPr/>
+          <p:nvPr/>
+        </p:nvGrpSpPr>
+        <p:grpSpPr>
+          <a:xfrm>
+            <a:off x="5794830" y="2939206"/>
+            <a:ext cx="1195968" cy="1317484"/>
+            <a:chOff x="1449543" y="1043164"/>
+            <a:chExt cx="1424940" cy="1569720"/>
+          </a:xfrm>
+        </p:grpSpPr>
+        <p:grpSp>
+          <p:nvGrpSpPr>
+            <p:cNvPr id="80" name="群組 79">
+              <a:extLst>
+                <a:ext uri="{FF2B5EF4-FFF2-40B4-BE49-F238E27FC236}">
+                  <a16:creationId xmlns:a16="http://schemas.microsoft.com/office/drawing/2014/main" id="{D18A2CA6-CCE1-096C-AA91-3E5EFD4E3836}"/>
+                </a:ext>
+              </a:extLst>
+            </p:cNvPr>
+            <p:cNvGrpSpPr/>
+            <p:nvPr/>
+          </p:nvGrpSpPr>
+          <p:grpSpPr>
+            <a:xfrm>
+              <a:off x="1449543" y="1043164"/>
+              <a:ext cx="1424940" cy="1569720"/>
+              <a:chOff x="172224" y="586610"/>
+              <a:chExt cx="1424940" cy="1569720"/>
+            </a:xfrm>
+          </p:grpSpPr>
+          <p:sp>
+            <p:nvSpPr>
+              <p:cNvPr id="84" name="矩形 83">
+                <a:extLst>
+                  <a:ext uri="{FF2B5EF4-FFF2-40B4-BE49-F238E27FC236}">
+                    <a16:creationId xmlns:a16="http://schemas.microsoft.com/office/drawing/2014/main" id="{2302B9B6-1D25-8C85-CBBD-6889D35ACA9E}"/>
+                  </a:ext>
+                </a:extLst>
+              </p:cNvPr>
+              <p:cNvSpPr/>
+              <p:nvPr/>
+            </p:nvSpPr>
+            <p:spPr>
+              <a:xfrm>
+                <a:off x="172224" y="586610"/>
+                <a:ext cx="1424940" cy="1569720"/>
+              </a:xfrm>
+              <a:prstGeom prst="rect">
+                <a:avLst/>
+              </a:prstGeom>
+              <a:noFill/>
+              <a:ln>
+                <a:noFill/>
+              </a:ln>
+            </p:spPr>
+            <p:style>
+              <a:lnRef idx="2">
+                <a:schemeClr val="dk1">
+                  <a:shade val="15000"/>
+                </a:schemeClr>
+              </a:lnRef>
+              <a:fillRef idx="1">
+                <a:schemeClr val="dk1"/>
+              </a:fillRef>
+              <a:effectRef idx="0">
+                <a:schemeClr val="dk1"/>
+              </a:effectRef>
+              <a:fontRef idx="minor">
+                <a:schemeClr val="lt1"/>
+              </a:fontRef>
+            </p:style>
+            <p:txBody>
+              <a:bodyPr rtlCol="0" anchor="ctr"/>
+              <a:lstStyle/>
+              <a:p>
+                <a:pPr algn="ctr"/>
+                <a:endParaRPr lang="zh-TW" altLang="en-US" sz="1400"/>
+              </a:p>
+            </p:txBody>
+          </p:sp>
+          <p:sp>
+            <p:nvSpPr>
+              <p:cNvPr id="85" name="矩形: 圓角 84">
+                <a:extLst>
+                  <a:ext uri="{FF2B5EF4-FFF2-40B4-BE49-F238E27FC236}">
+                    <a16:creationId xmlns:a16="http://schemas.microsoft.com/office/drawing/2014/main" id="{202C87F7-E324-728A-67D9-138A6C7ABAD8}"/>
+                  </a:ext>
+                </a:extLst>
+              </p:cNvPr>
+              <p:cNvSpPr/>
+              <p:nvPr/>
+            </p:nvSpPr>
+            <p:spPr>
+              <a:xfrm>
+                <a:off x="574729" y="1061505"/>
+                <a:ext cx="619931" cy="619931"/>
+              </a:xfrm>
+              <a:prstGeom prst="roundRect">
+                <a:avLst/>
+              </a:prstGeom>
+              <a:solidFill>
+                <a:srgbClr val="C00000"/>
+              </a:solidFill>
+              <a:ln>
+                <a:noFill/>
+              </a:ln>
+            </p:spPr>
+            <p:style>
+              <a:lnRef idx="1">
+                <a:schemeClr val="dk1"/>
+              </a:lnRef>
+              <a:fillRef idx="3">
+                <a:schemeClr val="dk1"/>
+              </a:fillRef>
+              <a:effectRef idx="2">
+                <a:schemeClr val="dk1"/>
+              </a:effectRef>
+              <a:fontRef idx="minor">
+                <a:schemeClr val="lt1"/>
+              </a:fontRef>
+            </p:style>
+            <p:txBody>
+              <a:bodyPr rtlCol="0" anchor="ctr"/>
+              <a:lstStyle/>
+              <a:p>
+                <a:pPr algn="ctr"/>
+                <a:endParaRPr lang="zh-TW" altLang="en-US" sz="2400" b="1" dirty="0">
+                  <a:solidFill>
+                    <a:schemeClr val="bg1"/>
+                  </a:solidFill>
+                </a:endParaRPr>
+              </a:p>
+            </p:txBody>
+          </p:sp>
+        </p:grpSp>
+        <p:sp>
+          <p:nvSpPr>
+            <p:cNvPr id="81" name="星形: 五角 80">
+              <a:extLst>
+                <a:ext uri="{FF2B5EF4-FFF2-40B4-BE49-F238E27FC236}">
+                  <a16:creationId xmlns:a16="http://schemas.microsoft.com/office/drawing/2014/main" id="{5AF34983-3D34-FE34-4AD6-988243884C7B}"/>
+                </a:ext>
+              </a:extLst>
+            </p:cNvPr>
+            <p:cNvSpPr/>
+            <p:nvPr/>
+          </p:nvSpPr>
+          <p:spPr>
+            <a:xfrm>
+              <a:off x="1679864" y="1859619"/>
+              <a:ext cx="344368" cy="344368"/>
+            </a:xfrm>
+            <a:prstGeom prst="star5">
+              <a:avLst/>
+            </a:prstGeom>
+            <a:solidFill>
+              <a:schemeClr val="tx1"/>
+            </a:solidFill>
+            <a:ln>
+              <a:noFill/>
+            </a:ln>
+          </p:spPr>
+          <p:style>
+            <a:lnRef idx="2">
+              <a:schemeClr val="accent1">
+                <a:shade val="15000"/>
+              </a:schemeClr>
+            </a:lnRef>
+            <a:fillRef idx="1">
+              <a:schemeClr val="accent1"/>
+            </a:fillRef>
+            <a:effectRef idx="0">
+              <a:schemeClr val="accent1"/>
+            </a:effectRef>
+            <a:fontRef idx="minor">
+              <a:schemeClr val="lt1"/>
+            </a:fontRef>
+          </p:style>
+          <p:txBody>
+            <a:bodyPr rtlCol="0" anchor="ctr"/>
+            <a:lstStyle/>
+            <a:p>
+              <a:pPr algn="ctr"/>
+              <a:endParaRPr lang="zh-TW" altLang="en-US" sz="1400"/>
+            </a:p>
+          </p:txBody>
+        </p:sp>
+        <p:sp>
+          <p:nvSpPr>
+            <p:cNvPr id="82" name="星形: 五角 81">
+              <a:extLst>
+                <a:ext uri="{FF2B5EF4-FFF2-40B4-BE49-F238E27FC236}">
+                  <a16:creationId xmlns:a16="http://schemas.microsoft.com/office/drawing/2014/main" id="{9984C21A-D499-A0B6-5783-E8E826DEB5E2}"/>
+                </a:ext>
+              </a:extLst>
+            </p:cNvPr>
+            <p:cNvSpPr/>
+            <p:nvPr/>
+          </p:nvSpPr>
+          <p:spPr>
+            <a:xfrm>
+              <a:off x="1989829" y="1998805"/>
+              <a:ext cx="344368" cy="344368"/>
+            </a:xfrm>
+            <a:prstGeom prst="star5">
+              <a:avLst/>
+            </a:prstGeom>
+            <a:solidFill>
+              <a:schemeClr val="tx1"/>
+            </a:solidFill>
+            <a:ln>
+              <a:noFill/>
+            </a:ln>
+          </p:spPr>
+          <p:style>
+            <a:lnRef idx="2">
+              <a:schemeClr val="accent1">
+                <a:shade val="15000"/>
+              </a:schemeClr>
+            </a:lnRef>
+            <a:fillRef idx="1">
+              <a:schemeClr val="accent1"/>
+            </a:fillRef>
+            <a:effectRef idx="0">
+              <a:schemeClr val="accent1"/>
+            </a:effectRef>
+            <a:fontRef idx="minor">
+              <a:schemeClr val="lt1"/>
+            </a:fontRef>
+          </p:style>
+          <p:txBody>
+            <a:bodyPr rtlCol="0" anchor="ctr"/>
+            <a:lstStyle/>
+            <a:p>
+              <a:pPr algn="ctr"/>
+              <a:endParaRPr lang="zh-TW" altLang="en-US" sz="1400"/>
+            </a:p>
+          </p:txBody>
+        </p:sp>
+        <p:sp>
+          <p:nvSpPr>
+            <p:cNvPr id="83" name="星形: 五角 82">
+              <a:extLst>
+                <a:ext uri="{FF2B5EF4-FFF2-40B4-BE49-F238E27FC236}">
+                  <a16:creationId xmlns:a16="http://schemas.microsoft.com/office/drawing/2014/main" id="{85427174-B6AE-8160-8EB1-BACD45DA4782}"/>
+                </a:ext>
+              </a:extLst>
+            </p:cNvPr>
+            <p:cNvSpPr/>
+            <p:nvPr/>
+          </p:nvSpPr>
+          <p:spPr>
+            <a:xfrm>
+              <a:off x="2305460" y="1858885"/>
+              <a:ext cx="344368" cy="344368"/>
+            </a:xfrm>
+            <a:prstGeom prst="star5">
+              <a:avLst/>
+            </a:prstGeom>
+            <a:solidFill>
+              <a:schemeClr val="tx1"/>
+            </a:solidFill>
+            <a:ln>
+              <a:noFill/>
+            </a:ln>
+          </p:spPr>
+          <p:style>
+            <a:lnRef idx="2">
+              <a:schemeClr val="accent1">
+                <a:shade val="15000"/>
+              </a:schemeClr>
+            </a:lnRef>
+            <a:fillRef idx="1">
+              <a:schemeClr val="accent1"/>
+            </a:fillRef>
+            <a:effectRef idx="0">
+              <a:schemeClr val="accent1"/>
+            </a:effectRef>
+            <a:fontRef idx="minor">
+              <a:schemeClr val="lt1"/>
+            </a:fontRef>
+          </p:style>
+          <p:txBody>
+            <a:bodyPr rtlCol="0" anchor="ctr"/>
+            <a:lstStyle/>
+            <a:p>
+              <a:pPr algn="ctr"/>
+              <a:endParaRPr lang="zh-TW" altLang="en-US" sz="1400"/>
+            </a:p>
+          </p:txBody>
+        </p:sp>
+      </p:grpSp>
+      <p:grpSp>
+        <p:nvGrpSpPr>
+          <p:cNvPr id="86" name="群組 85">
+            <a:extLst>
+              <a:ext uri="{FF2B5EF4-FFF2-40B4-BE49-F238E27FC236}">
+                <a16:creationId xmlns:a16="http://schemas.microsoft.com/office/drawing/2014/main" id="{3E9FBA37-1BA8-F80F-FC37-8BDF298CE3EB}"/>
+              </a:ext>
+            </a:extLst>
+          </p:cNvPr>
+          <p:cNvGrpSpPr/>
+          <p:nvPr/>
+        </p:nvGrpSpPr>
+        <p:grpSpPr>
+          <a:xfrm>
+            <a:off x="2814821" y="4373510"/>
+            <a:ext cx="1195968" cy="1317484"/>
+            <a:chOff x="1449543" y="1043164"/>
+            <a:chExt cx="1424940" cy="1569720"/>
+          </a:xfrm>
+        </p:grpSpPr>
+        <p:grpSp>
+          <p:nvGrpSpPr>
+            <p:cNvPr id="87" name="群組 86">
+              <a:extLst>
+                <a:ext uri="{FF2B5EF4-FFF2-40B4-BE49-F238E27FC236}">
+                  <a16:creationId xmlns:a16="http://schemas.microsoft.com/office/drawing/2014/main" id="{D43FE3B6-44DC-0322-2E81-0ACA49C958CA}"/>
+                </a:ext>
+              </a:extLst>
+            </p:cNvPr>
+            <p:cNvGrpSpPr/>
+            <p:nvPr/>
+          </p:nvGrpSpPr>
+          <p:grpSpPr>
+            <a:xfrm>
+              <a:off x="1449543" y="1043164"/>
+              <a:ext cx="1424940" cy="1569720"/>
+              <a:chOff x="172224" y="586610"/>
+              <a:chExt cx="1424940" cy="1569720"/>
+            </a:xfrm>
+          </p:grpSpPr>
+          <p:sp>
+            <p:nvSpPr>
+              <p:cNvPr id="91" name="矩形 90">
+                <a:extLst>
+                  <a:ext uri="{FF2B5EF4-FFF2-40B4-BE49-F238E27FC236}">
+                    <a16:creationId xmlns:a16="http://schemas.microsoft.com/office/drawing/2014/main" id="{F89993E3-62B4-7F62-CDF9-8642429784E6}"/>
+                  </a:ext>
+                </a:extLst>
+              </p:cNvPr>
+              <p:cNvSpPr/>
+              <p:nvPr/>
+            </p:nvSpPr>
+            <p:spPr>
+              <a:xfrm>
+                <a:off x="172224" y="586610"/>
+                <a:ext cx="1424940" cy="1569720"/>
+              </a:xfrm>
+              <a:prstGeom prst="rect">
+                <a:avLst/>
+              </a:prstGeom>
+              <a:noFill/>
+              <a:ln>
+                <a:noFill/>
+              </a:ln>
+            </p:spPr>
+            <p:style>
+              <a:lnRef idx="2">
+                <a:schemeClr val="dk1">
+                  <a:shade val="15000"/>
+                </a:schemeClr>
+              </a:lnRef>
+              <a:fillRef idx="1">
+                <a:schemeClr val="dk1"/>
+              </a:fillRef>
+              <a:effectRef idx="0">
+                <a:schemeClr val="dk1"/>
+              </a:effectRef>
+              <a:fontRef idx="minor">
+                <a:schemeClr val="lt1"/>
+              </a:fontRef>
+            </p:style>
+            <p:txBody>
+              <a:bodyPr rtlCol="0" anchor="ctr"/>
+              <a:lstStyle/>
+              <a:p>
+                <a:pPr algn="ctr"/>
+                <a:endParaRPr lang="zh-TW" altLang="en-US" sz="1400"/>
+              </a:p>
+            </p:txBody>
+          </p:sp>
+          <p:sp>
+            <p:nvSpPr>
+              <p:cNvPr id="92" name="矩形: 圓角 91">
+                <a:extLst>
+                  <a:ext uri="{FF2B5EF4-FFF2-40B4-BE49-F238E27FC236}">
+                    <a16:creationId xmlns:a16="http://schemas.microsoft.com/office/drawing/2014/main" id="{A9744434-E033-832D-DD77-33063475B656}"/>
+                  </a:ext>
+                </a:extLst>
+              </p:cNvPr>
+              <p:cNvSpPr/>
+              <p:nvPr/>
+            </p:nvSpPr>
+            <p:spPr>
+              <a:xfrm>
+                <a:off x="318819" y="805598"/>
+                <a:ext cx="1131752" cy="1131747"/>
+              </a:xfrm>
+              <a:prstGeom prst="roundRect">
+                <a:avLst/>
+              </a:prstGeom>
+              <a:solidFill>
+                <a:srgbClr val="C00000"/>
+              </a:solidFill>
+              <a:ln>
+                <a:noFill/>
+              </a:ln>
+            </p:spPr>
+            <p:style>
+              <a:lnRef idx="1">
+                <a:schemeClr val="dk1"/>
+              </a:lnRef>
+              <a:fillRef idx="3">
+                <a:schemeClr val="dk1"/>
+              </a:fillRef>
+              <a:effectRef idx="2">
+                <a:schemeClr val="dk1"/>
+              </a:effectRef>
+              <a:fontRef idx="minor">
+                <a:schemeClr val="lt1"/>
+              </a:fontRef>
+            </p:style>
+            <p:txBody>
+              <a:bodyPr rtlCol="0" anchor="ctr"/>
+              <a:lstStyle/>
+              <a:p>
+                <a:pPr algn="ctr"/>
+                <a:endParaRPr lang="zh-TW" altLang="en-US" sz="2400" b="1" dirty="0">
+                  <a:solidFill>
+                    <a:schemeClr val="bg1"/>
+                  </a:solidFill>
+                </a:endParaRPr>
+              </a:p>
+            </p:txBody>
+          </p:sp>
+        </p:grpSp>
+        <p:sp>
+          <p:nvSpPr>
+            <p:cNvPr id="88" name="星形: 五角 87">
+              <a:extLst>
+                <a:ext uri="{FF2B5EF4-FFF2-40B4-BE49-F238E27FC236}">
+                  <a16:creationId xmlns:a16="http://schemas.microsoft.com/office/drawing/2014/main" id="{E0737C64-B7BF-846D-D6F4-B233A0528F0E}"/>
+                </a:ext>
+              </a:extLst>
+            </p:cNvPr>
+            <p:cNvSpPr/>
+            <p:nvPr/>
+          </p:nvSpPr>
+          <p:spPr>
+            <a:xfrm>
+              <a:off x="1661706" y="1998804"/>
+              <a:ext cx="344368" cy="344368"/>
+            </a:xfrm>
+            <a:prstGeom prst="star5">
+              <a:avLst/>
+            </a:prstGeom>
+            <a:solidFill>
+              <a:srgbClr val="FFFF00"/>
+            </a:solidFill>
+            <a:ln>
+              <a:noFill/>
+            </a:ln>
+          </p:spPr>
+          <p:style>
+            <a:lnRef idx="2">
+              <a:schemeClr val="accent1">
+                <a:shade val="15000"/>
+              </a:schemeClr>
+            </a:lnRef>
+            <a:fillRef idx="1">
+              <a:schemeClr val="accent1"/>
+            </a:fillRef>
+            <a:effectRef idx="0">
+              <a:schemeClr val="accent1"/>
+            </a:effectRef>
+            <a:fontRef idx="minor">
+              <a:schemeClr val="lt1"/>
+            </a:fontRef>
+          </p:style>
+          <p:txBody>
+            <a:bodyPr rtlCol="0" anchor="ctr"/>
+            <a:lstStyle/>
+            <a:p>
+              <a:pPr algn="ctr"/>
+              <a:endParaRPr lang="zh-TW" altLang="en-US" sz="1400"/>
+            </a:p>
+          </p:txBody>
+        </p:sp>
+        <p:sp>
+          <p:nvSpPr>
+            <p:cNvPr id="89" name="星形: 五角 88">
+              <a:extLst>
+                <a:ext uri="{FF2B5EF4-FFF2-40B4-BE49-F238E27FC236}">
+                  <a16:creationId xmlns:a16="http://schemas.microsoft.com/office/drawing/2014/main" id="{1693753F-9280-E950-8B38-6E805A308CF6}"/>
+                </a:ext>
+              </a:extLst>
+            </p:cNvPr>
+            <p:cNvSpPr/>
+            <p:nvPr/>
+          </p:nvSpPr>
+          <p:spPr>
+            <a:xfrm>
+              <a:off x="1992662" y="1998804"/>
+              <a:ext cx="344368" cy="344368"/>
+            </a:xfrm>
+            <a:prstGeom prst="star5">
+              <a:avLst/>
+            </a:prstGeom>
+            <a:solidFill>
+              <a:schemeClr val="tx1"/>
+            </a:solidFill>
+            <a:ln>
+              <a:noFill/>
+            </a:ln>
+          </p:spPr>
+          <p:style>
+            <a:lnRef idx="2">
+              <a:schemeClr val="accent1">
+                <a:shade val="15000"/>
+              </a:schemeClr>
+            </a:lnRef>
+            <a:fillRef idx="1">
+              <a:schemeClr val="accent1"/>
+            </a:fillRef>
+            <a:effectRef idx="0">
+              <a:schemeClr val="accent1"/>
+            </a:effectRef>
+            <a:fontRef idx="minor">
+              <a:schemeClr val="lt1"/>
+            </a:fontRef>
+          </p:style>
+          <p:txBody>
+            <a:bodyPr rtlCol="0" anchor="ctr"/>
+            <a:lstStyle/>
+            <a:p>
+              <a:pPr algn="ctr"/>
+              <a:endParaRPr lang="zh-TW" altLang="en-US" sz="1400"/>
+            </a:p>
+          </p:txBody>
+        </p:sp>
+        <p:sp>
+          <p:nvSpPr>
+            <p:cNvPr id="90" name="星形: 五角 89">
+              <a:extLst>
+                <a:ext uri="{FF2B5EF4-FFF2-40B4-BE49-F238E27FC236}">
+                  <a16:creationId xmlns:a16="http://schemas.microsoft.com/office/drawing/2014/main" id="{9A8DC1F8-CCF1-900A-C890-63EC69BF67EC}"/>
+                </a:ext>
+              </a:extLst>
+            </p:cNvPr>
+            <p:cNvSpPr/>
+            <p:nvPr/>
+          </p:nvSpPr>
+          <p:spPr>
+            <a:xfrm>
+              <a:off x="2323618" y="1998804"/>
+              <a:ext cx="344368" cy="344368"/>
+            </a:xfrm>
+            <a:prstGeom prst="star5">
+              <a:avLst/>
+            </a:prstGeom>
+            <a:solidFill>
+              <a:schemeClr val="tx1"/>
+            </a:solidFill>
+            <a:ln>
+              <a:noFill/>
+            </a:ln>
+          </p:spPr>
+          <p:style>
+            <a:lnRef idx="2">
+              <a:schemeClr val="accent1">
+                <a:shade val="15000"/>
+              </a:schemeClr>
+            </a:lnRef>
+            <a:fillRef idx="1">
+              <a:schemeClr val="accent1"/>
+            </a:fillRef>
+            <a:effectRef idx="0">
+              <a:schemeClr val="accent1"/>
+            </a:effectRef>
+            <a:fontRef idx="minor">
+              <a:schemeClr val="lt1"/>
+            </a:fontRef>
+          </p:style>
+          <p:txBody>
+            <a:bodyPr rtlCol="0" anchor="ctr"/>
+            <a:lstStyle/>
+            <a:p>
+              <a:pPr algn="ctr"/>
+              <a:endParaRPr lang="zh-TW" altLang="en-US" sz="1400" dirty="0"/>
+            </a:p>
+          </p:txBody>
+        </p:sp>
+      </p:grpSp>
+      <p:grpSp>
+        <p:nvGrpSpPr>
+          <p:cNvPr id="93" name="群組 92">
+            <a:extLst>
+              <a:ext uri="{FF2B5EF4-FFF2-40B4-BE49-F238E27FC236}">
+                <a16:creationId xmlns:a16="http://schemas.microsoft.com/office/drawing/2014/main" id="{05493AC8-0967-4F34-791F-0C942DDA9F81}"/>
+              </a:ext>
+            </a:extLst>
+          </p:cNvPr>
+          <p:cNvGrpSpPr/>
+          <p:nvPr/>
+        </p:nvGrpSpPr>
+        <p:grpSpPr>
+          <a:xfrm>
+            <a:off x="1125721" y="4373510"/>
+            <a:ext cx="1195968" cy="1317484"/>
+            <a:chOff x="1449543" y="1043164"/>
+            <a:chExt cx="1424940" cy="1569720"/>
+          </a:xfrm>
+        </p:grpSpPr>
+        <p:grpSp>
+          <p:nvGrpSpPr>
+            <p:cNvPr id="94" name="群組 93">
+              <a:extLst>
+                <a:ext uri="{FF2B5EF4-FFF2-40B4-BE49-F238E27FC236}">
+                  <a16:creationId xmlns:a16="http://schemas.microsoft.com/office/drawing/2014/main" id="{26D12CB3-367E-F31D-E0AD-F613BAAD083A}"/>
+                </a:ext>
+              </a:extLst>
+            </p:cNvPr>
+            <p:cNvGrpSpPr/>
+            <p:nvPr/>
+          </p:nvGrpSpPr>
+          <p:grpSpPr>
+            <a:xfrm>
+              <a:off x="1449543" y="1043164"/>
+              <a:ext cx="1424940" cy="1569720"/>
+              <a:chOff x="172224" y="586610"/>
+              <a:chExt cx="1424940" cy="1569720"/>
+            </a:xfrm>
+          </p:grpSpPr>
+          <p:sp>
+            <p:nvSpPr>
+              <p:cNvPr id="98" name="矩形 97">
+                <a:extLst>
+                  <a:ext uri="{FF2B5EF4-FFF2-40B4-BE49-F238E27FC236}">
+                    <a16:creationId xmlns:a16="http://schemas.microsoft.com/office/drawing/2014/main" id="{FE7364F2-EFD7-CF54-FE26-441CCCA665E7}"/>
+                  </a:ext>
+                </a:extLst>
+              </p:cNvPr>
+              <p:cNvSpPr/>
+              <p:nvPr/>
+            </p:nvSpPr>
+            <p:spPr>
+              <a:xfrm>
+                <a:off x="172224" y="586610"/>
+                <a:ext cx="1424940" cy="1569720"/>
+              </a:xfrm>
+              <a:prstGeom prst="rect">
+                <a:avLst/>
+              </a:prstGeom>
+              <a:noFill/>
+              <a:ln>
+                <a:noFill/>
+              </a:ln>
+            </p:spPr>
+            <p:style>
+              <a:lnRef idx="2">
+                <a:schemeClr val="dk1">
+                  <a:shade val="15000"/>
+                </a:schemeClr>
+              </a:lnRef>
+              <a:fillRef idx="1">
+                <a:schemeClr val="dk1"/>
+              </a:fillRef>
+              <a:effectRef idx="0">
+                <a:schemeClr val="dk1"/>
+              </a:effectRef>
+              <a:fontRef idx="minor">
+                <a:schemeClr val="lt1"/>
+              </a:fontRef>
+            </p:style>
+            <p:txBody>
+              <a:bodyPr rtlCol="0" anchor="ctr"/>
+              <a:lstStyle/>
+              <a:p>
+                <a:pPr algn="ctr"/>
+                <a:endParaRPr lang="zh-TW" altLang="en-US" sz="1400"/>
+              </a:p>
+            </p:txBody>
+          </p:sp>
+          <p:sp>
+            <p:nvSpPr>
+              <p:cNvPr id="99" name="矩形: 圓角 98">
+                <a:extLst>
+                  <a:ext uri="{FF2B5EF4-FFF2-40B4-BE49-F238E27FC236}">
+                    <a16:creationId xmlns:a16="http://schemas.microsoft.com/office/drawing/2014/main" id="{243959C4-8EB3-7B15-C0D0-387AD6640B0D}"/>
+                  </a:ext>
+                </a:extLst>
+              </p:cNvPr>
+              <p:cNvSpPr/>
+              <p:nvPr/>
+            </p:nvSpPr>
+            <p:spPr>
+              <a:xfrm>
+                <a:off x="318819" y="805598"/>
+                <a:ext cx="1131752" cy="1131747"/>
+              </a:xfrm>
+              <a:prstGeom prst="roundRect">
+                <a:avLst/>
+              </a:prstGeom>
+              <a:solidFill>
+                <a:srgbClr val="C00000"/>
+              </a:solidFill>
+              <a:ln>
+                <a:noFill/>
+              </a:ln>
+            </p:spPr>
+            <p:style>
+              <a:lnRef idx="1">
+                <a:schemeClr val="dk1"/>
+              </a:lnRef>
+              <a:fillRef idx="3">
+                <a:schemeClr val="dk1"/>
+              </a:fillRef>
+              <a:effectRef idx="2">
+                <a:schemeClr val="dk1"/>
+              </a:effectRef>
+              <a:fontRef idx="minor">
+                <a:schemeClr val="lt1"/>
+              </a:fontRef>
+            </p:style>
+            <p:txBody>
+              <a:bodyPr rtlCol="0" anchor="ctr"/>
+              <a:lstStyle/>
+              <a:p>
+                <a:pPr algn="ctr"/>
+                <a:endParaRPr lang="zh-TW" altLang="en-US" sz="2400" b="1" dirty="0">
+                  <a:solidFill>
+                    <a:schemeClr val="bg1"/>
+                  </a:solidFill>
+                </a:endParaRPr>
+              </a:p>
+            </p:txBody>
+          </p:sp>
+        </p:grpSp>
+        <p:sp>
+          <p:nvSpPr>
+            <p:cNvPr id="95" name="星形: 五角 94">
+              <a:extLst>
+                <a:ext uri="{FF2B5EF4-FFF2-40B4-BE49-F238E27FC236}">
+                  <a16:creationId xmlns:a16="http://schemas.microsoft.com/office/drawing/2014/main" id="{6DEC01E9-5F1D-3BDB-8B92-6CB440AA3796}"/>
+                </a:ext>
+              </a:extLst>
+            </p:cNvPr>
+            <p:cNvSpPr/>
+            <p:nvPr/>
+          </p:nvSpPr>
+          <p:spPr>
+            <a:xfrm>
+              <a:off x="1661706" y="1998804"/>
+              <a:ext cx="344368" cy="344368"/>
+            </a:xfrm>
+            <a:prstGeom prst="star5">
+              <a:avLst/>
+            </a:prstGeom>
+            <a:solidFill>
+              <a:schemeClr val="tx1"/>
+            </a:solidFill>
+            <a:ln>
+              <a:noFill/>
+            </a:ln>
+          </p:spPr>
+          <p:style>
+            <a:lnRef idx="2">
+              <a:schemeClr val="accent1">
+                <a:shade val="15000"/>
+              </a:schemeClr>
+            </a:lnRef>
+            <a:fillRef idx="1">
+              <a:schemeClr val="accent1"/>
+            </a:fillRef>
+            <a:effectRef idx="0">
+              <a:schemeClr val="accent1"/>
+            </a:effectRef>
+            <a:fontRef idx="minor">
+              <a:schemeClr val="lt1"/>
+            </a:fontRef>
+          </p:style>
+          <p:txBody>
+            <a:bodyPr rtlCol="0" anchor="ctr"/>
+            <a:lstStyle/>
+            <a:p>
+              <a:pPr algn="ctr"/>
+              <a:endParaRPr lang="zh-TW" altLang="en-US" sz="1400"/>
+            </a:p>
+          </p:txBody>
+        </p:sp>
+        <p:sp>
+          <p:nvSpPr>
+            <p:cNvPr id="96" name="星形: 五角 95">
+              <a:extLst>
+                <a:ext uri="{FF2B5EF4-FFF2-40B4-BE49-F238E27FC236}">
+                  <a16:creationId xmlns:a16="http://schemas.microsoft.com/office/drawing/2014/main" id="{002F706C-200D-D812-F75A-C34E4AA26843}"/>
+                </a:ext>
+              </a:extLst>
+            </p:cNvPr>
+            <p:cNvSpPr/>
+            <p:nvPr/>
+          </p:nvSpPr>
+          <p:spPr>
+            <a:xfrm>
+              <a:off x="1992662" y="1998804"/>
+              <a:ext cx="344368" cy="344368"/>
+            </a:xfrm>
+            <a:prstGeom prst="star5">
+              <a:avLst/>
+            </a:prstGeom>
+            <a:solidFill>
+              <a:schemeClr val="tx1"/>
+            </a:solidFill>
+            <a:ln>
+              <a:noFill/>
+            </a:ln>
+          </p:spPr>
+          <p:style>
+            <a:lnRef idx="2">
+              <a:schemeClr val="accent1">
+                <a:shade val="15000"/>
+              </a:schemeClr>
+            </a:lnRef>
+            <a:fillRef idx="1">
+              <a:schemeClr val="accent1"/>
+            </a:fillRef>
+            <a:effectRef idx="0">
+              <a:schemeClr val="accent1"/>
+            </a:effectRef>
+            <a:fontRef idx="minor">
+              <a:schemeClr val="lt1"/>
+            </a:fontRef>
+          </p:style>
+          <p:txBody>
+            <a:bodyPr rtlCol="0" anchor="ctr"/>
+            <a:lstStyle/>
+            <a:p>
+              <a:pPr algn="ctr"/>
+              <a:endParaRPr lang="zh-TW" altLang="en-US" sz="1400"/>
+            </a:p>
+          </p:txBody>
+        </p:sp>
+        <p:sp>
+          <p:nvSpPr>
+            <p:cNvPr id="97" name="星形: 五角 96">
+              <a:extLst>
+                <a:ext uri="{FF2B5EF4-FFF2-40B4-BE49-F238E27FC236}">
+                  <a16:creationId xmlns:a16="http://schemas.microsoft.com/office/drawing/2014/main" id="{61AFDDB6-F509-2FFD-1F79-A936B957143C}"/>
+                </a:ext>
+              </a:extLst>
+            </p:cNvPr>
+            <p:cNvSpPr/>
+            <p:nvPr/>
+          </p:nvSpPr>
+          <p:spPr>
+            <a:xfrm>
+              <a:off x="2323618" y="1998804"/>
+              <a:ext cx="344368" cy="344368"/>
+            </a:xfrm>
+            <a:prstGeom prst="star5">
+              <a:avLst/>
+            </a:prstGeom>
+            <a:solidFill>
+              <a:schemeClr val="tx1"/>
+            </a:solidFill>
+            <a:ln>
+              <a:noFill/>
+            </a:ln>
+          </p:spPr>
+          <p:style>
+            <a:lnRef idx="2">
+              <a:schemeClr val="accent1">
+                <a:shade val="15000"/>
+              </a:schemeClr>
+            </a:lnRef>
+            <a:fillRef idx="1">
+              <a:schemeClr val="accent1"/>
+            </a:fillRef>
+            <a:effectRef idx="0">
+              <a:schemeClr val="accent1"/>
+            </a:effectRef>
+            <a:fontRef idx="minor">
+              <a:schemeClr val="lt1"/>
+            </a:fontRef>
+          </p:style>
+          <p:txBody>
+            <a:bodyPr rtlCol="0" anchor="ctr"/>
+            <a:lstStyle/>
+            <a:p>
+              <a:pPr algn="ctr"/>
+              <a:endParaRPr lang="zh-TW" altLang="en-US" sz="1400" dirty="0"/>
+            </a:p>
+          </p:txBody>
+        </p:sp>
+      </p:grpSp>
+      <p:grpSp>
+        <p:nvGrpSpPr>
+          <p:cNvPr id="100" name="群組 99">
+            <a:extLst>
+              <a:ext uri="{FF2B5EF4-FFF2-40B4-BE49-F238E27FC236}">
+                <a16:creationId xmlns:a16="http://schemas.microsoft.com/office/drawing/2014/main" id="{D629BCBB-2D72-D08C-67D1-E91803FC8C78}"/>
+              </a:ext>
+            </a:extLst>
+          </p:cNvPr>
+          <p:cNvGrpSpPr/>
+          <p:nvPr/>
+        </p:nvGrpSpPr>
+        <p:grpSpPr>
+          <a:xfrm>
+            <a:off x="4580121" y="4373510"/>
+            <a:ext cx="1195968" cy="1317484"/>
+            <a:chOff x="1449543" y="1043164"/>
+            <a:chExt cx="1424940" cy="1569720"/>
+          </a:xfrm>
+        </p:grpSpPr>
+        <p:grpSp>
+          <p:nvGrpSpPr>
+            <p:cNvPr id="101" name="群組 100">
+              <a:extLst>
+                <a:ext uri="{FF2B5EF4-FFF2-40B4-BE49-F238E27FC236}">
+                  <a16:creationId xmlns:a16="http://schemas.microsoft.com/office/drawing/2014/main" id="{A0B2B70A-7907-992B-76AD-0A4D157FE13D}"/>
+                </a:ext>
+              </a:extLst>
+            </p:cNvPr>
+            <p:cNvGrpSpPr/>
+            <p:nvPr/>
+          </p:nvGrpSpPr>
+          <p:grpSpPr>
+            <a:xfrm>
+              <a:off x="1449543" y="1043164"/>
+              <a:ext cx="1424940" cy="1569720"/>
+              <a:chOff x="172224" y="586610"/>
+              <a:chExt cx="1424940" cy="1569720"/>
+            </a:xfrm>
+          </p:grpSpPr>
+          <p:sp>
+            <p:nvSpPr>
+              <p:cNvPr id="105" name="矩形 104">
+                <a:extLst>
+                  <a:ext uri="{FF2B5EF4-FFF2-40B4-BE49-F238E27FC236}">
+                    <a16:creationId xmlns:a16="http://schemas.microsoft.com/office/drawing/2014/main" id="{7F0E3B62-03C4-9DF6-5587-B2A4D7179504}"/>
+                  </a:ext>
+                </a:extLst>
+              </p:cNvPr>
+              <p:cNvSpPr/>
+              <p:nvPr/>
+            </p:nvSpPr>
+            <p:spPr>
+              <a:xfrm>
+                <a:off x="172224" y="586610"/>
+                <a:ext cx="1424940" cy="1569720"/>
+              </a:xfrm>
+              <a:prstGeom prst="rect">
+                <a:avLst/>
+              </a:prstGeom>
+              <a:noFill/>
+              <a:ln>
+                <a:noFill/>
+              </a:ln>
+            </p:spPr>
+            <p:style>
+              <a:lnRef idx="2">
+                <a:schemeClr val="dk1">
+                  <a:shade val="15000"/>
+                </a:schemeClr>
+              </a:lnRef>
+              <a:fillRef idx="1">
+                <a:schemeClr val="dk1"/>
+              </a:fillRef>
+              <a:effectRef idx="0">
+                <a:schemeClr val="dk1"/>
+              </a:effectRef>
+              <a:fontRef idx="minor">
+                <a:schemeClr val="lt1"/>
+              </a:fontRef>
+            </p:style>
+            <p:txBody>
+              <a:bodyPr rtlCol="0" anchor="ctr"/>
+              <a:lstStyle/>
+              <a:p>
+                <a:pPr algn="ctr"/>
+                <a:endParaRPr lang="zh-TW" altLang="en-US" sz="1400"/>
+              </a:p>
+            </p:txBody>
+          </p:sp>
+          <p:sp>
+            <p:nvSpPr>
+              <p:cNvPr id="106" name="矩形: 圓角 105">
+                <a:extLst>
+                  <a:ext uri="{FF2B5EF4-FFF2-40B4-BE49-F238E27FC236}">
+                    <a16:creationId xmlns:a16="http://schemas.microsoft.com/office/drawing/2014/main" id="{069801FB-1285-9D08-8A2F-6FF5D10D78FC}"/>
+                  </a:ext>
+                </a:extLst>
+              </p:cNvPr>
+              <p:cNvSpPr/>
+              <p:nvPr/>
+            </p:nvSpPr>
+            <p:spPr>
+              <a:xfrm>
+                <a:off x="318819" y="805598"/>
+                <a:ext cx="1131752" cy="1131747"/>
+              </a:xfrm>
+              <a:prstGeom prst="roundRect">
+                <a:avLst/>
+              </a:prstGeom>
+              <a:solidFill>
+                <a:srgbClr val="C00000"/>
+              </a:solidFill>
+              <a:ln>
+                <a:noFill/>
+              </a:ln>
+            </p:spPr>
+            <p:style>
+              <a:lnRef idx="1">
+                <a:schemeClr val="dk1"/>
+              </a:lnRef>
+              <a:fillRef idx="3">
+                <a:schemeClr val="dk1"/>
+              </a:fillRef>
+              <a:effectRef idx="2">
+                <a:schemeClr val="dk1"/>
+              </a:effectRef>
+              <a:fontRef idx="minor">
+                <a:schemeClr val="lt1"/>
+              </a:fontRef>
+            </p:style>
+            <p:txBody>
+              <a:bodyPr rtlCol="0" anchor="ctr"/>
+              <a:lstStyle/>
+              <a:p>
+                <a:pPr algn="ctr"/>
+                <a:endParaRPr lang="zh-TW" altLang="en-US" sz="2400" b="1" dirty="0">
+                  <a:solidFill>
+                    <a:schemeClr val="bg1"/>
+                  </a:solidFill>
+                </a:endParaRPr>
+              </a:p>
+            </p:txBody>
+          </p:sp>
+        </p:grpSp>
+        <p:sp>
+          <p:nvSpPr>
+            <p:cNvPr id="102" name="星形: 五角 101">
+              <a:extLst>
+                <a:ext uri="{FF2B5EF4-FFF2-40B4-BE49-F238E27FC236}">
+                  <a16:creationId xmlns:a16="http://schemas.microsoft.com/office/drawing/2014/main" id="{F12CAF17-19F3-45B2-4EB7-44E1ABCA62D8}"/>
+                </a:ext>
+              </a:extLst>
+            </p:cNvPr>
+            <p:cNvSpPr/>
+            <p:nvPr/>
+          </p:nvSpPr>
+          <p:spPr>
+            <a:xfrm>
+              <a:off x="1661706" y="1998804"/>
+              <a:ext cx="344368" cy="344368"/>
+            </a:xfrm>
+            <a:prstGeom prst="star5">
+              <a:avLst/>
+            </a:prstGeom>
+            <a:solidFill>
+              <a:srgbClr val="FFFF00"/>
+            </a:solidFill>
+            <a:ln>
+              <a:noFill/>
+            </a:ln>
+          </p:spPr>
+          <p:style>
+            <a:lnRef idx="2">
+              <a:schemeClr val="accent1">
+                <a:shade val="15000"/>
+              </a:schemeClr>
+            </a:lnRef>
+            <a:fillRef idx="1">
+              <a:schemeClr val="accent1"/>
+            </a:fillRef>
+            <a:effectRef idx="0">
+              <a:schemeClr val="accent1"/>
+            </a:effectRef>
+            <a:fontRef idx="minor">
+              <a:schemeClr val="lt1"/>
+            </a:fontRef>
+          </p:style>
+          <p:txBody>
+            <a:bodyPr rtlCol="0" anchor="ctr"/>
+            <a:lstStyle/>
+            <a:p>
+              <a:pPr algn="ctr"/>
+              <a:endParaRPr lang="zh-TW" altLang="en-US" sz="1400"/>
+            </a:p>
+          </p:txBody>
+        </p:sp>
+        <p:sp>
+          <p:nvSpPr>
+            <p:cNvPr id="103" name="星形: 五角 102">
+              <a:extLst>
+                <a:ext uri="{FF2B5EF4-FFF2-40B4-BE49-F238E27FC236}">
+                  <a16:creationId xmlns:a16="http://schemas.microsoft.com/office/drawing/2014/main" id="{F581CD50-C207-8638-D523-813416CFA909}"/>
+                </a:ext>
+              </a:extLst>
+            </p:cNvPr>
+            <p:cNvSpPr/>
+            <p:nvPr/>
+          </p:nvSpPr>
+          <p:spPr>
+            <a:xfrm>
+              <a:off x="1992662" y="1998804"/>
+              <a:ext cx="344368" cy="344368"/>
+            </a:xfrm>
+            <a:prstGeom prst="star5">
+              <a:avLst/>
+            </a:prstGeom>
+            <a:solidFill>
+              <a:srgbClr val="FFFF00"/>
+            </a:solidFill>
+            <a:ln>
+              <a:noFill/>
+            </a:ln>
+          </p:spPr>
+          <p:style>
+            <a:lnRef idx="2">
+              <a:schemeClr val="accent1">
+                <a:shade val="15000"/>
+              </a:schemeClr>
+            </a:lnRef>
+            <a:fillRef idx="1">
+              <a:schemeClr val="accent1"/>
+            </a:fillRef>
+            <a:effectRef idx="0">
+              <a:schemeClr val="accent1"/>
+            </a:effectRef>
+            <a:fontRef idx="minor">
+              <a:schemeClr val="lt1"/>
+            </a:fontRef>
+          </p:style>
+          <p:txBody>
+            <a:bodyPr rtlCol="0" anchor="ctr"/>
+            <a:lstStyle/>
+            <a:p>
+              <a:pPr algn="ctr"/>
+              <a:endParaRPr lang="zh-TW" altLang="en-US" sz="1400"/>
+            </a:p>
+          </p:txBody>
+        </p:sp>
+        <p:sp>
+          <p:nvSpPr>
+            <p:cNvPr id="104" name="星形: 五角 103">
+              <a:extLst>
+                <a:ext uri="{FF2B5EF4-FFF2-40B4-BE49-F238E27FC236}">
+                  <a16:creationId xmlns:a16="http://schemas.microsoft.com/office/drawing/2014/main" id="{87AF6474-E53B-0C3A-2A3D-F3B3D96FBAC9}"/>
+                </a:ext>
+              </a:extLst>
+            </p:cNvPr>
+            <p:cNvSpPr/>
+            <p:nvPr/>
+          </p:nvSpPr>
+          <p:spPr>
+            <a:xfrm>
+              <a:off x="2323618" y="1998804"/>
+              <a:ext cx="344368" cy="344368"/>
+            </a:xfrm>
+            <a:prstGeom prst="star5">
+              <a:avLst/>
+            </a:prstGeom>
+            <a:solidFill>
+              <a:schemeClr val="tx1"/>
+            </a:solidFill>
+            <a:ln>
+              <a:noFill/>
+            </a:ln>
+          </p:spPr>
+          <p:style>
+            <a:lnRef idx="2">
+              <a:schemeClr val="accent1">
+                <a:shade val="15000"/>
+              </a:schemeClr>
+            </a:lnRef>
+            <a:fillRef idx="1">
+              <a:schemeClr val="accent1"/>
+            </a:fillRef>
+            <a:effectRef idx="0">
+              <a:schemeClr val="accent1"/>
+            </a:effectRef>
+            <a:fontRef idx="minor">
+              <a:schemeClr val="lt1"/>
+            </a:fontRef>
+          </p:style>
+          <p:txBody>
+            <a:bodyPr rtlCol="0" anchor="ctr"/>
+            <a:lstStyle/>
+            <a:p>
+              <a:pPr algn="ctr"/>
+              <a:endParaRPr lang="zh-TW" altLang="en-US" sz="1400" dirty="0"/>
+            </a:p>
+          </p:txBody>
+        </p:sp>
+      </p:grpSp>
+      <p:grpSp>
+        <p:nvGrpSpPr>
+          <p:cNvPr id="107" name="群組 106">
+            <a:extLst>
+              <a:ext uri="{FF2B5EF4-FFF2-40B4-BE49-F238E27FC236}">
+                <a16:creationId xmlns:a16="http://schemas.microsoft.com/office/drawing/2014/main" id="{D5105D29-73AD-24B3-69A1-2205A5147243}"/>
+              </a:ext>
+            </a:extLst>
+          </p:cNvPr>
+          <p:cNvGrpSpPr/>
+          <p:nvPr/>
+        </p:nvGrpSpPr>
+        <p:grpSpPr>
+          <a:xfrm>
+            <a:off x="6459721" y="4373510"/>
+            <a:ext cx="1195968" cy="1317484"/>
+            <a:chOff x="1449543" y="1043164"/>
+            <a:chExt cx="1424940" cy="1569720"/>
+          </a:xfrm>
+        </p:grpSpPr>
+        <p:grpSp>
+          <p:nvGrpSpPr>
+            <p:cNvPr id="108" name="群組 107">
+              <a:extLst>
+                <a:ext uri="{FF2B5EF4-FFF2-40B4-BE49-F238E27FC236}">
+                  <a16:creationId xmlns:a16="http://schemas.microsoft.com/office/drawing/2014/main" id="{24492158-A9FF-989E-2554-0BF82CFD4AC6}"/>
+                </a:ext>
+              </a:extLst>
+            </p:cNvPr>
+            <p:cNvGrpSpPr/>
+            <p:nvPr/>
+          </p:nvGrpSpPr>
+          <p:grpSpPr>
+            <a:xfrm>
+              <a:off x="1449543" y="1043164"/>
+              <a:ext cx="1424940" cy="1569720"/>
+              <a:chOff x="172224" y="586610"/>
+              <a:chExt cx="1424940" cy="1569720"/>
+            </a:xfrm>
+          </p:grpSpPr>
+          <p:sp>
+            <p:nvSpPr>
+              <p:cNvPr id="112" name="矩形 111">
+                <a:extLst>
+                  <a:ext uri="{FF2B5EF4-FFF2-40B4-BE49-F238E27FC236}">
+                    <a16:creationId xmlns:a16="http://schemas.microsoft.com/office/drawing/2014/main" id="{60CA12BB-30C4-57CB-2ED5-8CFA6161E22E}"/>
+                  </a:ext>
+                </a:extLst>
+              </p:cNvPr>
+              <p:cNvSpPr/>
+              <p:nvPr/>
+            </p:nvSpPr>
+            <p:spPr>
+              <a:xfrm>
+                <a:off x="172224" y="586610"/>
+                <a:ext cx="1424940" cy="1569720"/>
+              </a:xfrm>
+              <a:prstGeom prst="rect">
+                <a:avLst/>
+              </a:prstGeom>
+              <a:noFill/>
+              <a:ln>
+                <a:noFill/>
+              </a:ln>
+            </p:spPr>
+            <p:style>
+              <a:lnRef idx="2">
+                <a:schemeClr val="dk1">
+                  <a:shade val="15000"/>
+                </a:schemeClr>
+              </a:lnRef>
+              <a:fillRef idx="1">
+                <a:schemeClr val="dk1"/>
+              </a:fillRef>
+              <a:effectRef idx="0">
+                <a:schemeClr val="dk1"/>
+              </a:effectRef>
+              <a:fontRef idx="minor">
+                <a:schemeClr val="lt1"/>
+              </a:fontRef>
+            </p:style>
+            <p:txBody>
+              <a:bodyPr rtlCol="0" anchor="ctr"/>
+              <a:lstStyle/>
+              <a:p>
+                <a:pPr algn="ctr"/>
+                <a:endParaRPr lang="zh-TW" altLang="en-US" sz="1400"/>
+              </a:p>
+            </p:txBody>
+          </p:sp>
+          <p:sp>
+            <p:nvSpPr>
+              <p:cNvPr id="113" name="矩形: 圓角 112">
+                <a:extLst>
+                  <a:ext uri="{FF2B5EF4-FFF2-40B4-BE49-F238E27FC236}">
+                    <a16:creationId xmlns:a16="http://schemas.microsoft.com/office/drawing/2014/main" id="{3456C3E2-A524-406D-3F46-B63E4B61223B}"/>
+                  </a:ext>
+                </a:extLst>
+              </p:cNvPr>
+              <p:cNvSpPr/>
+              <p:nvPr/>
+            </p:nvSpPr>
+            <p:spPr>
+              <a:xfrm>
+                <a:off x="318819" y="805598"/>
+                <a:ext cx="1131752" cy="1131747"/>
+              </a:xfrm>
+              <a:prstGeom prst="roundRect">
+                <a:avLst/>
+              </a:prstGeom>
+              <a:solidFill>
+                <a:srgbClr val="C00000"/>
+              </a:solidFill>
+              <a:ln>
+                <a:noFill/>
+              </a:ln>
+            </p:spPr>
+            <p:style>
+              <a:lnRef idx="1">
+                <a:schemeClr val="dk1"/>
+              </a:lnRef>
+              <a:fillRef idx="3">
+                <a:schemeClr val="dk1"/>
+              </a:fillRef>
+              <a:effectRef idx="2">
+                <a:schemeClr val="dk1"/>
+              </a:effectRef>
+              <a:fontRef idx="minor">
+                <a:schemeClr val="lt1"/>
+              </a:fontRef>
+            </p:style>
+            <p:txBody>
+              <a:bodyPr rtlCol="0" anchor="ctr"/>
+              <a:lstStyle/>
+              <a:p>
+                <a:pPr algn="ctr"/>
+                <a:endParaRPr lang="zh-TW" altLang="en-US" sz="2400" b="1" dirty="0">
+                  <a:solidFill>
+                    <a:schemeClr val="bg1"/>
+                  </a:solidFill>
+                </a:endParaRPr>
+              </a:p>
+            </p:txBody>
+          </p:sp>
+        </p:grpSp>
+        <p:sp>
+          <p:nvSpPr>
+            <p:cNvPr id="109" name="星形: 五角 108">
+              <a:extLst>
+                <a:ext uri="{FF2B5EF4-FFF2-40B4-BE49-F238E27FC236}">
+                  <a16:creationId xmlns:a16="http://schemas.microsoft.com/office/drawing/2014/main" id="{E68C36D6-2416-3046-6B06-30103EB18BBF}"/>
+                </a:ext>
+              </a:extLst>
+            </p:cNvPr>
+            <p:cNvSpPr/>
+            <p:nvPr/>
+          </p:nvSpPr>
+          <p:spPr>
+            <a:xfrm>
+              <a:off x="1661706" y="1998804"/>
+              <a:ext cx="344368" cy="344368"/>
+            </a:xfrm>
+            <a:prstGeom prst="star5">
+              <a:avLst/>
+            </a:prstGeom>
+            <a:solidFill>
+              <a:srgbClr val="FFFF00"/>
+            </a:solidFill>
+            <a:ln>
+              <a:noFill/>
+            </a:ln>
+          </p:spPr>
+          <p:style>
+            <a:lnRef idx="2">
+              <a:schemeClr val="accent1">
+                <a:shade val="15000"/>
+              </a:schemeClr>
+            </a:lnRef>
+            <a:fillRef idx="1">
+              <a:schemeClr val="accent1"/>
+            </a:fillRef>
+            <a:effectRef idx="0">
+              <a:schemeClr val="accent1"/>
+            </a:effectRef>
+            <a:fontRef idx="minor">
+              <a:schemeClr val="lt1"/>
+            </a:fontRef>
+          </p:style>
+          <p:txBody>
+            <a:bodyPr rtlCol="0" anchor="ctr"/>
+            <a:lstStyle/>
+            <a:p>
+              <a:pPr algn="ctr"/>
+              <a:endParaRPr lang="zh-TW" altLang="en-US" sz="1400"/>
+            </a:p>
+          </p:txBody>
+        </p:sp>
+        <p:sp>
+          <p:nvSpPr>
+            <p:cNvPr id="110" name="星形: 五角 109">
+              <a:extLst>
+                <a:ext uri="{FF2B5EF4-FFF2-40B4-BE49-F238E27FC236}">
+                  <a16:creationId xmlns:a16="http://schemas.microsoft.com/office/drawing/2014/main" id="{8FB1D6DA-9A28-7B20-65FB-A9CF1F95072A}"/>
+                </a:ext>
+              </a:extLst>
+            </p:cNvPr>
+            <p:cNvSpPr/>
+            <p:nvPr/>
+          </p:nvSpPr>
+          <p:spPr>
+            <a:xfrm>
+              <a:off x="1992662" y="1998804"/>
+              <a:ext cx="344368" cy="344368"/>
+            </a:xfrm>
+            <a:prstGeom prst="star5">
+              <a:avLst/>
+            </a:prstGeom>
+            <a:solidFill>
+              <a:srgbClr val="FFFF00"/>
+            </a:solidFill>
+            <a:ln>
+              <a:noFill/>
+            </a:ln>
+          </p:spPr>
+          <p:style>
+            <a:lnRef idx="2">
+              <a:schemeClr val="accent1">
+                <a:shade val="15000"/>
+              </a:schemeClr>
+            </a:lnRef>
+            <a:fillRef idx="1">
+              <a:schemeClr val="accent1"/>
+            </a:fillRef>
+            <a:effectRef idx="0">
+              <a:schemeClr val="accent1"/>
+            </a:effectRef>
+            <a:fontRef idx="minor">
+              <a:schemeClr val="lt1"/>
+            </a:fontRef>
+          </p:style>
+          <p:txBody>
+            <a:bodyPr rtlCol="0" anchor="ctr"/>
+            <a:lstStyle/>
+            <a:p>
+              <a:pPr algn="ctr"/>
+              <a:endParaRPr lang="zh-TW" altLang="en-US" sz="1400" dirty="0"/>
+            </a:p>
+          </p:txBody>
+        </p:sp>
+        <p:sp>
+          <p:nvSpPr>
+            <p:cNvPr id="111" name="星形: 五角 110">
+              <a:extLst>
+                <a:ext uri="{FF2B5EF4-FFF2-40B4-BE49-F238E27FC236}">
+                  <a16:creationId xmlns:a16="http://schemas.microsoft.com/office/drawing/2014/main" id="{3C57D793-DD8F-0441-0607-8B410A1C9BFC}"/>
+                </a:ext>
+              </a:extLst>
+            </p:cNvPr>
+            <p:cNvSpPr/>
+            <p:nvPr/>
+          </p:nvSpPr>
+          <p:spPr>
+            <a:xfrm>
+              <a:off x="2323618" y="1998804"/>
+              <a:ext cx="344368" cy="344368"/>
+            </a:xfrm>
+            <a:prstGeom prst="star5">
+              <a:avLst/>
+            </a:prstGeom>
+            <a:solidFill>
+              <a:srgbClr val="FFFF00"/>
+            </a:solidFill>
+            <a:ln>
+              <a:noFill/>
+            </a:ln>
+          </p:spPr>
+          <p:style>
+            <a:lnRef idx="2">
+              <a:schemeClr val="accent1">
+                <a:shade val="15000"/>
+              </a:schemeClr>
+            </a:lnRef>
+            <a:fillRef idx="1">
+              <a:schemeClr val="accent1"/>
+            </a:fillRef>
+            <a:effectRef idx="0">
+              <a:schemeClr val="accent1"/>
+            </a:effectRef>
+            <a:fontRef idx="minor">
+              <a:schemeClr val="lt1"/>
+            </a:fontRef>
+          </p:style>
+          <p:txBody>
+            <a:bodyPr rtlCol="0" anchor="ctr"/>
+            <a:lstStyle/>
+            <a:p>
+              <a:pPr algn="ctr"/>
+              <a:endParaRPr lang="zh-TW" altLang="en-US" sz="1400" dirty="0"/>
+            </a:p>
+          </p:txBody>
+        </p:sp>
+      </p:grpSp>
     </p:spTree>
     <p:extLst>
       <p:ext uri="{BB962C8B-B14F-4D97-AF65-F5344CB8AC3E}">
@@ -6739,7 +9677,7 @@
         </p:blipFill>
         <p:spPr bwMode="auto">
           <a:xfrm>
-            <a:off x="1084882" y="267346"/>
+            <a:off x="1038387" y="323527"/>
             <a:ext cx="9546956" cy="6210946"/>
           </a:xfrm>
           <a:prstGeom prst="rect">
@@ -7175,6 +10113,1450 @@
     <p:extLst>
       <p:ext uri="{BB962C8B-B14F-4D97-AF65-F5344CB8AC3E}">
         <p14:creationId xmlns:p14="http://schemas.microsoft.com/office/powerpoint/2010/main" val="750139918"/>
+      </p:ext>
+    </p:extLst>
+  </p:cSld>
+  <p:clrMapOvr>
+    <a:masterClrMapping/>
+  </p:clrMapOvr>
+</p:sld>
+</file>
+
+<file path=ppt/slides/slide7.xml><?xml version="1.0" encoding="utf-8"?>
+<p:sld xmlns:a="http://schemas.openxmlformats.org/drawingml/2006/main" xmlns:r="http://schemas.openxmlformats.org/officeDocument/2006/relationships" xmlns:p="http://schemas.openxmlformats.org/presentationml/2006/main">
+  <p:cSld>
+    <p:spTree>
+      <p:nvGrpSpPr>
+        <p:cNvPr id="1" name=""/>
+        <p:cNvGrpSpPr/>
+        <p:nvPr/>
+      </p:nvGrpSpPr>
+      <p:grpSpPr>
+        <a:xfrm>
+          <a:off x="0" y="0"/>
+          <a:ext cx="0" cy="0"/>
+          <a:chOff x="0" y="0"/>
+          <a:chExt cx="0" cy="0"/>
+        </a:xfrm>
+      </p:grpSpPr>
+      <p:grpSp>
+        <p:nvGrpSpPr>
+          <p:cNvPr id="33" name="群組 32">
+            <a:extLst>
+              <a:ext uri="{FF2B5EF4-FFF2-40B4-BE49-F238E27FC236}">
+                <a16:creationId xmlns:a16="http://schemas.microsoft.com/office/drawing/2014/main" id="{097E6ACA-AEAF-A184-1CD4-F893A384BE6C}"/>
+              </a:ext>
+            </a:extLst>
+          </p:cNvPr>
+          <p:cNvGrpSpPr/>
+          <p:nvPr/>
+        </p:nvGrpSpPr>
+        <p:grpSpPr>
+          <a:xfrm>
+            <a:off x="39185" y="-423511"/>
+            <a:ext cx="12089511" cy="7281511"/>
+            <a:chOff x="39185" y="-423511"/>
+            <a:chExt cx="12089511" cy="7281511"/>
+          </a:xfrm>
+        </p:grpSpPr>
+        <p:sp>
+          <p:nvSpPr>
+            <p:cNvPr id="32" name="矩形 31">
+              <a:extLst>
+                <a:ext uri="{FF2B5EF4-FFF2-40B4-BE49-F238E27FC236}">
+                  <a16:creationId xmlns:a16="http://schemas.microsoft.com/office/drawing/2014/main" id="{1634F6AC-2739-5740-D880-80B203D2266C}"/>
+                </a:ext>
+              </a:extLst>
+            </p:cNvPr>
+            <p:cNvSpPr/>
+            <p:nvPr/>
+          </p:nvSpPr>
+          <p:spPr>
+            <a:xfrm>
+              <a:off x="39185" y="0"/>
+              <a:ext cx="12089511" cy="6858000"/>
+            </a:xfrm>
+            <a:prstGeom prst="rect">
+              <a:avLst/>
+            </a:prstGeom>
+            <a:gradFill flip="none" rotWithShape="1">
+              <a:gsLst>
+                <a:gs pos="0">
+                  <a:srgbClr val="F2EF70"/>
+                </a:gs>
+                <a:gs pos="27000">
+                  <a:srgbClr val="F4EC41"/>
+                </a:gs>
+                <a:gs pos="66000">
+                  <a:srgbClr val="FFCE29"/>
+                </a:gs>
+                <a:gs pos="100000">
+                  <a:srgbClr val="FDB93A"/>
+                </a:gs>
+              </a:gsLst>
+              <a:lin ang="5400000" scaled="0"/>
+              <a:tileRect/>
+            </a:gradFill>
+            <a:ln>
+              <a:noFill/>
+            </a:ln>
+          </p:spPr>
+          <p:style>
+            <a:lnRef idx="2">
+              <a:schemeClr val="accent1">
+                <a:shade val="15000"/>
+              </a:schemeClr>
+            </a:lnRef>
+            <a:fillRef idx="1">
+              <a:schemeClr val="accent1"/>
+            </a:fillRef>
+            <a:effectRef idx="0">
+              <a:schemeClr val="accent1"/>
+            </a:effectRef>
+            <a:fontRef idx="minor">
+              <a:schemeClr val="lt1"/>
+            </a:fontRef>
+          </p:style>
+          <p:txBody>
+            <a:bodyPr rtlCol="0" anchor="ctr"/>
+            <a:lstStyle/>
+            <a:p>
+              <a:pPr algn="ctr"/>
+              <a:endParaRPr lang="zh-TW" altLang="en-US"/>
+            </a:p>
+          </p:txBody>
+        </p:sp>
+        <p:grpSp>
+          <p:nvGrpSpPr>
+            <p:cNvPr id="31" name="群組 30">
+              <a:extLst>
+                <a:ext uri="{FF2B5EF4-FFF2-40B4-BE49-F238E27FC236}">
+                  <a16:creationId xmlns:a16="http://schemas.microsoft.com/office/drawing/2014/main" id="{ECB4C29B-DAC6-6707-B78C-9E3BB1B4A801}"/>
+                </a:ext>
+              </a:extLst>
+            </p:cNvPr>
+            <p:cNvGrpSpPr/>
+            <p:nvPr/>
+          </p:nvGrpSpPr>
+          <p:grpSpPr>
+            <a:xfrm>
+              <a:off x="417688" y="-423511"/>
+              <a:ext cx="11550681" cy="7281511"/>
+              <a:chOff x="443393" y="-614816"/>
+              <a:chExt cx="11550681" cy="7281511"/>
+            </a:xfrm>
+          </p:grpSpPr>
+          <p:pic>
+            <p:nvPicPr>
+              <p:cNvPr id="15" name="Picture 4" descr="金礦圖案素材| PNG和向量圖| 透明背景圖片| 免費下载- Pngtree">
+                <a:extLst>
+                  <a:ext uri="{FF2B5EF4-FFF2-40B4-BE49-F238E27FC236}">
+                    <a16:creationId xmlns:a16="http://schemas.microsoft.com/office/drawing/2014/main" id="{D732D41D-A93F-61D4-2010-714C4608CA70}"/>
+                  </a:ext>
+                </a:extLst>
+              </p:cNvPr>
+              <p:cNvPicPr>
+                <a:picLocks noChangeAspect="1" noChangeArrowheads="1"/>
+              </p:cNvPicPr>
+              <p:nvPr/>
+            </p:nvPicPr>
+            <p:blipFill>
+              <a:blip r:embed="rId3">
+                <a:extLst>
+                  <a:ext uri="{BEBA8EAE-BF5A-486C-A8C5-ECC9F3942E4B}">
+                    <a14:imgProps xmlns:a14="http://schemas.microsoft.com/office/drawing/2010/main">
+                      <a14:imgLayer r:embed="rId4">
+                        <a14:imgEffect>
+                          <a14:backgroundRemoval t="833" b="100000" l="0" r="100000">
+                            <a14:foregroundMark x1="38442" y1="10556" x2="44472" y2="10556"/>
+                            <a14:foregroundMark x1="39950" y1="7778" x2="36432" y2="7778"/>
+                            <a14:backgroundMark x1="26131" y1="88333" x2="14322" y2="68611"/>
+                            <a14:backgroundMark x1="9045" y1="83056" x2="12814" y2="91667"/>
+                            <a14:backgroundMark x1="15829" y1="91944" x2="23367" y2="90833"/>
+                            <a14:backgroundMark x1="35176" y1="93056" x2="29146" y2="90000"/>
+                            <a14:backgroundMark x1="27387" y1="76111" x2="14322" y2="70000"/>
+                          </a14:backgroundRemoval>
+                        </a14:imgEffect>
+                      </a14:imgLayer>
+                    </a14:imgProps>
+                  </a:ext>
+                  <a:ext uri="{28A0092B-C50C-407E-A947-70E740481C1C}">
+                    <a14:useLocalDpi xmlns:a14="http://schemas.microsoft.com/office/drawing/2010/main" val="0"/>
+                  </a:ext>
+                </a:extLst>
+              </a:blip>
+              <a:srcRect/>
+              <a:stretch>
+                <a:fillRect/>
+              </a:stretch>
+            </p:blipFill>
+            <p:spPr bwMode="auto">
+              <a:xfrm rot="3661636">
+                <a:off x="262418" y="9764"/>
+                <a:ext cx="3790950" cy="3429000"/>
+              </a:xfrm>
+              <a:prstGeom prst="rect">
+                <a:avLst/>
+              </a:prstGeom>
+              <a:noFill/>
+              <a:extLst>
+                <a:ext uri="{909E8E84-426E-40DD-AFC4-6F175D3DCCD1}">
+                  <a14:hiddenFill xmlns:a14="http://schemas.microsoft.com/office/drawing/2010/main">
+                    <a:solidFill>
+                      <a:srgbClr val="FFFFFF"/>
+                    </a:solidFill>
+                  </a14:hiddenFill>
+                </a:ext>
+              </a:extLst>
+            </p:spPr>
+          </p:pic>
+          <p:grpSp>
+            <p:nvGrpSpPr>
+              <p:cNvPr id="30" name="群組 29">
+                <a:extLst>
+                  <a:ext uri="{FF2B5EF4-FFF2-40B4-BE49-F238E27FC236}">
+                    <a16:creationId xmlns:a16="http://schemas.microsoft.com/office/drawing/2014/main" id="{1C754E9C-746D-2A8E-41CC-79C6FFDD929F}"/>
+                  </a:ext>
+                </a:extLst>
+              </p:cNvPr>
+              <p:cNvGrpSpPr/>
+              <p:nvPr/>
+            </p:nvGrpSpPr>
+            <p:grpSpPr>
+              <a:xfrm>
+                <a:off x="1044366" y="-614816"/>
+                <a:ext cx="10949708" cy="7281511"/>
+                <a:chOff x="1044366" y="-614816"/>
+                <a:chExt cx="10949708" cy="7281511"/>
+              </a:xfrm>
+            </p:grpSpPr>
+            <p:pic>
+              <p:nvPicPr>
+                <p:cNvPr id="34" name="Picture 2" descr="黃金礦工圖案素材| PNG和向量圖| 透明背景圖片| 免費下载- Pngtree">
+                  <a:extLst>
+                    <a:ext uri="{FF2B5EF4-FFF2-40B4-BE49-F238E27FC236}">
+                      <a16:creationId xmlns:a16="http://schemas.microsoft.com/office/drawing/2014/main" id="{6920BF92-089A-E50D-838E-C961D37C7F88}"/>
+                    </a:ext>
+                  </a:extLst>
+                </p:cNvPr>
+                <p:cNvPicPr>
+                  <a:picLocks noChangeAspect="1" noChangeArrowheads="1"/>
+                </p:cNvPicPr>
+                <p:nvPr/>
+              </p:nvPicPr>
+              <p:blipFill rotWithShape="1">
+                <a:blip r:embed="rId5">
+                  <a:extLst>
+                    <a:ext uri="{BEBA8EAE-BF5A-486C-A8C5-ECC9F3942E4B}">
+                      <a14:imgProps xmlns:a14="http://schemas.microsoft.com/office/drawing/2010/main">
+                        <a14:imgLayer r:embed="rId6">
+                          <a14:imgEffect>
+                            <a14:backgroundRemoval t="0" b="100000" l="0" r="100000">
+                              <a14:backgroundMark x1="13734" y1="41667" x2="35408" y2="18056"/>
+                              <a14:backgroundMark x1="29185" y1="40278" x2="57511" y2="47500"/>
+                              <a14:backgroundMark x1="30258" y1="14167" x2="15236" y2="22222"/>
+                              <a14:backgroundMark x1="22103" y1="16944" x2="26395" y2="8333"/>
+                              <a14:backgroundMark x1="31974" y1="6944" x2="35408" y2="6944"/>
+                              <a14:backgroundMark x1="36481" y1="16944" x2="40987" y2="26667"/>
+                              <a14:backgroundMark x1="5365" y1="37500" x2="8798" y2="49444"/>
+                              <a14:backgroundMark x1="2361" y1="58056" x2="13090" y2="48333"/>
+                              <a14:backgroundMark x1="11373" y1="53056" x2="23820" y2="44722"/>
+                              <a14:backgroundMark x1="39270" y1="33056" x2="53648" y2="31389"/>
+                              <a14:backgroundMark x1="39914" y1="40000" x2="59871" y2="40833"/>
+                              <a14:backgroundMark x1="62232" y1="45833" x2="69742" y2="53056"/>
+                            </a14:backgroundRemoval>
+                          </a14:imgEffect>
+                        </a14:imgLayer>
+                      </a14:imgProps>
+                    </a:ext>
+                    <a:ext uri="{28A0092B-C50C-407E-A947-70E740481C1C}">
+                      <a14:useLocalDpi xmlns:a14="http://schemas.microsoft.com/office/drawing/2010/main" val="0"/>
+                    </a:ext>
+                  </a:extLst>
+                </a:blip>
+                <a:srcRect t="31800"/>
+                <a:stretch/>
+              </p:blipFill>
+              <p:spPr bwMode="auto">
+                <a:xfrm flipH="1">
+                  <a:off x="7495647" y="-192387"/>
+                  <a:ext cx="4438650" cy="2338569"/>
+                </a:xfrm>
+                <a:prstGeom prst="rect">
+                  <a:avLst/>
+                </a:prstGeom>
+                <a:noFill/>
+                <a:extLst>
+                  <a:ext uri="{909E8E84-426E-40DD-AFC4-6F175D3DCCD1}">
+                    <a14:hiddenFill xmlns:a14="http://schemas.microsoft.com/office/drawing/2010/main">
+                      <a:solidFill>
+                        <a:srgbClr val="FFFFFF"/>
+                      </a:solidFill>
+                    </a14:hiddenFill>
+                  </a:ext>
+                </a:extLst>
+              </p:spPr>
+            </p:pic>
+            <p:pic>
+              <p:nvPicPr>
+                <p:cNvPr id="35" name="Picture 2" descr="黃金礦工圖案素材| PNG和向量圖| 透明背景圖片| 免費下载- Pngtree">
+                  <a:extLst>
+                    <a:ext uri="{FF2B5EF4-FFF2-40B4-BE49-F238E27FC236}">
+                      <a16:creationId xmlns:a16="http://schemas.microsoft.com/office/drawing/2014/main" id="{CFA7E0F6-398A-5F96-F229-913F9DCEE886}"/>
+                    </a:ext>
+                  </a:extLst>
+                </p:cNvPr>
+                <p:cNvPicPr>
+                  <a:picLocks noChangeAspect="1" noChangeArrowheads="1"/>
+                </p:cNvPicPr>
+                <p:nvPr/>
+              </p:nvPicPr>
+              <p:blipFill rotWithShape="1">
+                <a:blip r:embed="rId5">
+                  <a:extLst>
+                    <a:ext uri="{BEBA8EAE-BF5A-486C-A8C5-ECC9F3942E4B}">
+                      <a14:imgProps xmlns:a14="http://schemas.microsoft.com/office/drawing/2010/main">
+                        <a14:imgLayer r:embed="rId6">
+                          <a14:imgEffect>
+                            <a14:backgroundRemoval t="0" b="100000" l="0" r="100000">
+                              <a14:backgroundMark x1="13734" y1="41667" x2="35408" y2="18056"/>
+                              <a14:backgroundMark x1="29185" y1="40278" x2="57511" y2="47500"/>
+                              <a14:backgroundMark x1="30258" y1="14167" x2="15236" y2="22222"/>
+                              <a14:backgroundMark x1="22103" y1="16944" x2="26395" y2="8333"/>
+                              <a14:backgroundMark x1="31974" y1="6944" x2="35408" y2="6944"/>
+                              <a14:backgroundMark x1="36481" y1="16944" x2="40987" y2="26667"/>
+                              <a14:backgroundMark x1="5365" y1="37500" x2="8798" y2="49444"/>
+                              <a14:backgroundMark x1="2361" y1="58056" x2="13090" y2="48333"/>
+                              <a14:backgroundMark x1="11373" y1="53056" x2="23820" y2="44722"/>
+                              <a14:backgroundMark x1="39270" y1="33056" x2="53648" y2="31389"/>
+                              <a14:backgroundMark x1="39914" y1="40000" x2="59871" y2="40833"/>
+                              <a14:backgroundMark x1="62232" y1="45833" x2="69742" y2="53056"/>
+                            </a14:backgroundRemoval>
+                          </a14:imgEffect>
+                        </a14:imgLayer>
+                      </a14:imgProps>
+                    </a:ext>
+                    <a:ext uri="{28A0092B-C50C-407E-A947-70E740481C1C}">
+                      <a14:useLocalDpi xmlns:a14="http://schemas.microsoft.com/office/drawing/2010/main" val="0"/>
+                    </a:ext>
+                  </a:extLst>
+                </a:blip>
+                <a:srcRect t="31800"/>
+                <a:stretch/>
+              </p:blipFill>
+              <p:spPr bwMode="auto">
+                <a:xfrm flipH="1">
+                  <a:off x="7555424" y="703983"/>
+                  <a:ext cx="4438650" cy="2338569"/>
+                </a:xfrm>
+                <a:prstGeom prst="rect">
+                  <a:avLst/>
+                </a:prstGeom>
+                <a:noFill/>
+                <a:extLst>
+                  <a:ext uri="{909E8E84-426E-40DD-AFC4-6F175D3DCCD1}">
+                    <a14:hiddenFill xmlns:a14="http://schemas.microsoft.com/office/drawing/2010/main">
+                      <a:solidFill>
+                        <a:srgbClr val="FFFFFF"/>
+                      </a:solidFill>
+                    </a14:hiddenFill>
+                  </a:ext>
+                </a:extLst>
+              </p:spPr>
+            </p:pic>
+            <p:pic>
+              <p:nvPicPr>
+                <p:cNvPr id="6" name="Picture 2" descr="黃金礦工圖案素材| PNG和向量圖| 透明背景圖片| 免費下载- Pngtree">
+                  <a:extLst>
+                    <a:ext uri="{FF2B5EF4-FFF2-40B4-BE49-F238E27FC236}">
+                      <a16:creationId xmlns:a16="http://schemas.microsoft.com/office/drawing/2014/main" id="{21536B03-C6FC-CD62-FC9E-B1D888EAD3CE}"/>
+                    </a:ext>
+                  </a:extLst>
+                </p:cNvPr>
+                <p:cNvPicPr>
+                  <a:picLocks noChangeAspect="1" noChangeArrowheads="1"/>
+                </p:cNvPicPr>
+                <p:nvPr/>
+              </p:nvPicPr>
+              <p:blipFill>
+                <a:blip r:embed="rId7">
+                  <a:extLst>
+                    <a:ext uri="{BEBA8EAE-BF5A-486C-A8C5-ECC9F3942E4B}">
+                      <a14:imgProps xmlns:a14="http://schemas.microsoft.com/office/drawing/2010/main">
+                        <a14:imgLayer r:embed="rId6">
+                          <a14:imgEffect>
+                            <a14:backgroundRemoval t="0" b="100000" l="0" r="100000"/>
+                          </a14:imgEffect>
+                        </a14:imgLayer>
+                      </a14:imgProps>
+                    </a:ext>
+                    <a:ext uri="{28A0092B-C50C-407E-A947-70E740481C1C}">
+                      <a14:useLocalDpi xmlns:a14="http://schemas.microsoft.com/office/drawing/2010/main" val="0"/>
+                    </a:ext>
+                  </a:extLst>
+                </a:blip>
+                <a:srcRect/>
+                <a:stretch>
+                  <a:fillRect/>
+                </a:stretch>
+              </p:blipFill>
+              <p:spPr bwMode="auto">
+                <a:xfrm>
+                  <a:off x="3699842" y="3133774"/>
+                  <a:ext cx="4438650" cy="3429000"/>
+                </a:xfrm>
+                <a:prstGeom prst="rect">
+                  <a:avLst/>
+                </a:prstGeom>
+                <a:noFill/>
+                <a:extLst>
+                  <a:ext uri="{909E8E84-426E-40DD-AFC4-6F175D3DCCD1}">
+                    <a14:hiddenFill xmlns:a14="http://schemas.microsoft.com/office/drawing/2010/main">
+                      <a:solidFill>
+                        <a:srgbClr val="FFFFFF"/>
+                      </a:solidFill>
+                    </a14:hiddenFill>
+                  </a:ext>
+                </a:extLst>
+              </p:spPr>
+            </p:pic>
+            <p:pic>
+              <p:nvPicPr>
+                <p:cNvPr id="8" name="Picture 2" descr="黃金礦工圖案素材| PNG和向量圖| 透明背景圖片| 免費下载- Pngtree">
+                  <a:extLst>
+                    <a:ext uri="{FF2B5EF4-FFF2-40B4-BE49-F238E27FC236}">
+                      <a16:creationId xmlns:a16="http://schemas.microsoft.com/office/drawing/2014/main" id="{BCFCE5DC-7E16-C764-8FD7-522C6C3013BE}"/>
+                    </a:ext>
+                  </a:extLst>
+                </p:cNvPr>
+                <p:cNvPicPr>
+                  <a:picLocks noChangeAspect="1" noChangeArrowheads="1"/>
+                </p:cNvPicPr>
+                <p:nvPr/>
+              </p:nvPicPr>
+              <p:blipFill>
+                <a:blip r:embed="rId7">
+                  <a:extLst>
+                    <a:ext uri="{BEBA8EAE-BF5A-486C-A8C5-ECC9F3942E4B}">
+                      <a14:imgProps xmlns:a14="http://schemas.microsoft.com/office/drawing/2010/main">
+                        <a14:imgLayer r:embed="rId6">
+                          <a14:imgEffect>
+                            <a14:backgroundRemoval t="0" b="100000" l="0" r="100000"/>
+                          </a14:imgEffect>
+                        </a14:imgLayer>
+                      </a14:imgProps>
+                    </a:ext>
+                    <a:ext uri="{28A0092B-C50C-407E-A947-70E740481C1C}">
+                      <a14:useLocalDpi xmlns:a14="http://schemas.microsoft.com/office/drawing/2010/main" val="0"/>
+                    </a:ext>
+                  </a:extLst>
+                </a:blip>
+                <a:srcRect/>
+                <a:stretch>
+                  <a:fillRect/>
+                </a:stretch>
+              </p:blipFill>
+              <p:spPr bwMode="auto">
+                <a:xfrm>
+                  <a:off x="1322248" y="3237695"/>
+                  <a:ext cx="4438650" cy="3429000"/>
+                </a:xfrm>
+                <a:prstGeom prst="rect">
+                  <a:avLst/>
+                </a:prstGeom>
+                <a:noFill/>
+                <a:extLst>
+                  <a:ext uri="{909E8E84-426E-40DD-AFC4-6F175D3DCCD1}">
+                    <a14:hiddenFill xmlns:a14="http://schemas.microsoft.com/office/drawing/2010/main">
+                      <a:solidFill>
+                        <a:srgbClr val="FFFFFF"/>
+                      </a:solidFill>
+                    </a14:hiddenFill>
+                  </a:ext>
+                </a:extLst>
+              </p:spPr>
+            </p:pic>
+            <p:grpSp>
+              <p:nvGrpSpPr>
+                <p:cNvPr id="29" name="群組 28">
+                  <a:extLst>
+                    <a:ext uri="{FF2B5EF4-FFF2-40B4-BE49-F238E27FC236}">
+                      <a16:creationId xmlns:a16="http://schemas.microsoft.com/office/drawing/2014/main" id="{C9CA3C5F-9A98-E33F-0D85-88785531ECE2}"/>
+                    </a:ext>
+                  </a:extLst>
+                </p:cNvPr>
+                <p:cNvGrpSpPr/>
+                <p:nvPr/>
+              </p:nvGrpSpPr>
+              <p:grpSpPr>
+                <a:xfrm>
+                  <a:off x="1044366" y="30974"/>
+                  <a:ext cx="10845122" cy="6427879"/>
+                  <a:chOff x="1044366" y="30974"/>
+                  <a:chExt cx="10845122" cy="6427879"/>
+                </a:xfrm>
+              </p:grpSpPr>
+              <p:pic>
+                <p:nvPicPr>
+                  <p:cNvPr id="5" name="Picture 4" descr="金礦圖案素材| PNG和向量圖| 透明背景圖片| 免費下载- Pngtree">
+                    <a:extLst>
+                      <a:ext uri="{FF2B5EF4-FFF2-40B4-BE49-F238E27FC236}">
+                        <a16:creationId xmlns:a16="http://schemas.microsoft.com/office/drawing/2014/main" id="{F59C76A9-F62F-B6E6-1E02-5FBF2844FEBB}"/>
+                      </a:ext>
+                    </a:extLst>
+                  </p:cNvPr>
+                  <p:cNvPicPr>
+                    <a:picLocks noChangeAspect="1" noChangeArrowheads="1"/>
+                  </p:cNvPicPr>
+                  <p:nvPr/>
+                </p:nvPicPr>
+                <p:blipFill>
+                  <a:blip r:embed="rId8">
+                    <a:extLst>
+                      <a:ext uri="{BEBA8EAE-BF5A-486C-A8C5-ECC9F3942E4B}">
+                        <a14:imgProps xmlns:a14="http://schemas.microsoft.com/office/drawing/2010/main">
+                          <a14:imgLayer r:embed="rId4">
+                            <a14:imgEffect>
+                              <a14:backgroundRemoval t="833" b="100000" l="0" r="100000">
+                                <a14:foregroundMark x1="38442" y1="10556" x2="44472" y2="10556"/>
+                                <a14:foregroundMark x1="39950" y1="7778" x2="36432" y2="7778"/>
+                                <a14:foregroundMark x1="11558" y1="80556" x2="15075" y2="79167"/>
+                              </a14:backgroundRemoval>
+                            </a14:imgEffect>
+                          </a14:imgLayer>
+                        </a14:imgProps>
+                      </a:ext>
+                      <a:ext uri="{28A0092B-C50C-407E-A947-70E740481C1C}">
+                        <a14:useLocalDpi xmlns:a14="http://schemas.microsoft.com/office/drawing/2010/main" val="0"/>
+                      </a:ext>
+                    </a:extLst>
+                  </a:blip>
+                  <a:srcRect/>
+                  <a:stretch>
+                    <a:fillRect/>
+                  </a:stretch>
+                </p:blipFill>
+                <p:spPr bwMode="auto">
+                  <a:xfrm>
+                    <a:off x="3222191" y="1714500"/>
+                    <a:ext cx="3790950" cy="3429000"/>
+                  </a:xfrm>
+                  <a:prstGeom prst="rect">
+                    <a:avLst/>
+                  </a:prstGeom>
+                  <a:noFill/>
+                  <a:extLst>
+                    <a:ext uri="{909E8E84-426E-40DD-AFC4-6F175D3DCCD1}">
+                      <a14:hiddenFill xmlns:a14="http://schemas.microsoft.com/office/drawing/2010/main">
+                        <a:solidFill>
+                          <a:srgbClr val="FFFFFF"/>
+                        </a:solidFill>
+                      </a14:hiddenFill>
+                    </a:ext>
+                  </a:extLst>
+                </p:spPr>
+              </p:pic>
+              <p:pic>
+                <p:nvPicPr>
+                  <p:cNvPr id="14" name="Picture 2" descr="黃金礦工圖案素材| PNG和向量圖| 透明背景圖片| 免費下载- Pngtree">
+                    <a:extLst>
+                      <a:ext uri="{FF2B5EF4-FFF2-40B4-BE49-F238E27FC236}">
+                        <a16:creationId xmlns:a16="http://schemas.microsoft.com/office/drawing/2014/main" id="{D059FBFA-D438-C96C-51B3-59909BF8FD2B}"/>
+                      </a:ext>
+                    </a:extLst>
+                  </p:cNvPr>
+                  <p:cNvPicPr>
+                    <a:picLocks noChangeAspect="1" noChangeArrowheads="1"/>
+                  </p:cNvPicPr>
+                  <p:nvPr/>
+                </p:nvPicPr>
+                <p:blipFill>
+                  <a:blip r:embed="rId7">
+                    <a:extLst>
+                      <a:ext uri="{BEBA8EAE-BF5A-486C-A8C5-ECC9F3942E4B}">
+                        <a14:imgProps xmlns:a14="http://schemas.microsoft.com/office/drawing/2010/main">
+                          <a14:imgLayer r:embed="rId6">
+                            <a14:imgEffect>
+                              <a14:backgroundRemoval t="0" b="100000" l="0" r="100000"/>
+                            </a14:imgEffect>
+                          </a14:imgLayer>
+                        </a14:imgProps>
+                      </a:ext>
+                      <a:ext uri="{28A0092B-C50C-407E-A947-70E740481C1C}">
+                        <a14:useLocalDpi xmlns:a14="http://schemas.microsoft.com/office/drawing/2010/main" val="0"/>
+                      </a:ext>
+                    </a:extLst>
+                  </a:blip>
+                  <a:srcRect/>
+                  <a:stretch>
+                    <a:fillRect/>
+                  </a:stretch>
+                </p:blipFill>
+                <p:spPr bwMode="auto">
+                  <a:xfrm rot="282914">
+                    <a:off x="3075343" y="328152"/>
+                    <a:ext cx="4438650" cy="3429000"/>
+                  </a:xfrm>
+                  <a:prstGeom prst="rect">
+                    <a:avLst/>
+                  </a:prstGeom>
+                  <a:noFill/>
+                  <a:extLst>
+                    <a:ext uri="{909E8E84-426E-40DD-AFC4-6F175D3DCCD1}">
+                      <a14:hiddenFill xmlns:a14="http://schemas.microsoft.com/office/drawing/2010/main">
+                        <a:solidFill>
+                          <a:srgbClr val="FFFFFF"/>
+                        </a:solidFill>
+                      </a14:hiddenFill>
+                    </a:ext>
+                  </a:extLst>
+                </p:spPr>
+              </p:pic>
+              <p:pic>
+                <p:nvPicPr>
+                  <p:cNvPr id="10" name="Picture 2" descr="黃金礦工圖案素材| PNG和向量圖| 透明背景圖片| 免費下载- Pngtree">
+                    <a:extLst>
+                      <a:ext uri="{FF2B5EF4-FFF2-40B4-BE49-F238E27FC236}">
+                        <a16:creationId xmlns:a16="http://schemas.microsoft.com/office/drawing/2014/main" id="{3D053A14-C484-69D3-BEA3-64F23755A492}"/>
+                      </a:ext>
+                    </a:extLst>
+                  </p:cNvPr>
+                  <p:cNvPicPr>
+                    <a:picLocks noChangeAspect="1" noChangeArrowheads="1"/>
+                  </p:cNvPicPr>
+                  <p:nvPr/>
+                </p:nvPicPr>
+                <p:blipFill rotWithShape="1">
+                  <a:blip r:embed="rId5">
+                    <a:extLst>
+                      <a:ext uri="{BEBA8EAE-BF5A-486C-A8C5-ECC9F3942E4B}">
+                        <a14:imgProps xmlns:a14="http://schemas.microsoft.com/office/drawing/2010/main">
+                          <a14:imgLayer r:embed="rId6">
+                            <a14:imgEffect>
+                              <a14:backgroundRemoval t="0" b="100000" l="0" r="100000">
+                                <a14:backgroundMark x1="13734" y1="41667" x2="35408" y2="18056"/>
+                                <a14:backgroundMark x1="29185" y1="40278" x2="57511" y2="47500"/>
+                                <a14:backgroundMark x1="30258" y1="14167" x2="15236" y2="22222"/>
+                                <a14:backgroundMark x1="22103" y1="16944" x2="26395" y2="8333"/>
+                                <a14:backgroundMark x1="31974" y1="6944" x2="35408" y2="6944"/>
+                                <a14:backgroundMark x1="36481" y1="16944" x2="40987" y2="26667"/>
+                                <a14:backgroundMark x1="5365" y1="37500" x2="8798" y2="49444"/>
+                                <a14:backgroundMark x1="2361" y1="58056" x2="13090" y2="48333"/>
+                                <a14:backgroundMark x1="11373" y1="53056" x2="23820" y2="44722"/>
+                                <a14:backgroundMark x1="39270" y1="33056" x2="53648" y2="31389"/>
+                                <a14:backgroundMark x1="39914" y1="40000" x2="59871" y2="40833"/>
+                                <a14:backgroundMark x1="62232" y1="45833" x2="69742" y2="53056"/>
+                              </a14:backgroundRemoval>
+                            </a14:imgEffect>
+                          </a14:imgLayer>
+                        </a14:imgProps>
+                      </a:ext>
+                      <a:ext uri="{28A0092B-C50C-407E-A947-70E740481C1C}">
+                        <a14:useLocalDpi xmlns:a14="http://schemas.microsoft.com/office/drawing/2010/main" val="0"/>
+                      </a:ext>
+                    </a:extLst>
+                  </a:blip>
+                  <a:srcRect t="31800"/>
+                  <a:stretch/>
+                </p:blipFill>
+                <p:spPr bwMode="auto">
+                  <a:xfrm flipH="1">
+                    <a:off x="4380749" y="30974"/>
+                    <a:ext cx="4438650" cy="2338569"/>
+                  </a:xfrm>
+                  <a:prstGeom prst="rect">
+                    <a:avLst/>
+                  </a:prstGeom>
+                  <a:noFill/>
+                  <a:extLst>
+                    <a:ext uri="{909E8E84-426E-40DD-AFC4-6F175D3DCCD1}">
+                      <a14:hiddenFill xmlns:a14="http://schemas.microsoft.com/office/drawing/2010/main">
+                        <a:solidFill>
+                          <a:srgbClr val="FFFFFF"/>
+                        </a:solidFill>
+                      </a14:hiddenFill>
+                    </a:ext>
+                  </a:extLst>
+                </p:spPr>
+              </p:pic>
+              <p:pic>
+                <p:nvPicPr>
+                  <p:cNvPr id="1026" name="Picture 2" descr="黃金礦工圖案素材| PNG和向量圖| 透明背景圖片| 免費下载- Pngtree">
+                    <a:extLst>
+                      <a:ext uri="{FF2B5EF4-FFF2-40B4-BE49-F238E27FC236}">
+                        <a16:creationId xmlns:a16="http://schemas.microsoft.com/office/drawing/2014/main" id="{94B92D5E-5300-23B8-41D4-896A6750C943}"/>
+                      </a:ext>
+                    </a:extLst>
+                  </p:cNvPr>
+                  <p:cNvPicPr>
+                    <a:picLocks noChangeAspect="1" noChangeArrowheads="1"/>
+                  </p:cNvPicPr>
+                  <p:nvPr/>
+                </p:nvPicPr>
+                <p:blipFill>
+                  <a:blip r:embed="rId7">
+                    <a:extLst>
+                      <a:ext uri="{BEBA8EAE-BF5A-486C-A8C5-ECC9F3942E4B}">
+                        <a14:imgProps xmlns:a14="http://schemas.microsoft.com/office/drawing/2010/main">
+                          <a14:imgLayer r:embed="rId6">
+                            <a14:imgEffect>
+                              <a14:backgroundRemoval t="0" b="100000" l="0" r="100000"/>
+                            </a14:imgEffect>
+                          </a14:imgLayer>
+                        </a14:imgProps>
+                      </a:ext>
+                      <a:ext uri="{28A0092B-C50C-407E-A947-70E740481C1C}">
+                        <a14:useLocalDpi xmlns:a14="http://schemas.microsoft.com/office/drawing/2010/main" val="0"/>
+                      </a:ext>
+                    </a:extLst>
+                  </a:blip>
+                  <a:srcRect/>
+                  <a:stretch>
+                    <a:fillRect/>
+                  </a:stretch>
+                </p:blipFill>
+                <p:spPr bwMode="auto">
+                  <a:xfrm>
+                    <a:off x="1457433" y="2228741"/>
+                    <a:ext cx="4438650" cy="3429000"/>
+                  </a:xfrm>
+                  <a:prstGeom prst="rect">
+                    <a:avLst/>
+                  </a:prstGeom>
+                  <a:noFill/>
+                  <a:extLst>
+                    <a:ext uri="{909E8E84-426E-40DD-AFC4-6F175D3DCCD1}">
+                      <a14:hiddenFill xmlns:a14="http://schemas.microsoft.com/office/drawing/2010/main">
+                        <a:solidFill>
+                          <a:srgbClr val="FFFFFF"/>
+                        </a:solidFill>
+                      </a14:hiddenFill>
+                    </a:ext>
+                  </a:extLst>
+                </p:spPr>
+              </p:pic>
+              <p:pic>
+                <p:nvPicPr>
+                  <p:cNvPr id="1028" name="Picture 4" descr="金礦圖案素材| PNG和向量圖| 透明背景圖片| 免費下载- Pngtree">
+                    <a:extLst>
+                      <a:ext uri="{FF2B5EF4-FFF2-40B4-BE49-F238E27FC236}">
+                        <a16:creationId xmlns:a16="http://schemas.microsoft.com/office/drawing/2014/main" id="{3037FC3C-63FA-7AD0-1046-BFC28248E369}"/>
+                      </a:ext>
+                    </a:extLst>
+                  </p:cNvPr>
+                  <p:cNvPicPr>
+                    <a:picLocks noChangeAspect="1" noChangeArrowheads="1"/>
+                  </p:cNvPicPr>
+                  <p:nvPr/>
+                </p:nvPicPr>
+                <p:blipFill>
+                  <a:blip r:embed="rId8">
+                    <a:extLst>
+                      <a:ext uri="{BEBA8EAE-BF5A-486C-A8C5-ECC9F3942E4B}">
+                        <a14:imgProps xmlns:a14="http://schemas.microsoft.com/office/drawing/2010/main">
+                          <a14:imgLayer r:embed="rId4">
+                            <a14:imgEffect>
+                              <a14:backgroundRemoval t="833" b="100000" l="0" r="100000">
+                                <a14:foregroundMark x1="38442" y1="10556" x2="44472" y2="10556"/>
+                                <a14:foregroundMark x1="39950" y1="7778" x2="36432" y2="7778"/>
+                                <a14:foregroundMark x1="11558" y1="80556" x2="15075" y2="79167"/>
+                              </a14:backgroundRemoval>
+                            </a14:imgEffect>
+                          </a14:imgLayer>
+                        </a14:imgProps>
+                      </a:ext>
+                      <a:ext uri="{28A0092B-C50C-407E-A947-70E740481C1C}">
+                        <a14:useLocalDpi xmlns:a14="http://schemas.microsoft.com/office/drawing/2010/main" val="0"/>
+                      </a:ext>
+                    </a:extLst>
+                  </a:blip>
+                  <a:srcRect/>
+                  <a:stretch>
+                    <a:fillRect/>
+                  </a:stretch>
+                </p:blipFill>
+                <p:spPr bwMode="auto">
+                  <a:xfrm>
+                    <a:off x="7777887" y="2705880"/>
+                    <a:ext cx="3790950" cy="3429000"/>
+                  </a:xfrm>
+                  <a:prstGeom prst="rect">
+                    <a:avLst/>
+                  </a:prstGeom>
+                  <a:noFill/>
+                  <a:extLst>
+                    <a:ext uri="{909E8E84-426E-40DD-AFC4-6F175D3DCCD1}">
+                      <a14:hiddenFill xmlns:a14="http://schemas.microsoft.com/office/drawing/2010/main">
+                        <a:solidFill>
+                          <a:srgbClr val="FFFFFF"/>
+                        </a:solidFill>
+                      </a14:hiddenFill>
+                    </a:ext>
+                  </a:extLst>
+                </p:spPr>
+              </p:pic>
+              <p:pic>
+                <p:nvPicPr>
+                  <p:cNvPr id="4" name="Picture 2" descr="黃金礦工圖案素材| PNG和向量圖| 透明背景圖片| 免費下载- Pngtree">
+                    <a:extLst>
+                      <a:ext uri="{FF2B5EF4-FFF2-40B4-BE49-F238E27FC236}">
+                        <a16:creationId xmlns:a16="http://schemas.microsoft.com/office/drawing/2014/main" id="{51C213F4-3C91-8B24-75F8-B0025F7DF09E}"/>
+                      </a:ext>
+                    </a:extLst>
+                  </p:cNvPr>
+                  <p:cNvPicPr>
+                    <a:picLocks noChangeAspect="1" noChangeArrowheads="1"/>
+                  </p:cNvPicPr>
+                  <p:nvPr/>
+                </p:nvPicPr>
+                <p:blipFill>
+                  <a:blip r:embed="rId7">
+                    <a:extLst>
+                      <a:ext uri="{BEBA8EAE-BF5A-486C-A8C5-ECC9F3942E4B}">
+                        <a14:imgProps xmlns:a14="http://schemas.microsoft.com/office/drawing/2010/main">
+                          <a14:imgLayer r:embed="rId6">
+                            <a14:imgEffect>
+                              <a14:backgroundRemoval t="0" b="100000" l="0" r="100000"/>
+                            </a14:imgEffect>
+                          </a14:imgLayer>
+                        </a14:imgProps>
+                      </a:ext>
+                      <a:ext uri="{28A0092B-C50C-407E-A947-70E740481C1C}">
+                        <a14:useLocalDpi xmlns:a14="http://schemas.microsoft.com/office/drawing/2010/main" val="0"/>
+                      </a:ext>
+                    </a:extLst>
+                  </a:blip>
+                  <a:srcRect/>
+                  <a:stretch>
+                    <a:fillRect/>
+                  </a:stretch>
+                </p:blipFill>
+                <p:spPr bwMode="auto">
+                  <a:xfrm>
+                    <a:off x="6067046" y="3029853"/>
+                    <a:ext cx="4438650" cy="3429000"/>
+                  </a:xfrm>
+                  <a:prstGeom prst="rect">
+                    <a:avLst/>
+                  </a:prstGeom>
+                  <a:noFill/>
+                  <a:extLst>
+                    <a:ext uri="{909E8E84-426E-40DD-AFC4-6F175D3DCCD1}">
+                      <a14:hiddenFill xmlns:a14="http://schemas.microsoft.com/office/drawing/2010/main">
+                        <a:solidFill>
+                          <a:srgbClr val="FFFFFF"/>
+                        </a:solidFill>
+                      </a14:hiddenFill>
+                    </a:ext>
+                  </a:extLst>
+                </p:spPr>
+              </p:pic>
+              <p:pic>
+                <p:nvPicPr>
+                  <p:cNvPr id="7" name="Picture 4" descr="金礦圖案素材| PNG和向量圖| 透明背景圖片| 免費下载- Pngtree">
+                    <a:extLst>
+                      <a:ext uri="{FF2B5EF4-FFF2-40B4-BE49-F238E27FC236}">
+                        <a16:creationId xmlns:a16="http://schemas.microsoft.com/office/drawing/2014/main" id="{2CA9F1ED-BDBF-9580-29D9-642BEE91E2DC}"/>
+                      </a:ext>
+                    </a:extLst>
+                  </p:cNvPr>
+                  <p:cNvPicPr>
+                    <a:picLocks noChangeAspect="1" noChangeArrowheads="1"/>
+                  </p:cNvPicPr>
+                  <p:nvPr/>
+                </p:nvPicPr>
+                <p:blipFill>
+                  <a:blip r:embed="rId8">
+                    <a:extLst>
+                      <a:ext uri="{BEBA8EAE-BF5A-486C-A8C5-ECC9F3942E4B}">
+                        <a14:imgProps xmlns:a14="http://schemas.microsoft.com/office/drawing/2010/main">
+                          <a14:imgLayer r:embed="rId4">
+                            <a14:imgEffect>
+                              <a14:backgroundRemoval t="833" b="100000" l="0" r="100000">
+                                <a14:foregroundMark x1="38442" y1="10556" x2="44472" y2="10556"/>
+                                <a14:foregroundMark x1="39950" y1="7778" x2="36432" y2="7778"/>
+                                <a14:foregroundMark x1="11558" y1="80556" x2="15075" y2="79167"/>
+                              </a14:backgroundRemoval>
+                            </a14:imgEffect>
+                          </a14:imgLayer>
+                        </a14:imgProps>
+                      </a:ext>
+                      <a:ext uri="{28A0092B-C50C-407E-A947-70E740481C1C}">
+                        <a14:useLocalDpi xmlns:a14="http://schemas.microsoft.com/office/drawing/2010/main" val="0"/>
+                      </a:ext>
+                    </a:extLst>
+                  </a:blip>
+                  <a:srcRect/>
+                  <a:stretch>
+                    <a:fillRect/>
+                  </a:stretch>
+                </p:blipFill>
+                <p:spPr bwMode="auto">
+                  <a:xfrm>
+                    <a:off x="5252851" y="813558"/>
+                    <a:ext cx="3790950" cy="3429000"/>
+                  </a:xfrm>
+                  <a:prstGeom prst="rect">
+                    <a:avLst/>
+                  </a:prstGeom>
+                  <a:noFill/>
+                  <a:extLst>
+                    <a:ext uri="{909E8E84-426E-40DD-AFC4-6F175D3DCCD1}">
+                      <a14:hiddenFill xmlns:a14="http://schemas.microsoft.com/office/drawing/2010/main">
+                        <a:solidFill>
+                          <a:srgbClr val="FFFFFF"/>
+                        </a:solidFill>
+                      </a14:hiddenFill>
+                    </a:ext>
+                  </a:extLst>
+                </p:spPr>
+              </p:pic>
+              <p:pic>
+                <p:nvPicPr>
+                  <p:cNvPr id="9" name="Picture 4" descr="金礦圖案素材| PNG和向量圖| 透明背景圖片| 免費下载- Pngtree">
+                    <a:extLst>
+                      <a:ext uri="{FF2B5EF4-FFF2-40B4-BE49-F238E27FC236}">
+                        <a16:creationId xmlns:a16="http://schemas.microsoft.com/office/drawing/2014/main" id="{51C96555-269F-E5B0-F38C-C93CD5A2D19A}"/>
+                      </a:ext>
+                    </a:extLst>
+                  </p:cNvPr>
+                  <p:cNvPicPr>
+                    <a:picLocks noChangeAspect="1" noChangeArrowheads="1"/>
+                  </p:cNvPicPr>
+                  <p:nvPr/>
+                </p:nvPicPr>
+                <p:blipFill>
+                  <a:blip r:embed="rId8">
+                    <a:extLst>
+                      <a:ext uri="{BEBA8EAE-BF5A-486C-A8C5-ECC9F3942E4B}">
+                        <a14:imgProps xmlns:a14="http://schemas.microsoft.com/office/drawing/2010/main">
+                          <a14:imgLayer r:embed="rId4">
+                            <a14:imgEffect>
+                              <a14:backgroundRemoval t="833" b="100000" l="0" r="100000">
+                                <a14:foregroundMark x1="38442" y1="10556" x2="44472" y2="10556"/>
+                                <a14:foregroundMark x1="39950" y1="7778" x2="36432" y2="7778"/>
+                                <a14:foregroundMark x1="11558" y1="80556" x2="15075" y2="79167"/>
+                              </a14:backgroundRemoval>
+                            </a14:imgEffect>
+                          </a14:imgLayer>
+                        </a14:imgProps>
+                      </a:ext>
+                      <a:ext uri="{28A0092B-C50C-407E-A947-70E740481C1C}">
+                        <a14:useLocalDpi xmlns:a14="http://schemas.microsoft.com/office/drawing/2010/main" val="0"/>
+                      </a:ext>
+                    </a:extLst>
+                  </a:blip>
+                  <a:srcRect/>
+                  <a:stretch>
+                    <a:fillRect/>
+                  </a:stretch>
+                </p:blipFill>
+                <p:spPr bwMode="auto">
+                  <a:xfrm>
+                    <a:off x="1044366" y="813558"/>
+                    <a:ext cx="3790950" cy="3429000"/>
+                  </a:xfrm>
+                  <a:prstGeom prst="rect">
+                    <a:avLst/>
+                  </a:prstGeom>
+                  <a:noFill/>
+                  <a:extLst>
+                    <a:ext uri="{909E8E84-426E-40DD-AFC4-6F175D3DCCD1}">
+                      <a14:hiddenFill xmlns:a14="http://schemas.microsoft.com/office/drawing/2010/main">
+                        <a:solidFill>
+                          <a:srgbClr val="FFFFFF"/>
+                        </a:solidFill>
+                      </a14:hiddenFill>
+                    </a:ext>
+                  </a:extLst>
+                </p:spPr>
+              </p:pic>
+              <p:pic>
+                <p:nvPicPr>
+                  <p:cNvPr id="16" name="Picture 2" descr="黃金礦工圖案素材| PNG和向量圖| 透明背景圖片| 免費下载- Pngtree">
+                    <a:extLst>
+                      <a:ext uri="{FF2B5EF4-FFF2-40B4-BE49-F238E27FC236}">
+                        <a16:creationId xmlns:a16="http://schemas.microsoft.com/office/drawing/2014/main" id="{5C0C63C8-77E1-46B8-BFE5-C70E0147F413}"/>
+                      </a:ext>
+                    </a:extLst>
+                  </p:cNvPr>
+                  <p:cNvPicPr>
+                    <a:picLocks noChangeAspect="1" noChangeArrowheads="1"/>
+                  </p:cNvPicPr>
+                  <p:nvPr/>
+                </p:nvPicPr>
+                <p:blipFill rotWithShape="1">
+                  <a:blip r:embed="rId5">
+                    <a:extLst>
+                      <a:ext uri="{BEBA8EAE-BF5A-486C-A8C5-ECC9F3942E4B}">
+                        <a14:imgProps xmlns:a14="http://schemas.microsoft.com/office/drawing/2010/main">
+                          <a14:imgLayer r:embed="rId6">
+                            <a14:imgEffect>
+                              <a14:backgroundRemoval t="0" b="100000" l="0" r="100000">
+                                <a14:backgroundMark x1="13734" y1="41667" x2="35408" y2="18056"/>
+                                <a14:backgroundMark x1="29185" y1="40278" x2="57511" y2="47500"/>
+                                <a14:backgroundMark x1="30258" y1="14167" x2="15236" y2="22222"/>
+                                <a14:backgroundMark x1="22103" y1="16944" x2="26395" y2="8333"/>
+                                <a14:backgroundMark x1="31974" y1="6944" x2="35408" y2="6944"/>
+                                <a14:backgroundMark x1="36481" y1="16944" x2="40987" y2="26667"/>
+                                <a14:backgroundMark x1="5365" y1="37500" x2="8798" y2="49444"/>
+                                <a14:backgroundMark x1="2361" y1="58056" x2="13090" y2="48333"/>
+                                <a14:backgroundMark x1="11373" y1="53056" x2="23820" y2="44722"/>
+                                <a14:backgroundMark x1="39270" y1="33056" x2="53648" y2="31389"/>
+                                <a14:backgroundMark x1="39914" y1="40000" x2="59871" y2="40833"/>
+                                <a14:backgroundMark x1="62232" y1="45833" x2="69742" y2="53056"/>
+                              </a14:backgroundRemoval>
+                            </a14:imgEffect>
+                          </a14:imgLayer>
+                        </a14:imgProps>
+                      </a:ext>
+                      <a:ext uri="{28A0092B-C50C-407E-A947-70E740481C1C}">
+                        <a14:useLocalDpi xmlns:a14="http://schemas.microsoft.com/office/drawing/2010/main" val="0"/>
+                      </a:ext>
+                    </a:extLst>
+                  </a:blip>
+                  <a:srcRect t="31800"/>
+                  <a:stretch/>
+                </p:blipFill>
+                <p:spPr bwMode="auto">
+                  <a:xfrm flipH="1">
+                    <a:off x="6732866" y="413555"/>
+                    <a:ext cx="4438650" cy="2338569"/>
+                  </a:xfrm>
+                  <a:prstGeom prst="rect">
+                    <a:avLst/>
+                  </a:prstGeom>
+                  <a:noFill/>
+                  <a:extLst>
+                    <a:ext uri="{909E8E84-426E-40DD-AFC4-6F175D3DCCD1}">
+                      <a14:hiddenFill xmlns:a14="http://schemas.microsoft.com/office/drawing/2010/main">
+                        <a:solidFill>
+                          <a:srgbClr val="FFFFFF"/>
+                        </a:solidFill>
+                      </a14:hiddenFill>
+                    </a:ext>
+                  </a:extLst>
+                </p:spPr>
+              </p:pic>
+              <p:pic>
+                <p:nvPicPr>
+                  <p:cNvPr id="17" name="Picture 2" descr="黃金礦工圖案素材| PNG和向量圖| 透明背景圖片| 免費下载- Pngtree">
+                    <a:extLst>
+                      <a:ext uri="{FF2B5EF4-FFF2-40B4-BE49-F238E27FC236}">
+                        <a16:creationId xmlns:a16="http://schemas.microsoft.com/office/drawing/2014/main" id="{6F9870F1-1D84-BE5E-DF60-85EDE8FC26E3}"/>
+                      </a:ext>
+                    </a:extLst>
+                  </p:cNvPr>
+                  <p:cNvPicPr>
+                    <a:picLocks noChangeAspect="1" noChangeArrowheads="1"/>
+                  </p:cNvPicPr>
+                  <p:nvPr/>
+                </p:nvPicPr>
+                <p:blipFill rotWithShape="1">
+                  <a:blip r:embed="rId5">
+                    <a:extLst>
+                      <a:ext uri="{BEBA8EAE-BF5A-486C-A8C5-ECC9F3942E4B}">
+                        <a14:imgProps xmlns:a14="http://schemas.microsoft.com/office/drawing/2010/main">
+                          <a14:imgLayer r:embed="rId6">
+                            <a14:imgEffect>
+                              <a14:backgroundRemoval t="0" b="100000" l="0" r="100000">
+                                <a14:backgroundMark x1="13734" y1="41667" x2="35408" y2="18056"/>
+                                <a14:backgroundMark x1="29185" y1="40278" x2="57511" y2="47500"/>
+                                <a14:backgroundMark x1="30258" y1="14167" x2="15236" y2="22222"/>
+                                <a14:backgroundMark x1="22103" y1="16944" x2="26395" y2="8333"/>
+                                <a14:backgroundMark x1="31974" y1="6944" x2="35408" y2="6944"/>
+                                <a14:backgroundMark x1="36481" y1="16944" x2="40987" y2="26667"/>
+                                <a14:backgroundMark x1="5365" y1="37500" x2="8798" y2="49444"/>
+                                <a14:backgroundMark x1="2361" y1="58056" x2="13090" y2="48333"/>
+                                <a14:backgroundMark x1="11373" y1="53056" x2="23820" y2="44722"/>
+                                <a14:backgroundMark x1="39270" y1="33056" x2="53648" y2="31389"/>
+                                <a14:backgroundMark x1="39914" y1="40000" x2="59871" y2="40833"/>
+                                <a14:backgroundMark x1="62232" y1="45833" x2="69742" y2="53056"/>
+                              </a14:backgroundRemoval>
+                            </a14:imgEffect>
+                          </a14:imgLayer>
+                        </a14:imgProps>
+                      </a:ext>
+                      <a:ext uri="{28A0092B-C50C-407E-A947-70E740481C1C}">
+                        <a14:useLocalDpi xmlns:a14="http://schemas.microsoft.com/office/drawing/2010/main" val="0"/>
+                      </a:ext>
+                    </a:extLst>
+                  </a:blip>
+                  <a:srcRect t="31800"/>
+                  <a:stretch/>
+                </p:blipFill>
+                <p:spPr bwMode="auto">
+                  <a:xfrm flipH="1">
+                    <a:off x="7170563" y="1304179"/>
+                    <a:ext cx="4438650" cy="2338569"/>
+                  </a:xfrm>
+                  <a:prstGeom prst="rect">
+                    <a:avLst/>
+                  </a:prstGeom>
+                  <a:noFill/>
+                  <a:extLst>
+                    <a:ext uri="{909E8E84-426E-40DD-AFC4-6F175D3DCCD1}">
+                      <a14:hiddenFill xmlns:a14="http://schemas.microsoft.com/office/drawing/2010/main">
+                        <a:solidFill>
+                          <a:srgbClr val="FFFFFF"/>
+                        </a:solidFill>
+                      </a14:hiddenFill>
+                    </a:ext>
+                  </a:extLst>
+                </p:spPr>
+              </p:pic>
+              <p:pic>
+                <p:nvPicPr>
+                  <p:cNvPr id="18" name="Picture 2" descr="黃金礦工圖案素材| PNG和向量圖| 透明背景圖片| 免費下载- Pngtree">
+                    <a:extLst>
+                      <a:ext uri="{FF2B5EF4-FFF2-40B4-BE49-F238E27FC236}">
+                        <a16:creationId xmlns:a16="http://schemas.microsoft.com/office/drawing/2014/main" id="{001CF6AB-95A8-62D5-0020-6EF5CA32F416}"/>
+                      </a:ext>
+                    </a:extLst>
+                  </p:cNvPr>
+                  <p:cNvPicPr>
+                    <a:picLocks noChangeAspect="1" noChangeArrowheads="1"/>
+                  </p:cNvPicPr>
+                  <p:nvPr/>
+                </p:nvPicPr>
+                <p:blipFill rotWithShape="1">
+                  <a:blip r:embed="rId5">
+                    <a:extLst>
+                      <a:ext uri="{BEBA8EAE-BF5A-486C-A8C5-ECC9F3942E4B}">
+                        <a14:imgProps xmlns:a14="http://schemas.microsoft.com/office/drawing/2010/main">
+                          <a14:imgLayer r:embed="rId6">
+                            <a14:imgEffect>
+                              <a14:backgroundRemoval t="0" b="100000" l="0" r="100000">
+                                <a14:backgroundMark x1="13734" y1="41667" x2="35408" y2="18056"/>
+                                <a14:backgroundMark x1="29185" y1="40278" x2="57511" y2="47500"/>
+                                <a14:backgroundMark x1="30258" y1="14167" x2="15236" y2="22222"/>
+                                <a14:backgroundMark x1="22103" y1="16944" x2="26395" y2="8333"/>
+                                <a14:backgroundMark x1="31974" y1="6944" x2="35408" y2="6944"/>
+                                <a14:backgroundMark x1="36481" y1="16944" x2="40987" y2="26667"/>
+                                <a14:backgroundMark x1="5365" y1="37500" x2="8798" y2="49444"/>
+                                <a14:backgroundMark x1="2361" y1="58056" x2="13090" y2="48333"/>
+                                <a14:backgroundMark x1="11373" y1="53056" x2="23820" y2="44722"/>
+                                <a14:backgroundMark x1="39270" y1="33056" x2="53648" y2="31389"/>
+                                <a14:backgroundMark x1="39914" y1="40000" x2="59871" y2="40833"/>
+                                <a14:backgroundMark x1="62232" y1="45833" x2="69742" y2="53056"/>
+                              </a14:backgroundRemoval>
+                            </a14:imgEffect>
+                          </a14:imgLayer>
+                        </a14:imgProps>
+                      </a:ext>
+                      <a:ext uri="{28A0092B-C50C-407E-A947-70E740481C1C}">
+                        <a14:useLocalDpi xmlns:a14="http://schemas.microsoft.com/office/drawing/2010/main" val="0"/>
+                      </a:ext>
+                    </a:extLst>
+                  </a:blip>
+                  <a:srcRect t="31800"/>
+                  <a:stretch/>
+                </p:blipFill>
+                <p:spPr bwMode="auto">
+                  <a:xfrm flipH="1">
+                    <a:off x="7450838" y="2093595"/>
+                    <a:ext cx="4438650" cy="2338569"/>
+                  </a:xfrm>
+                  <a:prstGeom prst="rect">
+                    <a:avLst/>
+                  </a:prstGeom>
+                  <a:noFill/>
+                  <a:extLst>
+                    <a:ext uri="{909E8E84-426E-40DD-AFC4-6F175D3DCCD1}">
+                      <a14:hiddenFill xmlns:a14="http://schemas.microsoft.com/office/drawing/2010/main">
+                        <a:solidFill>
+                          <a:srgbClr val="FFFFFF"/>
+                        </a:solidFill>
+                      </a14:hiddenFill>
+                    </a:ext>
+                  </a:extLst>
+                </p:spPr>
+              </p:pic>
+            </p:grpSp>
+            <p:pic>
+              <p:nvPicPr>
+                <p:cNvPr id="19" name="Picture 2" descr="黃金礦工圖案素材| PNG和向量圖| 透明背景圖片| 免費下载- Pngtree">
+                  <a:extLst>
+                    <a:ext uri="{FF2B5EF4-FFF2-40B4-BE49-F238E27FC236}">
+                      <a16:creationId xmlns:a16="http://schemas.microsoft.com/office/drawing/2014/main" id="{C21BDE88-4A69-7FC4-8F35-91C5DB67C4D3}"/>
+                    </a:ext>
+                  </a:extLst>
+                </p:cNvPr>
+                <p:cNvPicPr>
+                  <a:picLocks noChangeAspect="1" noChangeArrowheads="1"/>
+                </p:cNvPicPr>
+                <p:nvPr/>
+              </p:nvPicPr>
+              <p:blipFill rotWithShape="1">
+                <a:blip r:embed="rId5">
+                  <a:extLst>
+                    <a:ext uri="{BEBA8EAE-BF5A-486C-A8C5-ECC9F3942E4B}">
+                      <a14:imgProps xmlns:a14="http://schemas.microsoft.com/office/drawing/2010/main">
+                        <a14:imgLayer r:embed="rId6">
+                          <a14:imgEffect>
+                            <a14:backgroundRemoval t="0" b="100000" l="0" r="100000">
+                              <a14:backgroundMark x1="13734" y1="41667" x2="35408" y2="18056"/>
+                              <a14:backgroundMark x1="29185" y1="40278" x2="57511" y2="47500"/>
+                              <a14:backgroundMark x1="30258" y1="14167" x2="15236" y2="22222"/>
+                              <a14:backgroundMark x1="22103" y1="16944" x2="26395" y2="8333"/>
+                              <a14:backgroundMark x1="31974" y1="6944" x2="35408" y2="6944"/>
+                              <a14:backgroundMark x1="36481" y1="16944" x2="40987" y2="26667"/>
+                              <a14:backgroundMark x1="5365" y1="37500" x2="8798" y2="49444"/>
+                              <a14:backgroundMark x1="2361" y1="58056" x2="13090" y2="48333"/>
+                              <a14:backgroundMark x1="11373" y1="53056" x2="23820" y2="44722"/>
+                              <a14:backgroundMark x1="39270" y1="33056" x2="53648" y2="31389"/>
+                              <a14:backgroundMark x1="39914" y1="40000" x2="59871" y2="40833"/>
+                              <a14:backgroundMark x1="62232" y1="45833" x2="69742" y2="53056"/>
+                            </a14:backgroundRemoval>
+                          </a14:imgEffect>
+                        </a14:imgLayer>
+                      </a14:imgProps>
+                    </a:ext>
+                    <a:ext uri="{28A0092B-C50C-407E-A947-70E740481C1C}">
+                      <a14:useLocalDpi xmlns:a14="http://schemas.microsoft.com/office/drawing/2010/main" val="0"/>
+                    </a:ext>
+                  </a:extLst>
+                </a:blip>
+                <a:srcRect t="31800"/>
+                <a:stretch/>
+              </p:blipFill>
+              <p:spPr bwMode="auto">
+                <a:xfrm flipH="1">
+                  <a:off x="6558574" y="-555728"/>
+                  <a:ext cx="4438650" cy="2338569"/>
+                </a:xfrm>
+                <a:prstGeom prst="rect">
+                  <a:avLst/>
+                </a:prstGeom>
+                <a:noFill/>
+                <a:extLst>
+                  <a:ext uri="{909E8E84-426E-40DD-AFC4-6F175D3DCCD1}">
+                    <a14:hiddenFill xmlns:a14="http://schemas.microsoft.com/office/drawing/2010/main">
+                      <a:solidFill>
+                        <a:srgbClr val="FFFFFF"/>
+                      </a:solidFill>
+                    </a14:hiddenFill>
+                  </a:ext>
+                </a:extLst>
+              </p:spPr>
+            </p:pic>
+            <p:pic>
+              <p:nvPicPr>
+                <p:cNvPr id="20" name="Picture 2" descr="黃金礦工圖案素材| PNG和向量圖| 透明背景圖片| 免費下载- Pngtree">
+                  <a:extLst>
+                    <a:ext uri="{FF2B5EF4-FFF2-40B4-BE49-F238E27FC236}">
+                      <a16:creationId xmlns:a16="http://schemas.microsoft.com/office/drawing/2014/main" id="{4DBB883C-4461-3A23-1E85-19B32E15FBBB}"/>
+                    </a:ext>
+                  </a:extLst>
+                </p:cNvPr>
+                <p:cNvPicPr>
+                  <a:picLocks noChangeAspect="1" noChangeArrowheads="1"/>
+                </p:cNvPicPr>
+                <p:nvPr/>
+              </p:nvPicPr>
+              <p:blipFill rotWithShape="1">
+                <a:blip r:embed="rId5">
+                  <a:extLst>
+                    <a:ext uri="{BEBA8EAE-BF5A-486C-A8C5-ECC9F3942E4B}">
+                      <a14:imgProps xmlns:a14="http://schemas.microsoft.com/office/drawing/2010/main">
+                        <a14:imgLayer r:embed="rId6">
+                          <a14:imgEffect>
+                            <a14:backgroundRemoval t="0" b="100000" l="0" r="100000">
+                              <a14:backgroundMark x1="13734" y1="41667" x2="35408" y2="18056"/>
+                              <a14:backgroundMark x1="29185" y1="40278" x2="57511" y2="47500"/>
+                              <a14:backgroundMark x1="30258" y1="14167" x2="15236" y2="22222"/>
+                              <a14:backgroundMark x1="22103" y1="16944" x2="26395" y2="8333"/>
+                              <a14:backgroundMark x1="31974" y1="6944" x2="35408" y2="6944"/>
+                              <a14:backgroundMark x1="36481" y1="16944" x2="40987" y2="26667"/>
+                              <a14:backgroundMark x1="5365" y1="37500" x2="8798" y2="49444"/>
+                              <a14:backgroundMark x1="2361" y1="58056" x2="13090" y2="48333"/>
+                              <a14:backgroundMark x1="11373" y1="53056" x2="23820" y2="44722"/>
+                              <a14:backgroundMark x1="39270" y1="33056" x2="53648" y2="31389"/>
+                              <a14:backgroundMark x1="39914" y1="40000" x2="59871" y2="40833"/>
+                              <a14:backgroundMark x1="62232" y1="45833" x2="69742" y2="53056"/>
+                            </a14:backgroundRemoval>
+                          </a14:imgEffect>
+                        </a14:imgLayer>
+                      </a14:imgProps>
+                    </a:ext>
+                    <a:ext uri="{28A0092B-C50C-407E-A947-70E740481C1C}">
+                      <a14:useLocalDpi xmlns:a14="http://schemas.microsoft.com/office/drawing/2010/main" val="0"/>
+                    </a:ext>
+                  </a:extLst>
+                </a:blip>
+                <a:srcRect t="31800"/>
+                <a:stretch/>
+              </p:blipFill>
+              <p:spPr bwMode="auto">
+                <a:xfrm flipH="1">
+                  <a:off x="3773534" y="-585272"/>
+                  <a:ext cx="4438650" cy="2338569"/>
+                </a:xfrm>
+                <a:prstGeom prst="rect">
+                  <a:avLst/>
+                </a:prstGeom>
+                <a:noFill/>
+                <a:extLst>
+                  <a:ext uri="{909E8E84-426E-40DD-AFC4-6F175D3DCCD1}">
+                    <a14:hiddenFill xmlns:a14="http://schemas.microsoft.com/office/drawing/2010/main">
+                      <a:solidFill>
+                        <a:srgbClr val="FFFFFF"/>
+                      </a:solidFill>
+                    </a14:hiddenFill>
+                  </a:ext>
+                </a:extLst>
+              </p:spPr>
+            </p:pic>
+            <p:pic>
+              <p:nvPicPr>
+                <p:cNvPr id="21" name="Picture 2" descr="黃金礦工圖案素材| PNG和向量圖| 透明背景圖片| 免費下载- Pngtree">
+                  <a:extLst>
+                    <a:ext uri="{FF2B5EF4-FFF2-40B4-BE49-F238E27FC236}">
+                      <a16:creationId xmlns:a16="http://schemas.microsoft.com/office/drawing/2014/main" id="{692F0874-F2DD-1E08-C740-7F08A984F7AF}"/>
+                    </a:ext>
+                  </a:extLst>
+                </p:cNvPr>
+                <p:cNvPicPr>
+                  <a:picLocks noChangeAspect="1" noChangeArrowheads="1"/>
+                </p:cNvPicPr>
+                <p:nvPr/>
+              </p:nvPicPr>
+              <p:blipFill rotWithShape="1">
+                <a:blip r:embed="rId5">
+                  <a:extLst>
+                    <a:ext uri="{BEBA8EAE-BF5A-486C-A8C5-ECC9F3942E4B}">
+                      <a14:imgProps xmlns:a14="http://schemas.microsoft.com/office/drawing/2010/main">
+                        <a14:imgLayer r:embed="rId6">
+                          <a14:imgEffect>
+                            <a14:backgroundRemoval t="0" b="100000" l="0" r="100000">
+                              <a14:backgroundMark x1="13734" y1="41667" x2="35408" y2="18056"/>
+                              <a14:backgroundMark x1="29185" y1="40278" x2="57511" y2="47500"/>
+                              <a14:backgroundMark x1="30258" y1="14167" x2="15236" y2="22222"/>
+                              <a14:backgroundMark x1="22103" y1="16944" x2="26395" y2="8333"/>
+                              <a14:backgroundMark x1="31974" y1="6944" x2="35408" y2="6944"/>
+                              <a14:backgroundMark x1="36481" y1="16944" x2="40987" y2="26667"/>
+                              <a14:backgroundMark x1="5365" y1="37500" x2="8798" y2="49444"/>
+                              <a14:backgroundMark x1="2361" y1="58056" x2="13090" y2="48333"/>
+                              <a14:backgroundMark x1="11373" y1="53056" x2="23820" y2="44722"/>
+                              <a14:backgroundMark x1="39270" y1="33056" x2="53648" y2="31389"/>
+                              <a14:backgroundMark x1="39914" y1="40000" x2="59871" y2="40833"/>
+                              <a14:backgroundMark x1="62232" y1="45833" x2="69742" y2="53056"/>
+                            </a14:backgroundRemoval>
+                          </a14:imgEffect>
+                        </a14:imgLayer>
+                      </a14:imgProps>
+                    </a:ext>
+                    <a:ext uri="{28A0092B-C50C-407E-A947-70E740481C1C}">
+                      <a14:useLocalDpi xmlns:a14="http://schemas.microsoft.com/office/drawing/2010/main" val="0"/>
+                    </a:ext>
+                  </a:extLst>
+                </a:blip>
+                <a:srcRect t="31800"/>
+                <a:stretch/>
+              </p:blipFill>
+              <p:spPr bwMode="auto">
+                <a:xfrm flipH="1">
+                  <a:off x="1467063" y="-614816"/>
+                  <a:ext cx="4438650" cy="2338569"/>
+                </a:xfrm>
+                <a:prstGeom prst="rect">
+                  <a:avLst/>
+                </a:prstGeom>
+                <a:noFill/>
+                <a:extLst>
+                  <a:ext uri="{909E8E84-426E-40DD-AFC4-6F175D3DCCD1}">
+                    <a14:hiddenFill xmlns:a14="http://schemas.microsoft.com/office/drawing/2010/main">
+                      <a:solidFill>
+                        <a:srgbClr val="FFFFFF"/>
+                      </a:solidFill>
+                    </a14:hiddenFill>
+                  </a:ext>
+                </a:extLst>
+              </p:spPr>
+            </p:pic>
+          </p:grpSp>
+        </p:grpSp>
+      </p:grpSp>
+    </p:spTree>
+    <p:extLst>
+      <p:ext uri="{BB962C8B-B14F-4D97-AF65-F5344CB8AC3E}">
+        <p14:creationId xmlns:p14="http://schemas.microsoft.com/office/powerpoint/2010/main" val="1953171107"/>
+      </p:ext>
+    </p:extLst>
+  </p:cSld>
+  <p:clrMapOvr>
+    <a:masterClrMapping/>
+  </p:clrMapOvr>
+</p:sld>
+</file>
+
+<file path=ppt/slides/slide8.xml><?xml version="1.0" encoding="utf-8"?>
+<p:sld xmlns:a="http://schemas.openxmlformats.org/drawingml/2006/main" xmlns:r="http://schemas.openxmlformats.org/officeDocument/2006/relationships" xmlns:p="http://schemas.openxmlformats.org/presentationml/2006/main">
+  <p:cSld>
+    <p:spTree>
+      <p:nvGrpSpPr>
+        <p:cNvPr id="1" name=""/>
+        <p:cNvGrpSpPr/>
+        <p:nvPr/>
+      </p:nvGrpSpPr>
+      <p:grpSpPr>
+        <a:xfrm>
+          <a:off x="0" y="0"/>
+          <a:ext cx="0" cy="0"/>
+          <a:chOff x="0" y="0"/>
+          <a:chExt cx="0" cy="0"/>
+        </a:xfrm>
+      </p:grpSpPr>
+      <p:pic>
+        <p:nvPicPr>
+          <p:cNvPr id="7" name="圖片 6">
+            <a:extLst>
+              <a:ext uri="{FF2B5EF4-FFF2-40B4-BE49-F238E27FC236}">
+                <a16:creationId xmlns:a16="http://schemas.microsoft.com/office/drawing/2014/main" id="{EA1EC67F-16C6-EA99-2262-228B4CBCCB63}"/>
+              </a:ext>
+            </a:extLst>
+          </p:cNvPr>
+          <p:cNvPicPr>
+            <a:picLocks/>
+          </p:cNvPicPr>
+          <p:nvPr/>
+        </p:nvPicPr>
+        <p:blipFill rotWithShape="1">
+          <a:blip r:embed="rId3">
+            <a:extLst>
+              <a:ext uri="{BEBA8EAE-BF5A-486C-A8C5-ECC9F3942E4B}">
+                <a14:imgProps xmlns:a14="http://schemas.microsoft.com/office/drawing/2010/main">
+                  <a14:imgLayer r:embed="rId4">
+                    <a14:imgEffect>
+                      <a14:artisticCrisscrossEtching/>
+                    </a14:imgEffect>
+                  </a14:imgLayer>
+                </a14:imgProps>
+              </a:ext>
+            </a:extLst>
+          </a:blip>
+          <a:srcRect l="4039" r="3282" b="10457"/>
+          <a:stretch/>
+        </p:blipFill>
+        <p:spPr>
+          <a:xfrm>
+            <a:off x="952500" y="171450"/>
+            <a:ext cx="9547200" cy="6210000"/>
+          </a:xfrm>
+          <a:prstGeom prst="rect">
+            <a:avLst/>
+          </a:prstGeom>
+          <a:solidFill>
+            <a:schemeClr val="bg1">
+              <a:alpha val="36000"/>
+            </a:schemeClr>
+          </a:solidFill>
+        </p:spPr>
+      </p:pic>
+    </p:spTree>
+    <p:extLst>
+      <p:ext uri="{BB962C8B-B14F-4D97-AF65-F5344CB8AC3E}">
+        <p14:creationId xmlns:p14="http://schemas.microsoft.com/office/powerpoint/2010/main" val="810231343"/>
       </p:ext>
     </p:extLst>
   </p:cSld>
@@ -7477,4 +11859,299 @@
     </a:ext>
   </a:extLst>
 </a:theme>
+</file>
+
+<file path=ppt/theme/theme2.xml><?xml version="1.0" encoding="utf-8"?>
+<a:theme xmlns:a="http://schemas.openxmlformats.org/drawingml/2006/main" name="Office 佈景主題">
+  <a:themeElements>
+    <a:clrScheme name="Office">
+      <a:dk1>
+        <a:sysClr val="windowText" lastClr="000000"/>
+      </a:dk1>
+      <a:lt1>
+        <a:sysClr val="window" lastClr="FFFFFF"/>
+      </a:lt1>
+      <a:dk2>
+        <a:srgbClr val="44546A"/>
+      </a:dk2>
+      <a:lt2>
+        <a:srgbClr val="E7E6E6"/>
+      </a:lt2>
+      <a:accent1>
+        <a:srgbClr val="4472C4"/>
+      </a:accent1>
+      <a:accent2>
+        <a:srgbClr val="ED7D31"/>
+      </a:accent2>
+      <a:accent3>
+        <a:srgbClr val="A5A5A5"/>
+      </a:accent3>
+      <a:accent4>
+        <a:srgbClr val="FFC000"/>
+      </a:accent4>
+      <a:accent5>
+        <a:srgbClr val="5B9BD5"/>
+      </a:accent5>
+      <a:accent6>
+        <a:srgbClr val="70AD47"/>
+      </a:accent6>
+      <a:hlink>
+        <a:srgbClr val="0563C1"/>
+      </a:hlink>
+      <a:folHlink>
+        <a:srgbClr val="954F72"/>
+      </a:folHlink>
+    </a:clrScheme>
+    <a:fontScheme name="Office">
+      <a:majorFont>
+        <a:latin typeface="Calibri Light" panose="020F0302020204030204"/>
+        <a:ea typeface=""/>
+        <a:cs typeface=""/>
+        <a:font script="Jpan" typeface="游ゴシック Light"/>
+        <a:font script="Hang" typeface="맑은 고딕"/>
+        <a:font script="Hans" typeface="等线 Light"/>
+        <a:font script="Hant" typeface="新細明體"/>
+        <a:font script="Arab" typeface="Times New Roman"/>
+        <a:font script="Hebr" typeface="Times New Roman"/>
+        <a:font script="Thai" typeface="Angsana New"/>
+        <a:font script="Ethi" typeface="Nyala"/>
+        <a:font script="Beng" typeface="Vrinda"/>
+        <a:font script="Gujr" typeface="Shruti"/>
+        <a:font script="Khmr" typeface="MoolBoran"/>
+        <a:font script="Knda" typeface="Tunga"/>
+        <a:font script="Guru" typeface="Raavi"/>
+        <a:font script="Cans" typeface="Euphemia"/>
+        <a:font script="Cher" typeface="Plantagenet Cherokee"/>
+        <a:font script="Yiii" typeface="Microsoft Yi Baiti"/>
+        <a:font script="Tibt" typeface="Microsoft Himalaya"/>
+        <a:font script="Thaa" typeface="MV Boli"/>
+        <a:font script="Deva" typeface="Mangal"/>
+        <a:font script="Telu" typeface="Gautami"/>
+        <a:font script="Taml" typeface="Latha"/>
+        <a:font script="Syrc" typeface="Estrangelo Edessa"/>
+        <a:font script="Orya" typeface="Kalinga"/>
+        <a:font script="Mlym" typeface="Kartika"/>
+        <a:font script="Laoo" typeface="DokChampa"/>
+        <a:font script="Sinh" typeface="Iskoola Pota"/>
+        <a:font script="Mong" typeface="Mongolian Baiti"/>
+        <a:font script="Viet" typeface="Times New Roman"/>
+        <a:font script="Uigh" typeface="Microsoft Uighur"/>
+        <a:font script="Geor" typeface="Sylfaen"/>
+        <a:font script="Armn" typeface="Arial"/>
+        <a:font script="Bugi" typeface="Leelawadee UI"/>
+        <a:font script="Bopo" typeface="Microsoft JhengHei"/>
+        <a:font script="Java" typeface="Javanese Text"/>
+        <a:font script="Lisu" typeface="Segoe UI"/>
+        <a:font script="Mymr" typeface="Myanmar Text"/>
+        <a:font script="Nkoo" typeface="Ebrima"/>
+        <a:font script="Olck" typeface="Nirmala UI"/>
+        <a:font script="Osma" typeface="Ebrima"/>
+        <a:font script="Phag" typeface="Phagspa"/>
+        <a:font script="Syrn" typeface="Estrangelo Edessa"/>
+        <a:font script="Syrj" typeface="Estrangelo Edessa"/>
+        <a:font script="Syre" typeface="Estrangelo Edessa"/>
+        <a:font script="Sora" typeface="Nirmala UI"/>
+        <a:font script="Tale" typeface="Microsoft Tai Le"/>
+        <a:font script="Talu" typeface="Microsoft New Tai Lue"/>
+        <a:font script="Tfng" typeface="Ebrima"/>
+      </a:majorFont>
+      <a:minorFont>
+        <a:latin typeface="Calibri" panose="020F0502020204030204"/>
+        <a:ea typeface=""/>
+        <a:cs typeface=""/>
+        <a:font script="Jpan" typeface="游ゴシック"/>
+        <a:font script="Hang" typeface="맑은 고딕"/>
+        <a:font script="Hans" typeface="等线"/>
+        <a:font script="Hant" typeface="新細明體"/>
+        <a:font script="Arab" typeface="Arial"/>
+        <a:font script="Hebr" typeface="Arial"/>
+        <a:font script="Thai" typeface="Cordia New"/>
+        <a:font script="Ethi" typeface="Nyala"/>
+        <a:font script="Beng" typeface="Vrinda"/>
+        <a:font script="Gujr" typeface="Shruti"/>
+        <a:font script="Khmr" typeface="DaunPenh"/>
+        <a:font script="Knda" typeface="Tunga"/>
+        <a:font script="Guru" typeface="Raavi"/>
+        <a:font script="Cans" typeface="Euphemia"/>
+        <a:font script="Cher" typeface="Plantagenet Cherokee"/>
+        <a:font script="Yiii" typeface="Microsoft Yi Baiti"/>
+        <a:font script="Tibt" typeface="Microsoft Himalaya"/>
+        <a:font script="Thaa" typeface="MV Boli"/>
+        <a:font script="Deva" typeface="Mangal"/>
+        <a:font script="Telu" typeface="Gautami"/>
+        <a:font script="Taml" typeface="Latha"/>
+        <a:font script="Syrc" typeface="Estrangelo Edessa"/>
+        <a:font script="Orya" typeface="Kalinga"/>
+        <a:font script="Mlym" typeface="Kartika"/>
+        <a:font script="Laoo" typeface="DokChampa"/>
+        <a:font script="Sinh" typeface="Iskoola Pota"/>
+        <a:font script="Mong" typeface="Mongolian Baiti"/>
+        <a:font script="Viet" typeface="Arial"/>
+        <a:font script="Uigh" typeface="Microsoft Uighur"/>
+        <a:font script="Geor" typeface="Sylfaen"/>
+        <a:font script="Armn" typeface="Arial"/>
+        <a:font script="Bugi" typeface="Leelawadee UI"/>
+        <a:font script="Bopo" typeface="Microsoft JhengHei"/>
+        <a:font script="Java" typeface="Javanese Text"/>
+        <a:font script="Lisu" typeface="Segoe UI"/>
+        <a:font script="Mymr" typeface="Myanmar Text"/>
+        <a:font script="Nkoo" typeface="Ebrima"/>
+        <a:font script="Olck" typeface="Nirmala UI"/>
+        <a:font script="Osma" typeface="Ebrima"/>
+        <a:font script="Phag" typeface="Phagspa"/>
+        <a:font script="Syrn" typeface="Estrangelo Edessa"/>
+        <a:font script="Syrj" typeface="Estrangelo Edessa"/>
+        <a:font script="Syre" typeface="Estrangelo Edessa"/>
+        <a:font script="Sora" typeface="Nirmala UI"/>
+        <a:font script="Tale" typeface="Microsoft Tai Le"/>
+        <a:font script="Talu" typeface="Microsoft New Tai Lue"/>
+        <a:font script="Tfng" typeface="Ebrima"/>
+      </a:minorFont>
+    </a:fontScheme>
+    <a:fmtScheme name="Office">
+      <a:fillStyleLst>
+        <a:solidFill>
+          <a:schemeClr val="phClr"/>
+        </a:solidFill>
+        <a:gradFill rotWithShape="1">
+          <a:gsLst>
+            <a:gs pos="0">
+              <a:schemeClr val="phClr">
+                <a:lumMod val="110000"/>
+                <a:satMod val="105000"/>
+                <a:tint val="67000"/>
+              </a:schemeClr>
+            </a:gs>
+            <a:gs pos="50000">
+              <a:schemeClr val="phClr">
+                <a:lumMod val="105000"/>
+                <a:satMod val="103000"/>
+                <a:tint val="73000"/>
+              </a:schemeClr>
+            </a:gs>
+            <a:gs pos="100000">
+              <a:schemeClr val="phClr">
+                <a:lumMod val="105000"/>
+                <a:satMod val="109000"/>
+                <a:tint val="81000"/>
+              </a:schemeClr>
+            </a:gs>
+          </a:gsLst>
+          <a:lin ang="5400000" scaled="0"/>
+        </a:gradFill>
+        <a:gradFill rotWithShape="1">
+          <a:gsLst>
+            <a:gs pos="0">
+              <a:schemeClr val="phClr">
+                <a:satMod val="103000"/>
+                <a:lumMod val="102000"/>
+                <a:tint val="94000"/>
+              </a:schemeClr>
+            </a:gs>
+            <a:gs pos="50000">
+              <a:schemeClr val="phClr">
+                <a:satMod val="110000"/>
+                <a:lumMod val="100000"/>
+                <a:shade val="100000"/>
+              </a:schemeClr>
+            </a:gs>
+            <a:gs pos="100000">
+              <a:schemeClr val="phClr">
+                <a:lumMod val="99000"/>
+                <a:satMod val="120000"/>
+                <a:shade val="78000"/>
+              </a:schemeClr>
+            </a:gs>
+          </a:gsLst>
+          <a:lin ang="5400000" scaled="0"/>
+        </a:gradFill>
+      </a:fillStyleLst>
+      <a:lnStyleLst>
+        <a:ln w="6350" cap="flat" cmpd="sng" algn="ctr">
+          <a:solidFill>
+            <a:schemeClr val="phClr"/>
+          </a:solidFill>
+          <a:prstDash val="solid"/>
+          <a:miter lim="800000"/>
+        </a:ln>
+        <a:ln w="12700" cap="flat" cmpd="sng" algn="ctr">
+          <a:solidFill>
+            <a:schemeClr val="phClr"/>
+          </a:solidFill>
+          <a:prstDash val="solid"/>
+          <a:miter lim="800000"/>
+        </a:ln>
+        <a:ln w="19050" cap="flat" cmpd="sng" algn="ctr">
+          <a:solidFill>
+            <a:schemeClr val="phClr"/>
+          </a:solidFill>
+          <a:prstDash val="solid"/>
+          <a:miter lim="800000"/>
+        </a:ln>
+      </a:lnStyleLst>
+      <a:effectStyleLst>
+        <a:effectStyle>
+          <a:effectLst/>
+        </a:effectStyle>
+        <a:effectStyle>
+          <a:effectLst/>
+        </a:effectStyle>
+        <a:effectStyle>
+          <a:effectLst>
+            <a:outerShdw blurRad="57150" dist="19050" dir="5400000" algn="ctr" rotWithShape="0">
+              <a:srgbClr val="000000">
+                <a:alpha val="63000"/>
+              </a:srgbClr>
+            </a:outerShdw>
+          </a:effectLst>
+        </a:effectStyle>
+      </a:effectStyleLst>
+      <a:bgFillStyleLst>
+        <a:solidFill>
+          <a:schemeClr val="phClr"/>
+        </a:solidFill>
+        <a:solidFill>
+          <a:schemeClr val="phClr">
+            <a:tint val="95000"/>
+            <a:satMod val="170000"/>
+          </a:schemeClr>
+        </a:solidFill>
+        <a:gradFill rotWithShape="1">
+          <a:gsLst>
+            <a:gs pos="0">
+              <a:schemeClr val="phClr">
+                <a:tint val="93000"/>
+                <a:satMod val="150000"/>
+                <a:shade val="98000"/>
+                <a:lumMod val="102000"/>
+              </a:schemeClr>
+            </a:gs>
+            <a:gs pos="50000">
+              <a:schemeClr val="phClr">
+                <a:tint val="98000"/>
+                <a:satMod val="130000"/>
+                <a:shade val="90000"/>
+                <a:lumMod val="103000"/>
+              </a:schemeClr>
+            </a:gs>
+            <a:gs pos="100000">
+              <a:schemeClr val="phClr">
+                <a:shade val="63000"/>
+                <a:satMod val="120000"/>
+              </a:schemeClr>
+            </a:gs>
+          </a:gsLst>
+          <a:lin ang="5400000" scaled="0"/>
+        </a:gradFill>
+      </a:bgFillStyleLst>
+    </a:fmtScheme>
+  </a:themeElements>
+  <a:objectDefaults/>
+  <a:extraClrSchemeLst/>
+  <a:extLst>
+    <a:ext uri="{05A4C25C-085E-4340-85A3-A5531E510DB2}">
+      <thm15:themeFamily xmlns:thm15="http://schemas.microsoft.com/office/thememl/2012/main" name="Office Theme" id="{62F939B6-93AF-4DB8-9C6B-D6C7DFDC589F}" vid="{4A3C46E8-61CC-4603-A589-7422A47A8E4A}"/>
+    </a:ext>
+  </a:extLst>
+</a:theme>
 </file>
--- a/素材.pptx
+++ b/素材.pptx
@@ -204,7 +204,7 @@
           <a:p>
             <a:fld id="{029E3BF1-63DD-46B2-AFB6-146B565DB00E}" type="datetimeFigureOut">
               <a:rPr lang="zh-TW" altLang="en-US" smtClean="0"/>
-              <a:t>2024/3/29</a:t>
+              <a:t>2024/5/3</a:t>
             </a:fld>
             <a:endParaRPr lang="zh-TW" altLang="en-US"/>
           </a:p>
@@ -786,7 +786,7 @@
           <a:p>
             <a:fld id="{A992F66E-925A-495D-8B16-EB564F6883FB}" type="datetimeFigureOut">
               <a:rPr lang="zh-TW" altLang="en-US" smtClean="0"/>
-              <a:t>2024/3/29</a:t>
+              <a:t>2024/5/3</a:t>
             </a:fld>
             <a:endParaRPr lang="zh-TW" altLang="en-US"/>
           </a:p>
@@ -984,7 +984,7 @@
           <a:p>
             <a:fld id="{A992F66E-925A-495D-8B16-EB564F6883FB}" type="datetimeFigureOut">
               <a:rPr lang="zh-TW" altLang="en-US" smtClean="0"/>
-              <a:t>2024/3/29</a:t>
+              <a:t>2024/5/3</a:t>
             </a:fld>
             <a:endParaRPr lang="zh-TW" altLang="en-US"/>
           </a:p>
@@ -1192,7 +1192,7 @@
           <a:p>
             <a:fld id="{A992F66E-925A-495D-8B16-EB564F6883FB}" type="datetimeFigureOut">
               <a:rPr lang="zh-TW" altLang="en-US" smtClean="0"/>
-              <a:t>2024/3/29</a:t>
+              <a:t>2024/5/3</a:t>
             </a:fld>
             <a:endParaRPr lang="zh-TW" altLang="en-US"/>
           </a:p>
@@ -1390,7 +1390,7 @@
           <a:p>
             <a:fld id="{A992F66E-925A-495D-8B16-EB564F6883FB}" type="datetimeFigureOut">
               <a:rPr lang="zh-TW" altLang="en-US" smtClean="0"/>
-              <a:t>2024/3/29</a:t>
+              <a:t>2024/5/3</a:t>
             </a:fld>
             <a:endParaRPr lang="zh-TW" altLang="en-US"/>
           </a:p>
@@ -1665,7 +1665,7 @@
           <a:p>
             <a:fld id="{A992F66E-925A-495D-8B16-EB564F6883FB}" type="datetimeFigureOut">
               <a:rPr lang="zh-TW" altLang="en-US" smtClean="0"/>
-              <a:t>2024/3/29</a:t>
+              <a:t>2024/5/3</a:t>
             </a:fld>
             <a:endParaRPr lang="zh-TW" altLang="en-US"/>
           </a:p>
@@ -1930,7 +1930,7 @@
           <a:p>
             <a:fld id="{A992F66E-925A-495D-8B16-EB564F6883FB}" type="datetimeFigureOut">
               <a:rPr lang="zh-TW" altLang="en-US" smtClean="0"/>
-              <a:t>2024/3/29</a:t>
+              <a:t>2024/5/3</a:t>
             </a:fld>
             <a:endParaRPr lang="zh-TW" altLang="en-US"/>
           </a:p>
@@ -2342,7 +2342,7 @@
           <a:p>
             <a:fld id="{A992F66E-925A-495D-8B16-EB564F6883FB}" type="datetimeFigureOut">
               <a:rPr lang="zh-TW" altLang="en-US" smtClean="0"/>
-              <a:t>2024/3/29</a:t>
+              <a:t>2024/5/3</a:t>
             </a:fld>
             <a:endParaRPr lang="zh-TW" altLang="en-US"/>
           </a:p>
@@ -2483,7 +2483,7 @@
           <a:p>
             <a:fld id="{A992F66E-925A-495D-8B16-EB564F6883FB}" type="datetimeFigureOut">
               <a:rPr lang="zh-TW" altLang="en-US" smtClean="0"/>
-              <a:t>2024/3/29</a:t>
+              <a:t>2024/5/3</a:t>
             </a:fld>
             <a:endParaRPr lang="zh-TW" altLang="en-US"/>
           </a:p>
@@ -2596,7 +2596,7 @@
           <a:p>
             <a:fld id="{A992F66E-925A-495D-8B16-EB564F6883FB}" type="datetimeFigureOut">
               <a:rPr lang="zh-TW" altLang="en-US" smtClean="0"/>
-              <a:t>2024/3/29</a:t>
+              <a:t>2024/5/3</a:t>
             </a:fld>
             <a:endParaRPr lang="zh-TW" altLang="en-US"/>
           </a:p>
@@ -2907,7 +2907,7 @@
           <a:p>
             <a:fld id="{A992F66E-925A-495D-8B16-EB564F6883FB}" type="datetimeFigureOut">
               <a:rPr lang="zh-TW" altLang="en-US" smtClean="0"/>
-              <a:t>2024/3/29</a:t>
+              <a:t>2024/5/3</a:t>
             </a:fld>
             <a:endParaRPr lang="zh-TW" altLang="en-US"/>
           </a:p>
@@ -3195,7 +3195,7 @@
           <a:p>
             <a:fld id="{A992F66E-925A-495D-8B16-EB564F6883FB}" type="datetimeFigureOut">
               <a:rPr lang="zh-TW" altLang="en-US" smtClean="0"/>
-              <a:t>2024/3/29</a:t>
+              <a:t>2024/5/3</a:t>
             </a:fld>
             <a:endParaRPr lang="zh-TW" altLang="en-US"/>
           </a:p>
@@ -3436,7 +3436,7 @@
           <a:p>
             <a:fld id="{A992F66E-925A-495D-8B16-EB564F6883FB}" type="datetimeFigureOut">
               <a:rPr lang="zh-TW" altLang="en-US" smtClean="0"/>
-              <a:t>2024/3/29</a:t>
+              <a:t>2024/5/3</a:t>
             </a:fld>
             <a:endParaRPr lang="zh-TW" altLang="en-US"/>
           </a:p>
@@ -10093,6 +10093,171 @@
           <a:xfrm flipV="1">
             <a:off x="9441702" y="1583463"/>
             <a:ext cx="1126205" cy="1126205"/>
+          </a:xfrm>
+          <a:prstGeom prst="rect">
+            <a:avLst/>
+          </a:prstGeom>
+          <a:noFill/>
+          <a:extLst>
+            <a:ext uri="{909E8E84-426E-40DD-AFC4-6F175D3DCCD1}">
+              <a14:hiddenFill xmlns:a14="http://schemas.microsoft.com/office/drawing/2010/main">
+                <a:solidFill>
+                  <a:srgbClr val="FFFFFF"/>
+                </a:solidFill>
+              </a14:hiddenFill>
+            </a:ext>
+          </a:extLst>
+        </p:spPr>
+      </p:pic>
+      <p:pic>
+        <p:nvPicPr>
+          <p:cNvPr id="4" name="Picture 2" descr="田鼠矢量圖、剪貼畫和插圖免費下載- illustAC">
+            <a:extLst>
+              <a:ext uri="{FF2B5EF4-FFF2-40B4-BE49-F238E27FC236}">
+                <a16:creationId xmlns:a16="http://schemas.microsoft.com/office/drawing/2014/main" id="{271F506E-9F23-B15F-9C07-30CD61002BA8}"/>
+              </a:ext>
+            </a:extLst>
+          </p:cNvPr>
+          <p:cNvPicPr>
+            <a:picLocks noChangeAspect="1" noChangeArrowheads="1"/>
+          </p:cNvPicPr>
+          <p:nvPr/>
+        </p:nvPicPr>
+        <p:blipFill>
+          <a:blip r:embed="rId7">
+            <a:extLst>
+              <a:ext uri="{28A0092B-C50C-407E-A947-70E740481C1C}">
+                <a14:useLocalDpi xmlns:a14="http://schemas.microsoft.com/office/drawing/2010/main" val="0"/>
+              </a:ext>
+            </a:extLst>
+          </a:blip>
+          <a:srcRect/>
+          <a:stretch>
+            <a:fillRect/>
+          </a:stretch>
+        </p:blipFill>
+        <p:spPr bwMode="auto">
+          <a:xfrm>
+            <a:off x="1395816" y="4918381"/>
+            <a:ext cx="4183574" cy="1419576"/>
+          </a:xfrm>
+          <a:prstGeom prst="rect">
+            <a:avLst/>
+          </a:prstGeom>
+          <a:noFill/>
+          <a:extLst>
+            <a:ext uri="{909E8E84-426E-40DD-AFC4-6F175D3DCCD1}">
+              <a14:hiddenFill xmlns:a14="http://schemas.microsoft.com/office/drawing/2010/main">
+                <a:solidFill>
+                  <a:srgbClr val="FFFFFF"/>
+                </a:solidFill>
+              </a14:hiddenFill>
+            </a:ext>
+          </a:extLst>
+        </p:spPr>
+      </p:pic>
+      <p:pic>
+        <p:nvPicPr>
+          <p:cNvPr id="8" name="Picture 2" descr="田鼠矢量圖、剪貼畫和插圖免費下載- illustAC">
+            <a:extLst>
+              <a:ext uri="{FF2B5EF4-FFF2-40B4-BE49-F238E27FC236}">
+                <a16:creationId xmlns:a16="http://schemas.microsoft.com/office/drawing/2014/main" id="{B9C99C44-CD2A-758F-E42D-405BB64920D5}"/>
+              </a:ext>
+            </a:extLst>
+          </p:cNvPr>
+          <p:cNvPicPr>
+            <a:picLocks noChangeAspect="1" noChangeArrowheads="1"/>
+          </p:cNvPicPr>
+          <p:nvPr/>
+        </p:nvPicPr>
+        <p:blipFill>
+          <a:blip r:embed="rId8">
+            <a:extLst>
+              <a:ext uri="{BEBA8EAE-BF5A-486C-A8C5-ECC9F3942E4B}">
+                <a14:imgProps xmlns:a14="http://schemas.microsoft.com/office/drawing/2010/main">
+                  <a14:imgLayer r:embed="rId9">
+                    <a14:imgEffect>
+                      <a14:backgroundRemoval t="0" b="100000" l="0" r="100000">
+                        <a14:foregroundMark x1="38623" y1="85588" x2="38623" y2="85588"/>
+                        <a14:foregroundMark x1="58982" y1="60882" x2="73253" y2="77059"/>
+                      </a14:backgroundRemoval>
+                    </a14:imgEffect>
+                  </a14:imgLayer>
+                </a14:imgProps>
+              </a:ext>
+              <a:ext uri="{28A0092B-C50C-407E-A947-70E740481C1C}">
+                <a14:useLocalDpi xmlns:a14="http://schemas.microsoft.com/office/drawing/2010/main" val="0"/>
+              </a:ext>
+            </a:extLst>
+          </a:blip>
+          <a:srcRect/>
+          <a:stretch>
+            <a:fillRect/>
+          </a:stretch>
+        </p:blipFill>
+        <p:spPr bwMode="auto">
+          <a:xfrm flipH="1">
+            <a:off x="8569435" y="5344642"/>
+            <a:ext cx="1744534" cy="591958"/>
+          </a:xfrm>
+          <a:prstGeom prst="rect">
+            <a:avLst/>
+          </a:prstGeom>
+          <a:noFill/>
+          <a:extLst>
+            <a:ext uri="{909E8E84-426E-40DD-AFC4-6F175D3DCCD1}">
+              <a14:hiddenFill xmlns:a14="http://schemas.microsoft.com/office/drawing/2010/main">
+                <a:solidFill>
+                  <a:srgbClr val="FFFFFF"/>
+                </a:solidFill>
+              </a14:hiddenFill>
+            </a:ext>
+          </a:extLst>
+        </p:spPr>
+      </p:pic>
+      <p:pic>
+        <p:nvPicPr>
+          <p:cNvPr id="9" name="Picture 2" descr="田鼠矢量圖、剪貼畫和插圖免費下載- illustAC">
+            <a:extLst>
+              <a:ext uri="{FF2B5EF4-FFF2-40B4-BE49-F238E27FC236}">
+                <a16:creationId xmlns:a16="http://schemas.microsoft.com/office/drawing/2014/main" id="{4D95E8CF-375E-16FF-FC29-67239132E664}"/>
+              </a:ext>
+            </a:extLst>
+          </p:cNvPr>
+          <p:cNvPicPr>
+            <a:picLocks noChangeAspect="1" noChangeArrowheads="1"/>
+          </p:cNvPicPr>
+          <p:nvPr/>
+        </p:nvPicPr>
+        <p:blipFill>
+          <a:blip r:embed="rId8">
+            <a:extLst>
+              <a:ext uri="{BEBA8EAE-BF5A-486C-A8C5-ECC9F3942E4B}">
+                <a14:imgProps xmlns:a14="http://schemas.microsoft.com/office/drawing/2010/main">
+                  <a14:imgLayer r:embed="rId9">
+                    <a14:imgEffect>
+                      <a14:backgroundRemoval t="0" b="100000" l="0" r="100000">
+                        <a14:foregroundMark x1="38623" y1="85588" x2="38623" y2="85588"/>
+                        <a14:foregroundMark x1="58982" y1="60882" x2="73253" y2="77059"/>
+                      </a14:backgroundRemoval>
+                    </a14:imgEffect>
+                  </a14:imgLayer>
+                </a14:imgProps>
+              </a:ext>
+              <a:ext uri="{28A0092B-C50C-407E-A947-70E740481C1C}">
+                <a14:useLocalDpi xmlns:a14="http://schemas.microsoft.com/office/drawing/2010/main" val="0"/>
+              </a:ext>
+            </a:extLst>
+          </a:blip>
+          <a:srcRect/>
+          <a:stretch>
+            <a:fillRect/>
+          </a:stretch>
+        </p:blipFill>
+        <p:spPr bwMode="auto">
+          <a:xfrm>
+            <a:off x="6462547" y="5344642"/>
+            <a:ext cx="1744534" cy="591958"/>
           </a:xfrm>
           <a:prstGeom prst="rect">
             <a:avLst/>
